--- a/labs/lab01b_vi_regex.pptx
+++ b/labs/lab01b_vi_regex.pptx
@@ -216,7 +216,7 @@
           <a:p>
             <a:fld id="{08E6E0A8-E17C-C949-B17E-7A1A6494483A}" type="datetimeFigureOut">
               <a:rPr lang="en-US" smtClean="0"/>
-              <a:t>1/18/17</a:t>
+              <a:t>1/19/17</a:t>
             </a:fld>
             <a:endParaRPr lang="en-US"/>
           </a:p>
@@ -759,7 +759,7 @@
           <a:p>
             <a:fld id="{42B8B0BE-C8D7-EB48-AD68-71DB5002F24B}" type="datetimeFigureOut">
               <a:rPr lang="en-US" smtClean="0"/>
-              <a:t>1/18/17</a:t>
+              <a:t>1/19/17</a:t>
             </a:fld>
             <a:endParaRPr lang="en-US"/>
           </a:p>
@@ -929,7 +929,7 @@
           <a:p>
             <a:fld id="{42B8B0BE-C8D7-EB48-AD68-71DB5002F24B}" type="datetimeFigureOut">
               <a:rPr lang="en-US" smtClean="0"/>
-              <a:t>1/18/17</a:t>
+              <a:t>1/19/17</a:t>
             </a:fld>
             <a:endParaRPr lang="en-US"/>
           </a:p>
@@ -1109,7 +1109,7 @@
           <a:p>
             <a:fld id="{42B8B0BE-C8D7-EB48-AD68-71DB5002F24B}" type="datetimeFigureOut">
               <a:rPr lang="en-US" smtClean="0"/>
-              <a:t>1/18/17</a:t>
+              <a:t>1/19/17</a:t>
             </a:fld>
             <a:endParaRPr lang="en-US"/>
           </a:p>
@@ -1279,7 +1279,7 @@
           <a:p>
             <a:fld id="{42B8B0BE-C8D7-EB48-AD68-71DB5002F24B}" type="datetimeFigureOut">
               <a:rPr lang="en-US" smtClean="0"/>
-              <a:t>1/18/17</a:t>
+              <a:t>1/19/17</a:t>
             </a:fld>
             <a:endParaRPr lang="en-US"/>
           </a:p>
@@ -1525,7 +1525,7 @@
           <a:p>
             <a:fld id="{42B8B0BE-C8D7-EB48-AD68-71DB5002F24B}" type="datetimeFigureOut">
               <a:rPr lang="en-US" smtClean="0"/>
-              <a:t>1/18/17</a:t>
+              <a:t>1/19/17</a:t>
             </a:fld>
             <a:endParaRPr lang="en-US"/>
           </a:p>
@@ -1813,7 +1813,7 @@
           <a:p>
             <a:fld id="{42B8B0BE-C8D7-EB48-AD68-71DB5002F24B}" type="datetimeFigureOut">
               <a:rPr lang="en-US" smtClean="0"/>
-              <a:t>1/18/17</a:t>
+              <a:t>1/19/17</a:t>
             </a:fld>
             <a:endParaRPr lang="en-US"/>
           </a:p>
@@ -2235,7 +2235,7 @@
           <a:p>
             <a:fld id="{42B8B0BE-C8D7-EB48-AD68-71DB5002F24B}" type="datetimeFigureOut">
               <a:rPr lang="en-US" smtClean="0"/>
-              <a:t>1/18/17</a:t>
+              <a:t>1/19/17</a:t>
             </a:fld>
             <a:endParaRPr lang="en-US"/>
           </a:p>
@@ -2353,7 +2353,7 @@
           <a:p>
             <a:fld id="{42B8B0BE-C8D7-EB48-AD68-71DB5002F24B}" type="datetimeFigureOut">
               <a:rPr lang="en-US" smtClean="0"/>
-              <a:t>1/18/17</a:t>
+              <a:t>1/19/17</a:t>
             </a:fld>
             <a:endParaRPr lang="en-US"/>
           </a:p>
@@ -2448,7 +2448,7 @@
           <a:p>
             <a:fld id="{42B8B0BE-C8D7-EB48-AD68-71DB5002F24B}" type="datetimeFigureOut">
               <a:rPr lang="en-US" smtClean="0"/>
-              <a:t>1/18/17</a:t>
+              <a:t>1/19/17</a:t>
             </a:fld>
             <a:endParaRPr lang="en-US"/>
           </a:p>
@@ -2725,7 +2725,7 @@
           <a:p>
             <a:fld id="{42B8B0BE-C8D7-EB48-AD68-71DB5002F24B}" type="datetimeFigureOut">
               <a:rPr lang="en-US" smtClean="0"/>
-              <a:t>1/18/17</a:t>
+              <a:t>1/19/17</a:t>
             </a:fld>
             <a:endParaRPr lang="en-US"/>
           </a:p>
@@ -2978,7 +2978,7 @@
           <a:p>
             <a:fld id="{42B8B0BE-C8D7-EB48-AD68-71DB5002F24B}" type="datetimeFigureOut">
               <a:rPr lang="en-US" smtClean="0"/>
-              <a:t>1/18/17</a:t>
+              <a:t>1/19/17</a:t>
             </a:fld>
             <a:endParaRPr lang="en-US"/>
           </a:p>
@@ -3191,7 +3191,7 @@
           <a:p>
             <a:fld id="{42B8B0BE-C8D7-EB48-AD68-71DB5002F24B}" type="datetimeFigureOut">
               <a:rPr lang="en-US" smtClean="0"/>
-              <a:t>1/18/17</a:t>
+              <a:t>1/19/17</a:t>
             </a:fld>
             <a:endParaRPr lang="en-US"/>
           </a:p>
@@ -13656,6 +13656,13 @@
   <p:clrMapOvr>
     <a:masterClrMapping/>
   </p:clrMapOvr>
+  <p:timing>
+    <p:tnLst>
+      <p:par>
+        <p:cTn xmlns:p14="http://schemas.microsoft.com/office/powerpoint/2010/main" id="1" dur="indefinite" restart="never" nodeType="tmRoot"/>
+      </p:par>
+    </p:tnLst>
+  </p:timing>
 </p:sld>
 </file>
 
@@ -20929,6 +20936,13 @@
   <p:clrMapOvr>
     <a:masterClrMapping/>
   </p:clrMapOvr>
+  <p:timing>
+    <p:tnLst>
+      <p:par>
+        <p:cTn xmlns:p14="http://schemas.microsoft.com/office/powerpoint/2010/main" id="1" dur="indefinite" restart="never" nodeType="tmRoot"/>
+      </p:par>
+    </p:tnLst>
+  </p:timing>
 </p:sld>
 </file>
 
@@ -24221,6 +24235,13 @@
   <p:clrMapOvr>
     <a:masterClrMapping/>
   </p:clrMapOvr>
+  <p:timing>
+    <p:tnLst>
+      <p:par>
+        <p:cTn xmlns:p14="http://schemas.microsoft.com/office/powerpoint/2010/main" id="1" dur="indefinite" restart="never" nodeType="tmRoot"/>
+      </p:par>
+    </p:tnLst>
+  </p:timing>
 </p:sld>
 </file>
 

--- a/labs/lab01b_vi_regex.pptx
+++ b/labs/lab01b_vi_regex.pptx
@@ -5,7 +5,7 @@
     <p:sldMasterId id="2147483648" r:id="rId1"/>
   </p:sldMasterIdLst>
   <p:notesMasterIdLst>
-    <p:notesMasterId r:id="rId27"/>
+    <p:notesMasterId r:id="rId16"/>
   </p:notesMasterIdLst>
   <p:sldIdLst>
     <p:sldId id="256" r:id="rId2"/>
@@ -14,25 +14,14 @@
     <p:sldId id="291" r:id="rId5"/>
     <p:sldId id="292" r:id="rId6"/>
     <p:sldId id="290" r:id="rId7"/>
-    <p:sldId id="286" r:id="rId8"/>
-    <p:sldId id="273" r:id="rId9"/>
-    <p:sldId id="271" r:id="rId10"/>
-    <p:sldId id="264" r:id="rId11"/>
-    <p:sldId id="272" r:id="rId12"/>
-    <p:sldId id="279" r:id="rId13"/>
-    <p:sldId id="276" r:id="rId14"/>
-    <p:sldId id="274" r:id="rId15"/>
-    <p:sldId id="278" r:id="rId16"/>
-    <p:sldId id="275" r:id="rId17"/>
-    <p:sldId id="277" r:id="rId18"/>
-    <p:sldId id="285" r:id="rId19"/>
-    <p:sldId id="281" r:id="rId20"/>
-    <p:sldId id="282" r:id="rId21"/>
-    <p:sldId id="283" r:id="rId22"/>
-    <p:sldId id="288" r:id="rId23"/>
-    <p:sldId id="284" r:id="rId24"/>
-    <p:sldId id="289" r:id="rId25"/>
-    <p:sldId id="280" r:id="rId26"/>
+    <p:sldId id="285" r:id="rId8"/>
+    <p:sldId id="281" r:id="rId9"/>
+    <p:sldId id="282" r:id="rId10"/>
+    <p:sldId id="283" r:id="rId11"/>
+    <p:sldId id="288" r:id="rId12"/>
+    <p:sldId id="284" r:id="rId13"/>
+    <p:sldId id="289" r:id="rId14"/>
+    <p:sldId id="280" r:id="rId15"/>
   </p:sldIdLst>
   <p:sldSz cx="9144000" cy="6858000" type="screen4x3"/>
   <p:notesSz cx="6858000" cy="9144000"/>
@@ -216,7 +205,7 @@
           <a:p>
             <a:fld id="{08E6E0A8-E17C-C949-B17E-7A1A6494483A}" type="datetimeFigureOut">
               <a:rPr lang="en-US" smtClean="0"/>
-              <a:t>1/19/17</a:t>
+              <a:t>1/25/17</a:t>
             </a:fld>
             <a:endParaRPr lang="en-US"/>
           </a:p>
@@ -559,7 +548,7 @@
           <a:p>
             <a:fld id="{DC2B8C24-ACAE-AE41-B565-178ED93271F0}" type="slidenum">
               <a:rPr lang="en-US" smtClean="0"/>
-              <a:t>24</a:t>
+              <a:t>13</a:t>
             </a:fld>
             <a:endParaRPr lang="en-US"/>
           </a:p>
@@ -759,7 +748,7 @@
           <a:p>
             <a:fld id="{42B8B0BE-C8D7-EB48-AD68-71DB5002F24B}" type="datetimeFigureOut">
               <a:rPr lang="en-US" smtClean="0"/>
-              <a:t>1/19/17</a:t>
+              <a:t>1/25/17</a:t>
             </a:fld>
             <a:endParaRPr lang="en-US"/>
           </a:p>
@@ -929,7 +918,7 @@
           <a:p>
             <a:fld id="{42B8B0BE-C8D7-EB48-AD68-71DB5002F24B}" type="datetimeFigureOut">
               <a:rPr lang="en-US" smtClean="0"/>
-              <a:t>1/19/17</a:t>
+              <a:t>1/25/17</a:t>
             </a:fld>
             <a:endParaRPr lang="en-US"/>
           </a:p>
@@ -1109,7 +1098,7 @@
           <a:p>
             <a:fld id="{42B8B0BE-C8D7-EB48-AD68-71DB5002F24B}" type="datetimeFigureOut">
               <a:rPr lang="en-US" smtClean="0"/>
-              <a:t>1/19/17</a:t>
+              <a:t>1/25/17</a:t>
             </a:fld>
             <a:endParaRPr lang="en-US"/>
           </a:p>
@@ -1279,7 +1268,7 @@
           <a:p>
             <a:fld id="{42B8B0BE-C8D7-EB48-AD68-71DB5002F24B}" type="datetimeFigureOut">
               <a:rPr lang="en-US" smtClean="0"/>
-              <a:t>1/19/17</a:t>
+              <a:t>1/25/17</a:t>
             </a:fld>
             <a:endParaRPr lang="en-US"/>
           </a:p>
@@ -1525,7 +1514,7 @@
           <a:p>
             <a:fld id="{42B8B0BE-C8D7-EB48-AD68-71DB5002F24B}" type="datetimeFigureOut">
               <a:rPr lang="en-US" smtClean="0"/>
-              <a:t>1/19/17</a:t>
+              <a:t>1/25/17</a:t>
             </a:fld>
             <a:endParaRPr lang="en-US"/>
           </a:p>
@@ -1813,7 +1802,7 @@
           <a:p>
             <a:fld id="{42B8B0BE-C8D7-EB48-AD68-71DB5002F24B}" type="datetimeFigureOut">
               <a:rPr lang="en-US" smtClean="0"/>
-              <a:t>1/19/17</a:t>
+              <a:t>1/25/17</a:t>
             </a:fld>
             <a:endParaRPr lang="en-US"/>
           </a:p>
@@ -2235,7 +2224,7 @@
           <a:p>
             <a:fld id="{42B8B0BE-C8D7-EB48-AD68-71DB5002F24B}" type="datetimeFigureOut">
               <a:rPr lang="en-US" smtClean="0"/>
-              <a:t>1/19/17</a:t>
+              <a:t>1/25/17</a:t>
             </a:fld>
             <a:endParaRPr lang="en-US"/>
           </a:p>
@@ -2353,7 +2342,7 @@
           <a:p>
             <a:fld id="{42B8B0BE-C8D7-EB48-AD68-71DB5002F24B}" type="datetimeFigureOut">
               <a:rPr lang="en-US" smtClean="0"/>
-              <a:t>1/19/17</a:t>
+              <a:t>1/25/17</a:t>
             </a:fld>
             <a:endParaRPr lang="en-US"/>
           </a:p>
@@ -2448,7 +2437,7 @@
           <a:p>
             <a:fld id="{42B8B0BE-C8D7-EB48-AD68-71DB5002F24B}" type="datetimeFigureOut">
               <a:rPr lang="en-US" smtClean="0"/>
-              <a:t>1/19/17</a:t>
+              <a:t>1/25/17</a:t>
             </a:fld>
             <a:endParaRPr lang="en-US"/>
           </a:p>
@@ -2725,7 +2714,7 @@
           <a:p>
             <a:fld id="{42B8B0BE-C8D7-EB48-AD68-71DB5002F24B}" type="datetimeFigureOut">
               <a:rPr lang="en-US" smtClean="0"/>
-              <a:t>1/19/17</a:t>
+              <a:t>1/25/17</a:t>
             </a:fld>
             <a:endParaRPr lang="en-US"/>
           </a:p>
@@ -2978,7 +2967,7 @@
           <a:p>
             <a:fld id="{42B8B0BE-C8D7-EB48-AD68-71DB5002F24B}" type="datetimeFigureOut">
               <a:rPr lang="en-US" smtClean="0"/>
-              <a:t>1/19/17</a:t>
+              <a:t>1/25/17</a:t>
             </a:fld>
             <a:endParaRPr lang="en-US"/>
           </a:p>
@@ -3191,7 +3180,7 @@
           <a:p>
             <a:fld id="{42B8B0BE-C8D7-EB48-AD68-71DB5002F24B}" type="datetimeFigureOut">
               <a:rPr lang="en-US" smtClean="0"/>
-              <a:t>1/19/17</a:t>
+              <a:t>1/25/17</a:t>
             </a:fld>
             <a:endParaRPr lang="en-US"/>
           </a:p>
@@ -3712,3374 +3701,6 @@
             <p:ph type="title"/>
           </p:nvPr>
         </p:nvSpPr>
-        <p:spPr>
-          <a:xfrm>
-            <a:off x="457200" y="274638"/>
-            <a:ext cx="8229600" cy="772987"/>
-          </a:xfrm>
-        </p:spPr>
-        <p:txBody>
-          <a:bodyPr/>
-          <a:lstStyle/>
-          <a:p>
-            <a:r>
-              <a:rPr lang="en-US" dirty="0" smtClean="0"/>
-              <a:t>modes</a:t>
-            </a:r>
-            <a:endParaRPr lang="en-US" dirty="0"/>
-          </a:p>
-        </p:txBody>
-      </p:sp>
-      <p:sp>
-        <p:nvSpPr>
-          <p:cNvPr id="3" name="Content Placeholder 2"/>
-          <p:cNvSpPr>
-            <a:spLocks noGrp="1"/>
-          </p:cNvSpPr>
-          <p:nvPr>
-            <p:ph idx="1"/>
-          </p:nvPr>
-        </p:nvSpPr>
-        <p:spPr>
-          <a:xfrm>
-            <a:off x="457200" y="1384876"/>
-            <a:ext cx="8229600" cy="2693235"/>
-          </a:xfrm>
-        </p:spPr>
-        <p:txBody>
-          <a:bodyPr>
-            <a:normAutofit/>
-          </a:bodyPr>
-          <a:lstStyle/>
-          <a:p>
-            <a:r>
-              <a:rPr lang="en-US" i="1" dirty="0" smtClean="0"/>
-              <a:t>vi</a:t>
-            </a:r>
-            <a:r>
-              <a:rPr lang="en-US" dirty="0" smtClean="0"/>
-              <a:t> has two modes:</a:t>
-            </a:r>
-          </a:p>
-          <a:p>
-            <a:pPr indent="0">
-              <a:buAutoNum type="arabicPeriod"/>
-            </a:pPr>
-            <a:r>
-              <a:rPr lang="en-US" dirty="0" smtClean="0"/>
-              <a:t> insert </a:t>
-            </a:r>
-            <a:r>
-              <a:rPr lang="en-US" dirty="0"/>
-              <a:t>mode </a:t>
-            </a:r>
-            <a:r>
-              <a:rPr lang="en-US" dirty="0" smtClean="0"/>
-              <a:t>(edit as other text editors)</a:t>
-            </a:r>
-          </a:p>
-          <a:p>
-            <a:pPr indent="0">
-              <a:buAutoNum type="arabicPeriod"/>
-            </a:pPr>
-            <a:r>
-              <a:rPr lang="en-US" dirty="0" smtClean="0"/>
-              <a:t> command </a:t>
-            </a:r>
-            <a:r>
-              <a:rPr lang="en-US" dirty="0"/>
-              <a:t>mode </a:t>
-            </a:r>
-            <a:r>
-              <a:rPr lang="en-US" dirty="0" smtClean="0"/>
-              <a:t>(commands </a:t>
-            </a:r>
-            <a:r>
-              <a:rPr lang="en-US" dirty="0"/>
-              <a:t>that control the edit session)</a:t>
-            </a:r>
-            <a:r>
-              <a:rPr lang="en-US" dirty="0" smtClean="0"/>
-              <a:t>.</a:t>
-            </a:r>
-          </a:p>
-          <a:p>
-            <a:pPr indent="0">
-              <a:buNone/>
-            </a:pPr>
-            <a:endParaRPr lang="en-US" dirty="0" smtClean="0">
-              <a:solidFill>
-                <a:srgbClr val="FF0000"/>
-              </a:solidFill>
-            </a:endParaRPr>
-          </a:p>
-          <a:p>
-            <a:pPr indent="0">
-              <a:buNone/>
-            </a:pPr>
-            <a:r>
-              <a:rPr lang="en-US" dirty="0" smtClean="0">
-                <a:solidFill>
-                  <a:srgbClr val="FF0000"/>
-                </a:solidFill>
-              </a:rPr>
-              <a:t>switch modes by using “</a:t>
-            </a:r>
-            <a:r>
-              <a:rPr lang="en-US" dirty="0" err="1" smtClean="0">
-                <a:solidFill>
-                  <a:srgbClr val="FF0000"/>
-                </a:solidFill>
-              </a:rPr>
-              <a:t>i</a:t>
-            </a:r>
-            <a:r>
-              <a:rPr lang="en-US" dirty="0" smtClean="0">
-                <a:solidFill>
-                  <a:srgbClr val="FF0000"/>
-                </a:solidFill>
-              </a:rPr>
-              <a:t>” and “ESC” key</a:t>
-            </a:r>
-          </a:p>
-        </p:txBody>
-      </p:sp>
-    </p:spTree>
-    <p:extLst>
-      <p:ext uri="{BB962C8B-B14F-4D97-AF65-F5344CB8AC3E}">
-        <p14:creationId xmlns:p14="http://schemas.microsoft.com/office/powerpoint/2010/main" val="1701610315"/>
-      </p:ext>
-    </p:extLst>
-  </p:cSld>
-  <p:clrMapOvr>
-    <a:masterClrMapping/>
-  </p:clrMapOvr>
-  <p:timing>
-    <p:tnLst>
-      <p:par>
-        <p:cTn xmlns:p14="http://schemas.microsoft.com/office/powerpoint/2010/main" id="1" dur="indefinite" restart="never" nodeType="tmRoot"/>
-      </p:par>
-    </p:tnLst>
-  </p:timing>
-</p:sld>
-</file>
-
-<file path=ppt/slides/slide11.xml><?xml version="1.0" encoding="utf-8"?>
-<p:sld xmlns:a="http://schemas.openxmlformats.org/drawingml/2006/main" xmlns:r="http://schemas.openxmlformats.org/officeDocument/2006/relationships" xmlns:p="http://schemas.openxmlformats.org/presentationml/2006/main">
-  <p:cSld>
-    <p:spTree>
-      <p:nvGrpSpPr>
-        <p:cNvPr id="1" name=""/>
-        <p:cNvGrpSpPr/>
-        <p:nvPr/>
-      </p:nvGrpSpPr>
-      <p:grpSpPr>
-        <a:xfrm>
-          <a:off x="0" y="0"/>
-          <a:ext cx="0" cy="0"/>
-          <a:chOff x="0" y="0"/>
-          <a:chExt cx="0" cy="0"/>
-        </a:xfrm>
-      </p:grpSpPr>
-      <p:sp>
-        <p:nvSpPr>
-          <p:cNvPr id="2" name="Title 1"/>
-          <p:cNvSpPr>
-            <a:spLocks noGrp="1"/>
-          </p:cNvSpPr>
-          <p:nvPr>
-            <p:ph type="title"/>
-          </p:nvPr>
-        </p:nvSpPr>
-        <p:spPr/>
-        <p:txBody>
-          <a:bodyPr/>
-          <a:lstStyle/>
-          <a:p>
-            <a:r>
-              <a:rPr lang="en-US" dirty="0" smtClean="0"/>
-              <a:t>Practice I</a:t>
-            </a:r>
-            <a:endParaRPr lang="en-US" dirty="0"/>
-          </a:p>
-        </p:txBody>
-      </p:sp>
-      <p:sp>
-        <p:nvSpPr>
-          <p:cNvPr id="3" name="Content Placeholder 2"/>
-          <p:cNvSpPr>
-            <a:spLocks noGrp="1"/>
-          </p:cNvSpPr>
-          <p:nvPr>
-            <p:ph idx="1"/>
-          </p:nvPr>
-        </p:nvSpPr>
-        <p:spPr>
-          <a:xfrm>
-            <a:off x="555978" y="2725431"/>
-            <a:ext cx="8229600" cy="3314124"/>
-          </a:xfrm>
-        </p:spPr>
-        <p:txBody>
-          <a:bodyPr>
-            <a:normAutofit/>
-          </a:bodyPr>
-          <a:lstStyle/>
-          <a:p>
-            <a:r>
-              <a:rPr lang="en-US" sz="2800" dirty="0" smtClean="0"/>
-              <a:t>Type “vi p1.txt” in Linux</a:t>
-            </a:r>
-            <a:endParaRPr lang="en-US" sz="2800" dirty="0"/>
-          </a:p>
-          <a:p>
-            <a:r>
-              <a:rPr lang="en-US" sz="2800" dirty="0" smtClean="0"/>
-              <a:t>Type the letter “</a:t>
-            </a:r>
-            <a:r>
-              <a:rPr lang="en-US" sz="2800" dirty="0" err="1" smtClean="0"/>
-              <a:t>i</a:t>
-            </a:r>
-            <a:r>
-              <a:rPr lang="en-US" sz="2800" dirty="0" smtClean="0"/>
-              <a:t>” to change to insert mode</a:t>
-            </a:r>
-          </a:p>
-          <a:p>
-            <a:r>
-              <a:rPr lang="en-US" sz="2800" dirty="0" smtClean="0"/>
-              <a:t>Enter text (anything more than 6 lines)</a:t>
-            </a:r>
-          </a:p>
-          <a:p>
-            <a:r>
-              <a:rPr lang="en-US" sz="2800" dirty="0" smtClean="0"/>
-              <a:t>Press </a:t>
-            </a:r>
-            <a:r>
-              <a:rPr lang="en-US" sz="2800" b="1" dirty="0" smtClean="0"/>
-              <a:t>ESC</a:t>
-            </a:r>
-            <a:r>
-              <a:rPr lang="en-US" sz="2800" dirty="0" smtClean="0"/>
-              <a:t> key</a:t>
-            </a:r>
-          </a:p>
-          <a:p>
-            <a:r>
-              <a:rPr lang="en-US" sz="2800" dirty="0" smtClean="0"/>
-              <a:t>Type :</a:t>
-            </a:r>
-            <a:r>
-              <a:rPr lang="en-US" sz="2800" dirty="0" err="1" smtClean="0"/>
-              <a:t>wq</a:t>
-            </a:r>
-            <a:endParaRPr lang="en-US" sz="2800" dirty="0"/>
-          </a:p>
-          <a:p>
-            <a:pPr marL="0" indent="0">
-              <a:buNone/>
-            </a:pPr>
-            <a:r>
-              <a:rPr lang="en-US" sz="2800" dirty="0" smtClean="0"/>
-              <a:t>(w: save; q: quit)</a:t>
-            </a:r>
-          </a:p>
-        </p:txBody>
-      </p:sp>
-      <p:sp>
-        <p:nvSpPr>
-          <p:cNvPr id="4" name="TextBox 3"/>
-          <p:cNvSpPr txBox="1"/>
-          <p:nvPr/>
-        </p:nvSpPr>
-        <p:spPr>
-          <a:xfrm>
-            <a:off x="555978" y="1354667"/>
-            <a:ext cx="8057295" cy="954107"/>
-          </a:xfrm>
-          <a:prstGeom prst="rect">
-            <a:avLst/>
-          </a:prstGeom>
-          <a:noFill/>
-        </p:spPr>
-        <p:txBody>
-          <a:bodyPr wrap="square" rtlCol="0">
-            <a:spAutoFit/>
-          </a:bodyPr>
-          <a:lstStyle/>
-          <a:p>
-            <a:r>
-              <a:rPr lang="en-US" sz="2800" b="1" dirty="0" smtClean="0">
-                <a:solidFill>
-                  <a:schemeClr val="tx2">
-                    <a:lumMod val="75000"/>
-                  </a:schemeClr>
-                </a:solidFill>
-              </a:rPr>
-              <a:t>Task</a:t>
-            </a:r>
-            <a:r>
-              <a:rPr lang="en-US" sz="2800" dirty="0" smtClean="0"/>
-              <a:t>: to create a file named “p1.txt”, enter some text in the file and save it via vi. </a:t>
-            </a:r>
-            <a:endParaRPr lang="en-US" sz="2800" dirty="0"/>
-          </a:p>
-        </p:txBody>
-      </p:sp>
-    </p:spTree>
-    <p:extLst>
-      <p:ext uri="{BB962C8B-B14F-4D97-AF65-F5344CB8AC3E}">
-        <p14:creationId xmlns:p14="http://schemas.microsoft.com/office/powerpoint/2010/main" val="3539639455"/>
-      </p:ext>
-    </p:extLst>
-  </p:cSld>
-  <p:clrMapOvr>
-    <a:masterClrMapping/>
-  </p:clrMapOvr>
-  <p:timing>
-    <p:tnLst>
-      <p:par>
-        <p:cTn xmlns:p14="http://schemas.microsoft.com/office/powerpoint/2010/main" id="1" dur="indefinite" restart="never" nodeType="tmRoot"/>
-      </p:par>
-    </p:tnLst>
-  </p:timing>
-</p:sld>
-</file>
-
-<file path=ppt/slides/slide12.xml><?xml version="1.0" encoding="utf-8"?>
-<p:sld xmlns:a="http://schemas.openxmlformats.org/drawingml/2006/main" xmlns:r="http://schemas.openxmlformats.org/officeDocument/2006/relationships" xmlns:p="http://schemas.openxmlformats.org/presentationml/2006/main">
-  <p:cSld>
-    <p:spTree>
-      <p:nvGrpSpPr>
-        <p:cNvPr id="1" name=""/>
-        <p:cNvGrpSpPr/>
-        <p:nvPr/>
-      </p:nvGrpSpPr>
-      <p:grpSpPr>
-        <a:xfrm>
-          <a:off x="0" y="0"/>
-          <a:ext cx="0" cy="0"/>
-          <a:chOff x="0" y="0"/>
-          <a:chExt cx="0" cy="0"/>
-        </a:xfrm>
-      </p:grpSpPr>
-      <p:sp>
-        <p:nvSpPr>
-          <p:cNvPr id="2" name="Title 1"/>
-          <p:cNvSpPr>
-            <a:spLocks noGrp="1"/>
-          </p:cNvSpPr>
-          <p:nvPr>
-            <p:ph type="title"/>
-          </p:nvPr>
-        </p:nvSpPr>
-        <p:spPr/>
-        <p:txBody>
-          <a:bodyPr/>
-          <a:lstStyle/>
-          <a:p>
-            <a:r>
-              <a:rPr lang="en-US" dirty="0"/>
-              <a:t>Quitting and Saving a </a:t>
-            </a:r>
-            <a:r>
-              <a:rPr lang="en-US" dirty="0" smtClean="0"/>
-              <a:t>file in command mode</a:t>
-            </a:r>
-            <a:endParaRPr lang="en-US" dirty="0"/>
-          </a:p>
-        </p:txBody>
-      </p:sp>
-      <p:sp>
-        <p:nvSpPr>
-          <p:cNvPr id="3" name="Content Placeholder 2"/>
-          <p:cNvSpPr>
-            <a:spLocks noGrp="1"/>
-          </p:cNvSpPr>
-          <p:nvPr>
-            <p:ph idx="1"/>
-          </p:nvPr>
-        </p:nvSpPr>
-        <p:spPr>
-          <a:xfrm>
-            <a:off x="877211" y="1994920"/>
-            <a:ext cx="7503018" cy="2285392"/>
-          </a:xfrm>
-        </p:spPr>
-        <p:txBody>
-          <a:bodyPr>
-            <a:normAutofit/>
-          </a:bodyPr>
-          <a:lstStyle/>
-          <a:p>
-            <a:r>
-              <a:rPr lang="en-US" b="1" dirty="0">
-                <a:solidFill>
-                  <a:srgbClr val="17375E"/>
-                </a:solidFill>
-              </a:rPr>
-              <a:t>:w</a:t>
-            </a:r>
-            <a:r>
-              <a:rPr lang="en-US" dirty="0"/>
-              <a:t>	to save your file but not </a:t>
-            </a:r>
-            <a:r>
-              <a:rPr lang="en-US" dirty="0" smtClean="0"/>
-              <a:t>quit.</a:t>
-            </a:r>
-            <a:endParaRPr lang="en-US" dirty="0"/>
-          </a:p>
-          <a:p>
-            <a:r>
-              <a:rPr lang="en-US" b="1" dirty="0">
-                <a:solidFill>
-                  <a:srgbClr val="17375E"/>
-                </a:solidFill>
-              </a:rPr>
-              <a:t>:q</a:t>
-            </a:r>
-            <a:r>
-              <a:rPr lang="en-US" dirty="0"/>
-              <a:t>	to quit if you haven't made any edits.</a:t>
-            </a:r>
-          </a:p>
-          <a:p>
-            <a:r>
-              <a:rPr lang="en-US" b="1" dirty="0">
-                <a:solidFill>
-                  <a:srgbClr val="17375E"/>
-                </a:solidFill>
-              </a:rPr>
-              <a:t>:</a:t>
-            </a:r>
-            <a:r>
-              <a:rPr lang="en-US" b="1" dirty="0" err="1">
-                <a:solidFill>
-                  <a:srgbClr val="17375E"/>
-                </a:solidFill>
-              </a:rPr>
-              <a:t>wq</a:t>
-            </a:r>
-            <a:r>
-              <a:rPr lang="en-US" dirty="0"/>
-              <a:t>	to quit and save </a:t>
-            </a:r>
-            <a:r>
-              <a:rPr lang="en-US" dirty="0" smtClean="0"/>
-              <a:t>edits.</a:t>
-            </a:r>
-            <a:endParaRPr lang="en-US" dirty="0"/>
-          </a:p>
-          <a:p>
-            <a:r>
-              <a:rPr lang="en-US" b="1" dirty="0" smtClean="0">
-                <a:solidFill>
-                  <a:srgbClr val="17375E"/>
-                </a:solidFill>
-              </a:rPr>
-              <a:t>:</a:t>
-            </a:r>
-            <a:r>
-              <a:rPr lang="en-US" b="1" dirty="0">
-                <a:solidFill>
-                  <a:srgbClr val="17375E"/>
-                </a:solidFill>
-              </a:rPr>
-              <a:t>q!</a:t>
-            </a:r>
-            <a:r>
-              <a:rPr lang="en-US" dirty="0"/>
-              <a:t>	</a:t>
-            </a:r>
-            <a:r>
-              <a:rPr lang="en-US" dirty="0" smtClean="0"/>
-              <a:t>to quit </a:t>
-            </a:r>
-            <a:r>
-              <a:rPr lang="en-US" b="1" i="1" dirty="0" smtClean="0"/>
-              <a:t>without</a:t>
-            </a:r>
-            <a:r>
-              <a:rPr lang="en-US" dirty="0" smtClean="0"/>
-              <a:t> saving.</a:t>
-            </a:r>
-            <a:endParaRPr lang="en-US" dirty="0"/>
-          </a:p>
-        </p:txBody>
-      </p:sp>
-    </p:spTree>
-    <p:extLst>
-      <p:ext uri="{BB962C8B-B14F-4D97-AF65-F5344CB8AC3E}">
-        <p14:creationId xmlns:p14="http://schemas.microsoft.com/office/powerpoint/2010/main" val="2857320739"/>
-      </p:ext>
-    </p:extLst>
-  </p:cSld>
-  <p:clrMapOvr>
-    <a:masterClrMapping/>
-  </p:clrMapOvr>
-  <p:timing>
-    <p:tnLst>
-      <p:par>
-        <p:cTn xmlns:p14="http://schemas.microsoft.com/office/powerpoint/2010/main" id="1" dur="indefinite" restart="never" nodeType="tmRoot"/>
-      </p:par>
-    </p:tnLst>
-  </p:timing>
-</p:sld>
-</file>
-
-<file path=ppt/slides/slide13.xml><?xml version="1.0" encoding="utf-8"?>
-<p:sld xmlns:a="http://schemas.openxmlformats.org/drawingml/2006/main" xmlns:r="http://schemas.openxmlformats.org/officeDocument/2006/relationships" xmlns:p="http://schemas.openxmlformats.org/presentationml/2006/main">
-  <p:cSld>
-    <p:spTree>
-      <p:nvGrpSpPr>
-        <p:cNvPr id="1" name=""/>
-        <p:cNvGrpSpPr/>
-        <p:nvPr/>
-      </p:nvGrpSpPr>
-      <p:grpSpPr>
-        <a:xfrm>
-          <a:off x="0" y="0"/>
-          <a:ext cx="0" cy="0"/>
-          <a:chOff x="0" y="0"/>
-          <a:chExt cx="0" cy="0"/>
-        </a:xfrm>
-      </p:grpSpPr>
-      <p:sp>
-        <p:nvSpPr>
-          <p:cNvPr id="2" name="Title 1"/>
-          <p:cNvSpPr>
-            <a:spLocks noGrp="1"/>
-          </p:cNvSpPr>
-          <p:nvPr>
-            <p:ph type="title"/>
-          </p:nvPr>
-        </p:nvSpPr>
-        <p:spPr/>
-        <p:txBody>
-          <a:bodyPr/>
-          <a:lstStyle/>
-          <a:p>
-            <a:r>
-              <a:rPr lang="en-US" dirty="0" smtClean="0"/>
-              <a:t>Practice II – move cursor</a:t>
-            </a:r>
-            <a:endParaRPr lang="en-US" dirty="0"/>
-          </a:p>
-        </p:txBody>
-      </p:sp>
-      <p:sp>
-        <p:nvSpPr>
-          <p:cNvPr id="4" name="Content Placeholder 3"/>
-          <p:cNvSpPr txBox="1">
-            <a:spLocks noGrp="1"/>
-          </p:cNvSpPr>
-          <p:nvPr>
-            <p:ph idx="1"/>
-          </p:nvPr>
-        </p:nvSpPr>
-        <p:spPr>
-          <a:xfrm>
-            <a:off x="457200" y="3061960"/>
-            <a:ext cx="8229600" cy="3108544"/>
-          </a:xfrm>
-          <a:prstGeom prst="rect">
-            <a:avLst/>
-          </a:prstGeom>
-          <a:noFill/>
-        </p:spPr>
-        <p:txBody>
-          <a:bodyPr wrap="square" rtlCol="0">
-            <a:spAutoFit/>
-          </a:bodyPr>
-          <a:lstStyle/>
-          <a:p>
-            <a:r>
-              <a:rPr lang="en-US" sz="2800" dirty="0"/>
-              <a:t>v</a:t>
-            </a:r>
-            <a:r>
-              <a:rPr lang="en-US" sz="2800" dirty="0" smtClean="0"/>
-              <a:t>i p1.txt</a:t>
-            </a:r>
-          </a:p>
-          <a:p>
-            <a:r>
-              <a:rPr lang="en-US" sz="2800" dirty="0"/>
-              <a:t>Type the letter “</a:t>
-            </a:r>
-            <a:r>
-              <a:rPr lang="en-US" sz="2800" dirty="0" err="1"/>
-              <a:t>i</a:t>
-            </a:r>
-            <a:r>
-              <a:rPr lang="en-US" sz="2800" dirty="0"/>
-              <a:t>” to change to insert mode</a:t>
-            </a:r>
-          </a:p>
-          <a:p>
-            <a:r>
-              <a:rPr lang="en-US" sz="2800" dirty="0" smtClean="0"/>
-              <a:t>Edit text (delete and add)</a:t>
-            </a:r>
-            <a:endParaRPr lang="en-US" sz="2800" dirty="0"/>
-          </a:p>
-          <a:p>
-            <a:r>
-              <a:rPr lang="en-US" sz="2800" dirty="0"/>
-              <a:t>Press </a:t>
-            </a:r>
-            <a:r>
-              <a:rPr lang="en-US" sz="2800" b="1" dirty="0"/>
-              <a:t>ESC</a:t>
-            </a:r>
-            <a:r>
-              <a:rPr lang="en-US" sz="2800" dirty="0"/>
-              <a:t> </a:t>
-            </a:r>
-            <a:r>
-              <a:rPr lang="en-US" sz="2800" dirty="0" smtClean="0"/>
-              <a:t>key</a:t>
-            </a:r>
-          </a:p>
-          <a:p>
-            <a:r>
-              <a:rPr lang="en-US" sz="2800" dirty="0" smtClean="0"/>
-              <a:t>Try 0 and then $ and then 0 and then $</a:t>
-            </a:r>
-          </a:p>
-          <a:p>
-            <a:r>
-              <a:rPr lang="en-US" sz="2800" dirty="0" smtClean="0"/>
-              <a:t>Try H, M, L</a:t>
-            </a:r>
-            <a:endParaRPr lang="en-US" sz="2800" dirty="0"/>
-          </a:p>
-        </p:txBody>
-      </p:sp>
-      <p:sp>
-        <p:nvSpPr>
-          <p:cNvPr id="5" name="TextBox 4"/>
-          <p:cNvSpPr txBox="1"/>
-          <p:nvPr/>
-        </p:nvSpPr>
-        <p:spPr>
-          <a:xfrm>
-            <a:off x="555978" y="1354667"/>
-            <a:ext cx="8057295" cy="1384995"/>
-          </a:xfrm>
-          <a:prstGeom prst="rect">
-            <a:avLst/>
-          </a:prstGeom>
-          <a:noFill/>
-        </p:spPr>
-        <p:txBody>
-          <a:bodyPr wrap="square" rtlCol="0">
-            <a:spAutoFit/>
-          </a:bodyPr>
-          <a:lstStyle/>
-          <a:p>
-            <a:r>
-              <a:rPr lang="en-US" sz="2800" b="1" dirty="0" smtClean="0">
-                <a:solidFill>
-                  <a:schemeClr val="tx2">
-                    <a:lumMod val="75000"/>
-                  </a:schemeClr>
-                </a:solidFill>
-              </a:rPr>
-              <a:t>Task</a:t>
-            </a:r>
-            <a:r>
-              <a:rPr lang="en-US" sz="2800" dirty="0" smtClean="0"/>
-              <a:t>: to edit the file “p1.txt”, deleting a few words and adding some new words , and practice $, 0, H, M, and L in command mode. </a:t>
-            </a:r>
-            <a:endParaRPr lang="en-US" sz="2800" dirty="0"/>
-          </a:p>
-        </p:txBody>
-      </p:sp>
-    </p:spTree>
-    <p:extLst>
-      <p:ext uri="{BB962C8B-B14F-4D97-AF65-F5344CB8AC3E}">
-        <p14:creationId xmlns:p14="http://schemas.microsoft.com/office/powerpoint/2010/main" val="4107716555"/>
-      </p:ext>
-    </p:extLst>
-  </p:cSld>
-  <p:clrMapOvr>
-    <a:masterClrMapping/>
-  </p:clrMapOvr>
-  <p:timing>
-    <p:tnLst>
-      <p:par>
-        <p:cTn xmlns:p14="http://schemas.microsoft.com/office/powerpoint/2010/main" id="1" dur="indefinite" restart="never" nodeType="tmRoot"/>
-      </p:par>
-    </p:tnLst>
-  </p:timing>
-</p:sld>
-</file>
-
-<file path=ppt/slides/slide14.xml><?xml version="1.0" encoding="utf-8"?>
-<p:sld xmlns:a="http://schemas.openxmlformats.org/drawingml/2006/main" xmlns:r="http://schemas.openxmlformats.org/officeDocument/2006/relationships" xmlns:p="http://schemas.openxmlformats.org/presentationml/2006/main">
-  <p:cSld>
-    <p:spTree>
-      <p:nvGrpSpPr>
-        <p:cNvPr id="1" name=""/>
-        <p:cNvGrpSpPr/>
-        <p:nvPr/>
-      </p:nvGrpSpPr>
-      <p:grpSpPr>
-        <a:xfrm>
-          <a:off x="0" y="0"/>
-          <a:ext cx="0" cy="0"/>
-          <a:chOff x="0" y="0"/>
-          <a:chExt cx="0" cy="0"/>
-        </a:xfrm>
-      </p:grpSpPr>
-      <p:sp>
-        <p:nvSpPr>
-          <p:cNvPr id="2" name="Title 1"/>
-          <p:cNvSpPr>
-            <a:spLocks noGrp="1"/>
-          </p:cNvSpPr>
-          <p:nvPr>
-            <p:ph type="title"/>
-          </p:nvPr>
-        </p:nvSpPr>
-        <p:spPr/>
-        <p:txBody>
-          <a:bodyPr/>
-          <a:lstStyle/>
-          <a:p>
-            <a:r>
-              <a:rPr lang="en-US" dirty="0" smtClean="0"/>
-              <a:t>Practice II – search</a:t>
-            </a:r>
-            <a:endParaRPr lang="en-US" dirty="0"/>
-          </a:p>
-        </p:txBody>
-      </p:sp>
-      <p:sp>
-        <p:nvSpPr>
-          <p:cNvPr id="4" name="Content Placeholder 3"/>
-          <p:cNvSpPr txBox="1">
-            <a:spLocks noGrp="1"/>
-          </p:cNvSpPr>
-          <p:nvPr>
-            <p:ph idx="1"/>
-          </p:nvPr>
-        </p:nvSpPr>
-        <p:spPr>
-          <a:xfrm>
-            <a:off x="457200" y="2921950"/>
-            <a:ext cx="8229600" cy="2419124"/>
-          </a:xfrm>
-          <a:prstGeom prst="rect">
-            <a:avLst/>
-          </a:prstGeom>
-          <a:noFill/>
-        </p:spPr>
-        <p:txBody>
-          <a:bodyPr wrap="square" rtlCol="0">
-            <a:spAutoFit/>
-          </a:bodyPr>
-          <a:lstStyle/>
-          <a:p>
-            <a:r>
-              <a:rPr lang="en-US" sz="2800" dirty="0" smtClean="0"/>
-              <a:t>/xxx</a:t>
-            </a:r>
-          </a:p>
-          <a:p>
-            <a:r>
-              <a:rPr lang="en-US" sz="2800" dirty="0" smtClean="0"/>
-              <a:t>Press </a:t>
-            </a:r>
-            <a:r>
-              <a:rPr lang="en-US" sz="2800" dirty="0"/>
-              <a:t>Return, the cursor will move to the first incidence of that </a:t>
-            </a:r>
-            <a:r>
-              <a:rPr lang="en-US" sz="2800" dirty="0" smtClean="0"/>
-              <a:t>string (xxx)</a:t>
-            </a:r>
-          </a:p>
-          <a:p>
-            <a:r>
-              <a:rPr lang="en-US" sz="2800" dirty="0" smtClean="0"/>
-              <a:t>Repeat </a:t>
-            </a:r>
-            <a:r>
-              <a:rPr lang="en-US" sz="2800" dirty="0"/>
-              <a:t>the search by typing </a:t>
-            </a:r>
-            <a:r>
-              <a:rPr lang="en-US" sz="2800" dirty="0" smtClean="0"/>
-              <a:t>“n” </a:t>
-            </a:r>
-            <a:r>
-              <a:rPr lang="en-US" sz="2800" dirty="0"/>
-              <a:t>or search in a backwards direction by using </a:t>
-            </a:r>
-            <a:r>
-              <a:rPr lang="en-US" sz="2800" dirty="0" smtClean="0"/>
-              <a:t>“N”</a:t>
-            </a:r>
-            <a:endParaRPr lang="en-US" sz="2800" dirty="0"/>
-          </a:p>
-        </p:txBody>
-      </p:sp>
-      <p:sp>
-        <p:nvSpPr>
-          <p:cNvPr id="5" name="TextBox 4"/>
-          <p:cNvSpPr txBox="1"/>
-          <p:nvPr/>
-        </p:nvSpPr>
-        <p:spPr>
-          <a:xfrm>
-            <a:off x="555978" y="1354667"/>
-            <a:ext cx="8057295" cy="523220"/>
-          </a:xfrm>
-          <a:prstGeom prst="rect">
-            <a:avLst/>
-          </a:prstGeom>
-          <a:noFill/>
-        </p:spPr>
-        <p:txBody>
-          <a:bodyPr wrap="square" rtlCol="0">
-            <a:spAutoFit/>
-          </a:bodyPr>
-          <a:lstStyle/>
-          <a:p>
-            <a:r>
-              <a:rPr lang="en-US" sz="2800" b="1" dirty="0" smtClean="0">
-                <a:solidFill>
-                  <a:schemeClr val="tx2">
-                    <a:lumMod val="75000"/>
-                  </a:schemeClr>
-                </a:solidFill>
-              </a:rPr>
-              <a:t>Task</a:t>
-            </a:r>
-            <a:r>
-              <a:rPr lang="en-US" sz="2800" dirty="0" smtClean="0"/>
-              <a:t>: to search content in “p1.txt” using “/”</a:t>
-            </a:r>
-            <a:endParaRPr lang="en-US" sz="2800" dirty="0"/>
-          </a:p>
-        </p:txBody>
-      </p:sp>
-    </p:spTree>
-    <p:extLst>
-      <p:ext uri="{BB962C8B-B14F-4D97-AF65-F5344CB8AC3E}">
-        <p14:creationId xmlns:p14="http://schemas.microsoft.com/office/powerpoint/2010/main" val="1468810604"/>
-      </p:ext>
-    </p:extLst>
-  </p:cSld>
-  <p:clrMapOvr>
-    <a:masterClrMapping/>
-  </p:clrMapOvr>
-  <p:timing>
-    <p:tnLst>
-      <p:par>
-        <p:cTn xmlns:p14="http://schemas.microsoft.com/office/powerpoint/2010/main" id="1" dur="indefinite" restart="never" nodeType="tmRoot"/>
-      </p:par>
-    </p:tnLst>
-  </p:timing>
-</p:sld>
-</file>
-
-<file path=ppt/slides/slide15.xml><?xml version="1.0" encoding="utf-8"?>
-<p:sld xmlns:a="http://schemas.openxmlformats.org/drawingml/2006/main" xmlns:r="http://schemas.openxmlformats.org/officeDocument/2006/relationships" xmlns:p="http://schemas.openxmlformats.org/presentationml/2006/main">
-  <p:cSld>
-    <p:spTree>
-      <p:nvGrpSpPr>
-        <p:cNvPr id="1" name=""/>
-        <p:cNvGrpSpPr/>
-        <p:nvPr/>
-      </p:nvGrpSpPr>
-      <p:grpSpPr>
-        <a:xfrm>
-          <a:off x="0" y="0"/>
-          <a:ext cx="0" cy="0"/>
-          <a:chOff x="0" y="0"/>
-          <a:chExt cx="0" cy="0"/>
-        </a:xfrm>
-      </p:grpSpPr>
-      <p:sp>
-        <p:nvSpPr>
-          <p:cNvPr id="2" name="Title 1"/>
-          <p:cNvSpPr>
-            <a:spLocks noGrp="1"/>
-          </p:cNvSpPr>
-          <p:nvPr>
-            <p:ph type="title"/>
-          </p:nvPr>
-        </p:nvSpPr>
-        <p:spPr/>
-        <p:txBody>
-          <a:bodyPr/>
-          <a:lstStyle/>
-          <a:p>
-            <a:r>
-              <a:rPr lang="en-US" dirty="0" smtClean="0"/>
-              <a:t>Practice II – Undo in command mode</a:t>
-            </a:r>
-            <a:endParaRPr lang="en-US" dirty="0"/>
-          </a:p>
-        </p:txBody>
-      </p:sp>
-      <p:sp>
-        <p:nvSpPr>
-          <p:cNvPr id="3" name="Content Placeholder 2"/>
-          <p:cNvSpPr>
-            <a:spLocks noGrp="1"/>
-          </p:cNvSpPr>
-          <p:nvPr>
-            <p:ph idx="1"/>
-          </p:nvPr>
-        </p:nvSpPr>
-        <p:spPr>
-          <a:xfrm>
-            <a:off x="1231028" y="2481938"/>
-            <a:ext cx="5959750" cy="925292"/>
-          </a:xfrm>
-        </p:spPr>
-        <p:txBody>
-          <a:bodyPr>
-            <a:noAutofit/>
-          </a:bodyPr>
-          <a:lstStyle/>
-          <a:p>
-            <a:r>
-              <a:rPr lang="en-US" sz="2800" b="1" dirty="0">
-                <a:solidFill>
-                  <a:srgbClr val="17375E"/>
-                </a:solidFill>
-              </a:rPr>
-              <a:t>u</a:t>
-            </a:r>
-            <a:r>
-              <a:rPr lang="en-US" sz="2800" dirty="0"/>
-              <a:t>	</a:t>
-            </a:r>
-            <a:r>
-              <a:rPr lang="en-US" sz="2800" dirty="0" smtClean="0"/>
-              <a:t>undoes the change</a:t>
-            </a:r>
-          </a:p>
-          <a:p>
-            <a:r>
-              <a:rPr lang="en-US" sz="2800" b="1" dirty="0" err="1">
-                <a:solidFill>
-                  <a:srgbClr val="17375E"/>
-                </a:solidFill>
-              </a:rPr>
-              <a:t>c</a:t>
-            </a:r>
-            <a:r>
-              <a:rPr lang="en-US" sz="2800" b="1" dirty="0" err="1" smtClean="0">
-                <a:solidFill>
-                  <a:srgbClr val="17375E"/>
-                </a:solidFill>
-              </a:rPr>
-              <a:t>ontol+r</a:t>
-            </a:r>
-            <a:r>
-              <a:rPr lang="en-US" sz="2800" b="1" dirty="0" smtClean="0">
-                <a:solidFill>
-                  <a:srgbClr val="17375E"/>
-                </a:solidFill>
-              </a:rPr>
-              <a:t>	</a:t>
-            </a:r>
-            <a:r>
-              <a:rPr lang="en-US" sz="2800" dirty="0" smtClean="0"/>
-              <a:t>Redoes</a:t>
-            </a:r>
-          </a:p>
-        </p:txBody>
-      </p:sp>
-    </p:spTree>
-    <p:extLst>
-      <p:ext uri="{BB962C8B-B14F-4D97-AF65-F5344CB8AC3E}">
-        <p14:creationId xmlns:p14="http://schemas.microsoft.com/office/powerpoint/2010/main" val="3681055769"/>
-      </p:ext>
-    </p:extLst>
-  </p:cSld>
-  <p:clrMapOvr>
-    <a:masterClrMapping/>
-  </p:clrMapOvr>
-  <p:timing>
-    <p:tnLst>
-      <p:par>
-        <p:cTn xmlns:p14="http://schemas.microsoft.com/office/powerpoint/2010/main" id="1" dur="indefinite" restart="never" nodeType="tmRoot"/>
-      </p:par>
-    </p:tnLst>
-  </p:timing>
-</p:sld>
-</file>
-
-<file path=ppt/slides/slide16.xml><?xml version="1.0" encoding="utf-8"?>
-<p:sld xmlns:a="http://schemas.openxmlformats.org/drawingml/2006/main" xmlns:r="http://schemas.openxmlformats.org/officeDocument/2006/relationships" xmlns:p="http://schemas.openxmlformats.org/presentationml/2006/main">
-  <p:cSld>
-    <p:spTree>
-      <p:nvGrpSpPr>
-        <p:cNvPr id="1" name=""/>
-        <p:cNvGrpSpPr/>
-        <p:nvPr/>
-      </p:nvGrpSpPr>
-      <p:grpSpPr>
-        <a:xfrm>
-          <a:off x="0" y="0"/>
-          <a:ext cx="0" cy="0"/>
-          <a:chOff x="0" y="0"/>
-          <a:chExt cx="0" cy="0"/>
-        </a:xfrm>
-      </p:grpSpPr>
-      <p:sp>
-        <p:nvSpPr>
-          <p:cNvPr id="2" name="Title 1"/>
-          <p:cNvSpPr>
-            <a:spLocks noGrp="1"/>
-          </p:cNvSpPr>
-          <p:nvPr>
-            <p:ph type="title"/>
-          </p:nvPr>
-        </p:nvSpPr>
-        <p:spPr/>
-        <p:txBody>
-          <a:bodyPr/>
-          <a:lstStyle/>
-          <a:p>
-            <a:r>
-              <a:rPr lang="en-US" dirty="0" smtClean="0"/>
-              <a:t>Practice II – Deleting in command mode</a:t>
-            </a:r>
-            <a:endParaRPr lang="en-US" dirty="0"/>
-          </a:p>
-        </p:txBody>
-      </p:sp>
-      <p:sp>
-        <p:nvSpPr>
-          <p:cNvPr id="3" name="Content Placeholder 2"/>
-          <p:cNvSpPr>
-            <a:spLocks noGrp="1"/>
-          </p:cNvSpPr>
-          <p:nvPr>
-            <p:ph idx="1"/>
-          </p:nvPr>
-        </p:nvSpPr>
-        <p:spPr>
-          <a:xfrm>
-            <a:off x="457200" y="1714900"/>
-            <a:ext cx="8229600" cy="4275785"/>
-          </a:xfrm>
-        </p:spPr>
-        <p:txBody>
-          <a:bodyPr>
-            <a:normAutofit/>
-          </a:bodyPr>
-          <a:lstStyle/>
-          <a:p>
-            <a:r>
-              <a:rPr lang="en-US" b="1" dirty="0">
-                <a:solidFill>
-                  <a:srgbClr val="17375E"/>
-                </a:solidFill>
-              </a:rPr>
-              <a:t>x</a:t>
-            </a:r>
-            <a:r>
-              <a:rPr lang="en-US" dirty="0"/>
-              <a:t>	deletes the character under the cursor.</a:t>
-            </a:r>
-          </a:p>
-          <a:p>
-            <a:r>
-              <a:rPr lang="en-US" b="1" dirty="0">
-                <a:solidFill>
-                  <a:schemeClr val="tx2">
-                    <a:lumMod val="75000"/>
-                  </a:schemeClr>
-                </a:solidFill>
-              </a:rPr>
-              <a:t>X</a:t>
-            </a:r>
-            <a:r>
-              <a:rPr lang="en-US" dirty="0"/>
-              <a:t>	deletes the character to the left of your cursor</a:t>
-            </a:r>
-          </a:p>
-          <a:p>
-            <a:r>
-              <a:rPr lang="en-US" b="1" dirty="0" err="1" smtClean="0">
-                <a:solidFill>
-                  <a:srgbClr val="17375E"/>
-                </a:solidFill>
-              </a:rPr>
-              <a:t>dw</a:t>
-            </a:r>
-            <a:r>
-              <a:rPr lang="en-US" dirty="0" smtClean="0"/>
-              <a:t>	deletes </a:t>
-            </a:r>
-            <a:r>
-              <a:rPr lang="en-US" dirty="0"/>
-              <a:t>from the character selected to the end of the word.</a:t>
-            </a:r>
-          </a:p>
-          <a:p>
-            <a:r>
-              <a:rPr lang="en-US" b="1" dirty="0" err="1" smtClean="0">
-                <a:solidFill>
-                  <a:srgbClr val="17375E"/>
-                </a:solidFill>
-              </a:rPr>
-              <a:t>dd</a:t>
-            </a:r>
-            <a:r>
-              <a:rPr lang="en-US" dirty="0" smtClean="0"/>
-              <a:t>	deletes </a:t>
-            </a:r>
-            <a:r>
-              <a:rPr lang="en-US" dirty="0"/>
-              <a:t>all the current line.</a:t>
-            </a:r>
-          </a:p>
-          <a:p>
-            <a:r>
-              <a:rPr lang="en-US" b="1" dirty="0">
-                <a:solidFill>
-                  <a:srgbClr val="17375E"/>
-                </a:solidFill>
-              </a:rPr>
-              <a:t>D</a:t>
-            </a:r>
-            <a:r>
-              <a:rPr lang="en-US" dirty="0"/>
-              <a:t>	deletes from the current character to the end of the line</a:t>
-            </a:r>
-            <a:r>
-              <a:rPr lang="en-US" dirty="0" smtClean="0"/>
-              <a:t>.</a:t>
-            </a:r>
-          </a:p>
-          <a:p>
-            <a:pPr marL="0" indent="0">
-              <a:buNone/>
-            </a:pPr>
-            <a:endParaRPr lang="en-US" sz="3200" dirty="0" smtClean="0"/>
-          </a:p>
-          <a:p>
-            <a:pPr marL="0" indent="0">
-              <a:buNone/>
-            </a:pPr>
-            <a:r>
-              <a:rPr lang="en-US" sz="3200" dirty="0" smtClean="0"/>
-              <a:t>Try 3dw, 2dd</a:t>
-            </a:r>
-            <a:endParaRPr lang="en-US" sz="3200" dirty="0"/>
-          </a:p>
-        </p:txBody>
-      </p:sp>
-    </p:spTree>
-    <p:extLst>
-      <p:ext uri="{BB962C8B-B14F-4D97-AF65-F5344CB8AC3E}">
-        <p14:creationId xmlns:p14="http://schemas.microsoft.com/office/powerpoint/2010/main" val="3831473569"/>
-      </p:ext>
-    </p:extLst>
-  </p:cSld>
-  <p:clrMapOvr>
-    <a:masterClrMapping/>
-  </p:clrMapOvr>
-  <p:timing>
-    <p:tnLst>
-      <p:par>
-        <p:cTn xmlns:p14="http://schemas.microsoft.com/office/powerpoint/2010/main" id="1" dur="indefinite" restart="never" nodeType="tmRoot"/>
-      </p:par>
-    </p:tnLst>
-  </p:timing>
-</p:sld>
-</file>
-
-<file path=ppt/slides/slide17.xml><?xml version="1.0" encoding="utf-8"?>
-<p:sld xmlns:a="http://schemas.openxmlformats.org/drawingml/2006/main" xmlns:r="http://schemas.openxmlformats.org/officeDocument/2006/relationships" xmlns:p="http://schemas.openxmlformats.org/presentationml/2006/main">
-  <p:cSld>
-    <p:spTree>
-      <p:nvGrpSpPr>
-        <p:cNvPr id="1" name=""/>
-        <p:cNvGrpSpPr/>
-        <p:nvPr/>
-      </p:nvGrpSpPr>
-      <p:grpSpPr>
-        <a:xfrm>
-          <a:off x="0" y="0"/>
-          <a:ext cx="0" cy="0"/>
-          <a:chOff x="0" y="0"/>
-          <a:chExt cx="0" cy="0"/>
-        </a:xfrm>
-      </p:grpSpPr>
-      <p:sp>
-        <p:nvSpPr>
-          <p:cNvPr id="2" name="Title 1"/>
-          <p:cNvSpPr>
-            <a:spLocks noGrp="1"/>
-          </p:cNvSpPr>
-          <p:nvPr>
-            <p:ph type="title"/>
-          </p:nvPr>
-        </p:nvSpPr>
-        <p:spPr/>
-        <p:txBody>
-          <a:bodyPr/>
-          <a:lstStyle/>
-          <a:p>
-            <a:r>
-              <a:rPr lang="en-US" dirty="0" smtClean="0"/>
-              <a:t>Practice II – Copy and paste in command mode</a:t>
-            </a:r>
-            <a:endParaRPr lang="en-US" dirty="0"/>
-          </a:p>
-        </p:txBody>
-      </p:sp>
-      <p:sp>
-        <p:nvSpPr>
-          <p:cNvPr id="3" name="Content Placeholder 2"/>
-          <p:cNvSpPr>
-            <a:spLocks noGrp="1"/>
-          </p:cNvSpPr>
-          <p:nvPr>
-            <p:ph idx="1"/>
-          </p:nvPr>
-        </p:nvSpPr>
-        <p:spPr>
-          <a:xfrm>
-            <a:off x="1627231" y="1714900"/>
-            <a:ext cx="5982976" cy="3325467"/>
-          </a:xfrm>
-        </p:spPr>
-        <p:txBody>
-          <a:bodyPr>
-            <a:normAutofit/>
-          </a:bodyPr>
-          <a:lstStyle/>
-          <a:p>
-            <a:r>
-              <a:rPr lang="en-US" b="1" dirty="0" smtClean="0">
-                <a:solidFill>
-                  <a:srgbClr val="17375E"/>
-                </a:solidFill>
-              </a:rPr>
-              <a:t>y</a:t>
-            </a:r>
-            <a:r>
-              <a:rPr lang="en-US" dirty="0"/>
-              <a:t>	</a:t>
-            </a:r>
-            <a:r>
-              <a:rPr lang="en-US" dirty="0" smtClean="0"/>
-              <a:t>yank (copy); </a:t>
-            </a:r>
-            <a:r>
-              <a:rPr lang="en-US" b="1" dirty="0" smtClean="0"/>
-              <a:t>v</a:t>
-            </a:r>
-            <a:r>
-              <a:rPr lang="en-US" dirty="0" smtClean="0"/>
-              <a:t> to select and </a:t>
-            </a:r>
-            <a:r>
-              <a:rPr lang="en-US" b="1" dirty="0" smtClean="0"/>
-              <a:t>y</a:t>
-            </a:r>
-            <a:endParaRPr lang="en-US" b="1" dirty="0"/>
-          </a:p>
-          <a:p>
-            <a:r>
-              <a:rPr lang="en-US" b="1" dirty="0" err="1" smtClean="0">
-                <a:solidFill>
-                  <a:srgbClr val="17375E"/>
-                </a:solidFill>
-              </a:rPr>
-              <a:t>yw</a:t>
-            </a:r>
-            <a:r>
-              <a:rPr lang="en-US" dirty="0" smtClean="0"/>
-              <a:t>	copies a word to a buffer</a:t>
-            </a:r>
-          </a:p>
-          <a:p>
-            <a:r>
-              <a:rPr lang="en-US" b="1" dirty="0">
-                <a:solidFill>
-                  <a:srgbClr val="17375E"/>
-                </a:solidFill>
-              </a:rPr>
-              <a:t>5</a:t>
-            </a:r>
-            <a:r>
-              <a:rPr lang="en-US" b="1" dirty="0" smtClean="0">
-                <a:solidFill>
-                  <a:srgbClr val="17375E"/>
-                </a:solidFill>
-              </a:rPr>
-              <a:t>yw</a:t>
-            </a:r>
-            <a:r>
-              <a:rPr lang="en-US" dirty="0" smtClean="0"/>
-              <a:t>	copies 5 words to a buffer</a:t>
-            </a:r>
-          </a:p>
-          <a:p>
-            <a:r>
-              <a:rPr lang="en-US" b="1" dirty="0" err="1">
-                <a:solidFill>
-                  <a:srgbClr val="17375E"/>
-                </a:solidFill>
-              </a:rPr>
-              <a:t>y</a:t>
-            </a:r>
-            <a:r>
-              <a:rPr lang="en-US" b="1" dirty="0" err="1" smtClean="0">
-                <a:solidFill>
-                  <a:srgbClr val="17375E"/>
-                </a:solidFill>
-              </a:rPr>
-              <a:t>y</a:t>
-            </a:r>
-            <a:r>
-              <a:rPr lang="en-US" dirty="0" smtClean="0"/>
-              <a:t>	copies a line to a buffer</a:t>
-            </a:r>
-          </a:p>
-          <a:p>
-            <a:r>
-              <a:rPr lang="en-US" b="1" dirty="0" smtClean="0">
-                <a:solidFill>
-                  <a:srgbClr val="17375E"/>
-                </a:solidFill>
-              </a:rPr>
-              <a:t>5yy</a:t>
-            </a:r>
-            <a:r>
-              <a:rPr lang="en-US" dirty="0" smtClean="0"/>
-              <a:t>	copies 5 lines to a buffer</a:t>
-            </a:r>
-          </a:p>
-          <a:p>
-            <a:r>
-              <a:rPr lang="en-US" b="1" dirty="0">
-                <a:solidFill>
-                  <a:schemeClr val="tx2">
-                    <a:lumMod val="75000"/>
-                  </a:schemeClr>
-                </a:solidFill>
-              </a:rPr>
-              <a:t>p</a:t>
-            </a:r>
-            <a:r>
-              <a:rPr lang="en-US" dirty="0"/>
-              <a:t>	put (paste</a:t>
-            </a:r>
-            <a:r>
-              <a:rPr lang="en-US" dirty="0" smtClean="0"/>
-              <a:t>) after the cursor</a:t>
-            </a:r>
-          </a:p>
-          <a:p>
-            <a:r>
-              <a:rPr lang="en-US" b="1" dirty="0" smtClean="0">
-                <a:solidFill>
-                  <a:srgbClr val="17375E"/>
-                </a:solidFill>
-              </a:rPr>
-              <a:t>P</a:t>
-            </a:r>
-            <a:r>
-              <a:rPr lang="en-US" dirty="0"/>
-              <a:t>	put (paste</a:t>
-            </a:r>
-            <a:r>
-              <a:rPr lang="en-US" dirty="0" smtClean="0"/>
-              <a:t>) before the cursor</a:t>
-            </a:r>
-            <a:endParaRPr lang="en-US" dirty="0"/>
-          </a:p>
-          <a:p>
-            <a:pPr marL="0" indent="0">
-              <a:buNone/>
-            </a:pPr>
-            <a:endParaRPr lang="en-US" dirty="0"/>
-          </a:p>
-        </p:txBody>
-      </p:sp>
-    </p:spTree>
-    <p:extLst>
-      <p:ext uri="{BB962C8B-B14F-4D97-AF65-F5344CB8AC3E}">
-        <p14:creationId xmlns:p14="http://schemas.microsoft.com/office/powerpoint/2010/main" val="1316991518"/>
-      </p:ext>
-    </p:extLst>
-  </p:cSld>
-  <p:clrMapOvr>
-    <a:masterClrMapping/>
-  </p:clrMapOvr>
-  <p:timing>
-    <p:tnLst>
-      <p:par>
-        <p:cTn xmlns:p14="http://schemas.microsoft.com/office/powerpoint/2010/main" id="1" dur="indefinite" restart="never" nodeType="tmRoot"/>
-      </p:par>
-    </p:tnLst>
-  </p:timing>
-</p:sld>
-</file>
-
-<file path=ppt/slides/slide18.xml><?xml version="1.0" encoding="utf-8"?>
-<p:sld xmlns:a="http://schemas.openxmlformats.org/drawingml/2006/main" xmlns:r="http://schemas.openxmlformats.org/officeDocument/2006/relationships" xmlns:p="http://schemas.openxmlformats.org/presentationml/2006/main">
-  <p:cSld>
-    <p:spTree>
-      <p:nvGrpSpPr>
-        <p:cNvPr id="1" name=""/>
-        <p:cNvGrpSpPr/>
-        <p:nvPr/>
-      </p:nvGrpSpPr>
-      <p:grpSpPr>
-        <a:xfrm>
-          <a:off x="0" y="0"/>
-          <a:ext cx="0" cy="0"/>
-          <a:chOff x="0" y="0"/>
-          <a:chExt cx="0" cy="0"/>
-        </a:xfrm>
-      </p:grpSpPr>
-      <p:sp>
-        <p:nvSpPr>
-          <p:cNvPr id="2" name="Title 1"/>
-          <p:cNvSpPr>
-            <a:spLocks noGrp="1"/>
-          </p:cNvSpPr>
-          <p:nvPr>
-            <p:ph type="title"/>
-          </p:nvPr>
-        </p:nvSpPr>
-        <p:spPr>
-          <a:xfrm>
-            <a:off x="457200" y="274638"/>
-            <a:ext cx="8229600" cy="924806"/>
-          </a:xfrm>
-        </p:spPr>
-        <p:txBody>
-          <a:bodyPr/>
-          <a:lstStyle/>
-          <a:p>
-            <a:r>
-              <a:rPr lang="en-US" dirty="0" smtClean="0"/>
-              <a:t>Outline</a:t>
-            </a:r>
-            <a:endParaRPr lang="en-US" dirty="0"/>
-          </a:p>
-        </p:txBody>
-      </p:sp>
-      <p:sp>
-        <p:nvSpPr>
-          <p:cNvPr id="3" name="Content Placeholder 2"/>
-          <p:cNvSpPr>
-            <a:spLocks noGrp="1"/>
-          </p:cNvSpPr>
-          <p:nvPr>
-            <p:ph idx="1"/>
-          </p:nvPr>
-        </p:nvSpPr>
-        <p:spPr>
-          <a:xfrm>
-            <a:off x="966732" y="1727111"/>
-            <a:ext cx="6873970" cy="2212389"/>
-          </a:xfrm>
-        </p:spPr>
-        <p:txBody>
-          <a:bodyPr>
-            <a:normAutofit/>
-          </a:bodyPr>
-          <a:lstStyle/>
-          <a:p>
-            <a:pPr>
-              <a:lnSpc>
-                <a:spcPct val="160000"/>
-              </a:lnSpc>
-            </a:pPr>
-            <a:r>
-              <a:rPr lang="en-US" dirty="0" smtClean="0">
-                <a:solidFill>
-                  <a:schemeClr val="bg1">
-                    <a:lumMod val="75000"/>
-                  </a:schemeClr>
-                </a:solidFill>
-              </a:rPr>
-              <a:t>Familiar to Excel functions</a:t>
-            </a:r>
-          </a:p>
-          <a:p>
-            <a:pPr>
-              <a:lnSpc>
-                <a:spcPct val="160000"/>
-              </a:lnSpc>
-            </a:pPr>
-            <a:r>
-              <a:rPr lang="en-US" dirty="0" smtClean="0">
-                <a:solidFill>
-                  <a:schemeClr val="bg1">
-                    <a:lumMod val="75000"/>
-                  </a:schemeClr>
-                </a:solidFill>
-              </a:rPr>
-              <a:t>Try </a:t>
-            </a:r>
-            <a:r>
-              <a:rPr lang="en-US" i="1" dirty="0" smtClean="0">
-                <a:solidFill>
-                  <a:schemeClr val="bg1">
-                    <a:lumMod val="75000"/>
-                  </a:schemeClr>
-                </a:solidFill>
-              </a:rPr>
-              <a:t>vi</a:t>
-            </a:r>
-            <a:r>
-              <a:rPr lang="en-US" dirty="0">
-                <a:solidFill>
-                  <a:schemeClr val="bg1">
-                    <a:lumMod val="75000"/>
-                  </a:schemeClr>
-                </a:solidFill>
-              </a:rPr>
-              <a:t> </a:t>
-            </a:r>
-            <a:r>
-              <a:rPr lang="en-US" dirty="0" smtClean="0">
-                <a:solidFill>
-                  <a:schemeClr val="bg1">
-                    <a:lumMod val="75000"/>
-                  </a:schemeClr>
-                </a:solidFill>
-              </a:rPr>
-              <a:t>at </a:t>
-            </a:r>
-            <a:r>
-              <a:rPr lang="en-US" dirty="0" err="1" smtClean="0">
-                <a:solidFill>
-                  <a:schemeClr val="bg1">
-                    <a:lumMod val="75000"/>
-                  </a:schemeClr>
-                </a:solidFill>
-              </a:rPr>
-              <a:t>Beocat</a:t>
-            </a:r>
-            <a:endParaRPr lang="en-US" i="1" dirty="0" smtClean="0">
-              <a:solidFill>
-                <a:schemeClr val="bg1">
-                  <a:lumMod val="75000"/>
-                </a:schemeClr>
-              </a:solidFill>
-            </a:endParaRPr>
-          </a:p>
-          <a:p>
-            <a:pPr>
-              <a:lnSpc>
-                <a:spcPct val="160000"/>
-              </a:lnSpc>
-            </a:pPr>
-            <a:r>
-              <a:rPr lang="en-US" dirty="0"/>
-              <a:t>Practice using regular expression in </a:t>
-            </a:r>
-            <a:r>
-              <a:rPr lang="en-US" dirty="0" err="1" smtClean="0"/>
-              <a:t>TextWrangler</a:t>
-            </a:r>
-            <a:endParaRPr lang="en-US" dirty="0"/>
-          </a:p>
-        </p:txBody>
-      </p:sp>
-    </p:spTree>
-    <p:extLst>
-      <p:ext uri="{BB962C8B-B14F-4D97-AF65-F5344CB8AC3E}">
-        <p14:creationId xmlns:p14="http://schemas.microsoft.com/office/powerpoint/2010/main" val="4222103736"/>
-      </p:ext>
-    </p:extLst>
-  </p:cSld>
-  <p:clrMapOvr>
-    <a:masterClrMapping/>
-  </p:clrMapOvr>
-  <p:timing>
-    <p:tnLst>
-      <p:par>
-        <p:cTn xmlns:p14="http://schemas.microsoft.com/office/powerpoint/2010/main" id="1" dur="indefinite" restart="never" nodeType="tmRoot"/>
-      </p:par>
-    </p:tnLst>
-  </p:timing>
-</p:sld>
-</file>
-
-<file path=ppt/slides/slide19.xml><?xml version="1.0" encoding="utf-8"?>
-<p:sld xmlns:a="http://schemas.openxmlformats.org/drawingml/2006/main" xmlns:r="http://schemas.openxmlformats.org/officeDocument/2006/relationships" xmlns:p="http://schemas.openxmlformats.org/presentationml/2006/main">
-  <p:cSld>
-    <p:spTree>
-      <p:nvGrpSpPr>
-        <p:cNvPr id="1" name=""/>
-        <p:cNvGrpSpPr/>
-        <p:nvPr/>
-      </p:nvGrpSpPr>
-      <p:grpSpPr>
-        <a:xfrm>
-          <a:off x="0" y="0"/>
-          <a:ext cx="0" cy="0"/>
-          <a:chOff x="0" y="0"/>
-          <a:chExt cx="0" cy="0"/>
-        </a:xfrm>
-      </p:grpSpPr>
-      <p:sp>
-        <p:nvSpPr>
-          <p:cNvPr id="2" name="Title 1"/>
-          <p:cNvSpPr>
-            <a:spLocks noGrp="1"/>
-          </p:cNvSpPr>
-          <p:nvPr>
-            <p:ph type="title"/>
-          </p:nvPr>
-        </p:nvSpPr>
-        <p:spPr/>
-        <p:txBody>
-          <a:bodyPr/>
-          <a:lstStyle/>
-          <a:p>
-            <a:r>
-              <a:rPr lang="en-US" dirty="0" smtClean="0"/>
-              <a:t>Separators: Tab and comma</a:t>
-            </a:r>
-            <a:endParaRPr lang="en-US" dirty="0"/>
-          </a:p>
-        </p:txBody>
-      </p:sp>
-      <p:sp>
-        <p:nvSpPr>
-          <p:cNvPr id="7" name="TextBox 6"/>
-          <p:cNvSpPr txBox="1"/>
-          <p:nvPr/>
-        </p:nvSpPr>
-        <p:spPr>
-          <a:xfrm>
-            <a:off x="736599" y="1733355"/>
-            <a:ext cx="7721600" cy="595035"/>
-          </a:xfrm>
-          <a:prstGeom prst="rect">
-            <a:avLst/>
-          </a:prstGeom>
-          <a:noFill/>
-        </p:spPr>
-        <p:txBody>
-          <a:bodyPr wrap="square" rtlCol="0">
-            <a:spAutoFit/>
-          </a:bodyPr>
-          <a:lstStyle/>
-          <a:p>
-            <a:pPr>
-              <a:lnSpc>
-                <a:spcPct val="120000"/>
-              </a:lnSpc>
-            </a:pPr>
-            <a:r>
-              <a:rPr lang="en-US" sz="2800" b="1" dirty="0" smtClean="0">
-                <a:solidFill>
-                  <a:srgbClr val="17375E"/>
-                </a:solidFill>
-              </a:rPr>
-              <a:t>\t</a:t>
-            </a:r>
-            <a:r>
-              <a:rPr lang="en-US" sz="2800" dirty="0" smtClean="0"/>
-              <a:t>  : a tab character</a:t>
-            </a:r>
-            <a:endParaRPr lang="en-US" sz="2800" dirty="0"/>
-          </a:p>
-        </p:txBody>
-      </p:sp>
-      <p:sp>
-        <p:nvSpPr>
-          <p:cNvPr id="8" name="Content Placeholder 2"/>
-          <p:cNvSpPr txBox="1">
-            <a:spLocks/>
-          </p:cNvSpPr>
-          <p:nvPr/>
-        </p:nvSpPr>
-        <p:spPr>
-          <a:xfrm>
-            <a:off x="1103748" y="4051720"/>
-            <a:ext cx="2406073" cy="1362942"/>
-          </a:xfrm>
-          <a:prstGeom prst="rect">
-            <a:avLst/>
-          </a:prstGeom>
-          <a:solidFill>
-            <a:schemeClr val="accent5">
-              <a:lumMod val="20000"/>
-              <a:lumOff val="80000"/>
-            </a:schemeClr>
-          </a:solidFill>
-        </p:spPr>
-        <p:txBody>
-          <a:bodyPr vert="horz" lIns="91440" tIns="45720" rIns="91440" bIns="45720" rtlCol="0">
-            <a:normAutofit/>
-          </a:bodyPr>
-          <a:lstStyle>
-            <a:lvl1pPr marL="342900" indent="-342900" algn="l" defTabSz="457200" rtl="0" eaLnBrk="1" latinLnBrk="0" hangingPunct="1">
-              <a:spcBef>
-                <a:spcPct val="20000"/>
-              </a:spcBef>
-              <a:buFont typeface="Arial"/>
-              <a:buChar char="•"/>
-              <a:defRPr sz="2400" kern="1200">
-                <a:solidFill>
-                  <a:schemeClr val="tx1"/>
-                </a:solidFill>
-                <a:latin typeface="+mn-lt"/>
-                <a:ea typeface="+mn-ea"/>
-                <a:cs typeface="+mn-cs"/>
-              </a:defRPr>
-            </a:lvl1pPr>
-            <a:lvl2pPr marL="742950" indent="-285750" algn="l" defTabSz="457200" rtl="0" eaLnBrk="1" latinLnBrk="0" hangingPunct="1">
-              <a:spcBef>
-                <a:spcPct val="20000"/>
-              </a:spcBef>
-              <a:buFont typeface="Arial"/>
-              <a:buChar char="–"/>
-              <a:defRPr sz="2400" kern="1200">
-                <a:solidFill>
-                  <a:schemeClr val="tx1"/>
-                </a:solidFill>
-                <a:latin typeface="+mn-lt"/>
-                <a:ea typeface="+mn-ea"/>
-                <a:cs typeface="+mn-cs"/>
-              </a:defRPr>
-            </a:lvl2pPr>
-            <a:lvl3pPr marL="1143000" indent="-228600" algn="l" defTabSz="457200" rtl="0" eaLnBrk="1" latinLnBrk="0" hangingPunct="1">
-              <a:spcBef>
-                <a:spcPct val="20000"/>
-              </a:spcBef>
-              <a:buFont typeface="Arial"/>
-              <a:buChar char="•"/>
-              <a:defRPr sz="2400" kern="1200">
-                <a:solidFill>
-                  <a:schemeClr val="tx1"/>
-                </a:solidFill>
-                <a:latin typeface="+mn-lt"/>
-                <a:ea typeface="+mn-ea"/>
-                <a:cs typeface="+mn-cs"/>
-              </a:defRPr>
-            </a:lvl3pPr>
-            <a:lvl4pPr marL="1600200" indent="-228600" algn="l" defTabSz="457200" rtl="0" eaLnBrk="1" latinLnBrk="0" hangingPunct="1">
-              <a:spcBef>
-                <a:spcPct val="20000"/>
-              </a:spcBef>
-              <a:buFont typeface="Arial"/>
-              <a:buChar char="–"/>
-              <a:defRPr sz="2400" kern="1200">
-                <a:solidFill>
-                  <a:schemeClr val="tx1"/>
-                </a:solidFill>
-                <a:latin typeface="+mn-lt"/>
-                <a:ea typeface="+mn-ea"/>
-                <a:cs typeface="+mn-cs"/>
-              </a:defRPr>
-            </a:lvl4pPr>
-            <a:lvl5pPr marL="2057400" indent="-228600" algn="l" defTabSz="457200" rtl="0" eaLnBrk="1" latinLnBrk="0" hangingPunct="1">
-              <a:spcBef>
-                <a:spcPct val="20000"/>
-              </a:spcBef>
-              <a:buFont typeface="Arial"/>
-              <a:buChar char="»"/>
-              <a:defRPr sz="2400" kern="1200">
-                <a:solidFill>
-                  <a:schemeClr val="tx1"/>
-                </a:solidFill>
-                <a:latin typeface="+mn-lt"/>
-                <a:ea typeface="+mn-ea"/>
-                <a:cs typeface="+mn-cs"/>
-              </a:defRPr>
-            </a:lvl5pPr>
-            <a:lvl6pPr marL="2514600" indent="-228600" algn="l" defTabSz="457200" rtl="0" eaLnBrk="1" latinLnBrk="0" hangingPunct="1">
-              <a:spcBef>
-                <a:spcPct val="20000"/>
-              </a:spcBef>
-              <a:buFont typeface="Arial"/>
-              <a:buChar char="•"/>
-              <a:defRPr sz="2000" kern="1200">
-                <a:solidFill>
-                  <a:schemeClr val="tx1"/>
-                </a:solidFill>
-                <a:latin typeface="+mn-lt"/>
-                <a:ea typeface="+mn-ea"/>
-                <a:cs typeface="+mn-cs"/>
-              </a:defRPr>
-            </a:lvl6pPr>
-            <a:lvl7pPr marL="2971800" indent="-228600" algn="l" defTabSz="457200" rtl="0" eaLnBrk="1" latinLnBrk="0" hangingPunct="1">
-              <a:spcBef>
-                <a:spcPct val="20000"/>
-              </a:spcBef>
-              <a:buFont typeface="Arial"/>
-              <a:buChar char="•"/>
-              <a:defRPr sz="2000" kern="1200">
-                <a:solidFill>
-                  <a:schemeClr val="tx1"/>
-                </a:solidFill>
-                <a:latin typeface="+mn-lt"/>
-                <a:ea typeface="+mn-ea"/>
-                <a:cs typeface="+mn-cs"/>
-              </a:defRPr>
-            </a:lvl7pPr>
-            <a:lvl8pPr marL="3429000" indent="-228600" algn="l" defTabSz="457200" rtl="0" eaLnBrk="1" latinLnBrk="0" hangingPunct="1">
-              <a:spcBef>
-                <a:spcPct val="20000"/>
-              </a:spcBef>
-              <a:buFont typeface="Arial"/>
-              <a:buChar char="•"/>
-              <a:defRPr sz="2000" kern="1200">
-                <a:solidFill>
-                  <a:schemeClr val="tx1"/>
-                </a:solidFill>
-                <a:latin typeface="+mn-lt"/>
-                <a:ea typeface="+mn-ea"/>
-                <a:cs typeface="+mn-cs"/>
-              </a:defRPr>
-            </a:lvl8pPr>
-            <a:lvl9pPr marL="3886200" indent="-228600" algn="l" defTabSz="457200" rtl="0" eaLnBrk="1" latinLnBrk="0" hangingPunct="1">
-              <a:spcBef>
-                <a:spcPct val="20000"/>
-              </a:spcBef>
-              <a:buFont typeface="Arial"/>
-              <a:buChar char="•"/>
-              <a:defRPr sz="2000" kern="1200">
-                <a:solidFill>
-                  <a:schemeClr val="tx1"/>
-                </a:solidFill>
-                <a:latin typeface="+mn-lt"/>
-                <a:ea typeface="+mn-ea"/>
-                <a:cs typeface="+mn-cs"/>
-              </a:defRPr>
-            </a:lvl9pPr>
-          </a:lstStyle>
-          <a:p>
-            <a:pPr marL="0" indent="0">
-              <a:buFont typeface="Arial"/>
-              <a:buNone/>
-            </a:pPr>
-            <a:r>
-              <a:rPr lang="en-US" dirty="0" err="1" smtClean="0"/>
-              <a:t>Agalma,elegans</a:t>
-            </a:r>
-            <a:endParaRPr lang="en-US" dirty="0" smtClean="0"/>
-          </a:p>
-          <a:p>
-            <a:pPr marL="0" indent="0">
-              <a:buFont typeface="Arial"/>
-              <a:buNone/>
-            </a:pPr>
-            <a:r>
-              <a:rPr lang="en-US" dirty="0" err="1" smtClean="0"/>
-              <a:t>Frillagalma</a:t>
-            </a:r>
-            <a:r>
-              <a:rPr lang="en-US" dirty="0" err="1"/>
-              <a:t>,</a:t>
-            </a:r>
-            <a:r>
-              <a:rPr lang="en-US" dirty="0" err="1" smtClean="0"/>
-              <a:t>vitiazi</a:t>
-            </a:r>
-            <a:endParaRPr lang="en-US" dirty="0" smtClean="0"/>
-          </a:p>
-          <a:p>
-            <a:pPr marL="0" indent="0">
-              <a:buFont typeface="Arial"/>
-              <a:buNone/>
-            </a:pPr>
-            <a:r>
-              <a:rPr lang="en-US" dirty="0" err="1" smtClean="0"/>
-              <a:t>Mus,musculus</a:t>
-            </a:r>
-            <a:endParaRPr lang="en-US" dirty="0"/>
-          </a:p>
-        </p:txBody>
-      </p:sp>
-      <p:graphicFrame>
-        <p:nvGraphicFramePr>
-          <p:cNvPr id="9" name="Table 8"/>
-          <p:cNvGraphicFramePr>
-            <a:graphicFrameLocks noGrp="1"/>
-          </p:cNvGraphicFramePr>
-          <p:nvPr>
-            <p:extLst>
-              <p:ext uri="{D42A27DB-BD31-4B8C-83A1-F6EECF244321}">
-                <p14:modId xmlns:p14="http://schemas.microsoft.com/office/powerpoint/2010/main" val="1547629596"/>
-              </p:ext>
-            </p:extLst>
-          </p:nvPr>
-        </p:nvGraphicFramePr>
-        <p:xfrm>
-          <a:off x="3833092" y="4161691"/>
-          <a:ext cx="3098800" cy="1143000"/>
-        </p:xfrm>
-        <a:graphic>
-          <a:graphicData uri="http://schemas.openxmlformats.org/drawingml/2006/table">
-            <a:tbl>
-              <a:tblPr/>
-              <a:tblGrid>
-                <a:gridCol w="1663700"/>
-                <a:gridCol w="1435100"/>
-              </a:tblGrid>
-              <a:tr h="381000">
-                <a:tc>
-                  <a:txBody>
-                    <a:bodyPr/>
-                    <a:lstStyle/>
-                    <a:p>
-                      <a:pPr algn="l" fontAlgn="b"/>
-                      <a:r>
-                        <a:rPr lang="en-US" sz="2000" b="0" i="0" u="none" strike="noStrike">
-                          <a:solidFill>
-                            <a:srgbClr val="000000"/>
-                          </a:solidFill>
-                          <a:effectLst/>
-                          <a:latin typeface="Courier"/>
-                        </a:rPr>
-                        <a:t>Regexp</a:t>
-                      </a:r>
-                    </a:p>
-                  </a:txBody>
-                  <a:tcPr marL="12700" marR="12700" marT="12700" marB="0" anchor="b">
-                    <a:lnL w="6350" cap="flat" cmpd="sng" algn="ctr">
-                      <a:solidFill>
-                        <a:srgbClr val="000000"/>
-                      </a:solidFill>
-                      <a:prstDash val="solid"/>
-                      <a:round/>
-                      <a:headEnd type="none" w="med" len="med"/>
-                      <a:tailEnd type="none" w="med" len="med"/>
-                    </a:lnL>
-                    <a:lnR w="6350" cap="flat" cmpd="sng" algn="ctr">
-                      <a:solidFill>
-                        <a:srgbClr val="000000"/>
-                      </a:solidFill>
-                      <a:prstDash val="solid"/>
-                      <a:round/>
-                      <a:headEnd type="none" w="med" len="med"/>
-                      <a:tailEnd type="none" w="med" len="med"/>
-                    </a:lnR>
-                    <a:lnT w="6350" cap="flat" cmpd="sng" algn="ctr">
-                      <a:solidFill>
-                        <a:srgbClr val="000000"/>
-                      </a:solidFill>
-                      <a:prstDash val="solid"/>
-                      <a:round/>
-                      <a:headEnd type="none" w="med" len="med"/>
-                      <a:tailEnd type="none" w="med" len="med"/>
-                    </a:lnT>
-                    <a:lnB w="6350" cap="flat" cmpd="sng" algn="ctr">
-                      <a:solidFill>
-                        <a:srgbClr val="000000"/>
-                      </a:solidFill>
-                      <a:prstDash val="solid"/>
-                      <a:round/>
-                      <a:headEnd type="none" w="med" len="med"/>
-                      <a:tailEnd type="none" w="med" len="med"/>
-                    </a:lnB>
-                  </a:tcPr>
-                </a:tc>
-                <a:tc>
-                  <a:txBody>
-                    <a:bodyPr/>
-                    <a:lstStyle/>
-                    <a:p>
-                      <a:pPr algn="l" fontAlgn="b"/>
-                      <a:r>
-                        <a:rPr lang="en-US" sz="2000" b="0" i="0" u="none" strike="noStrike">
-                          <a:solidFill>
-                            <a:srgbClr val="000000"/>
-                          </a:solidFill>
-                          <a:effectLst/>
-                          <a:latin typeface="Courier"/>
-                        </a:rPr>
-                        <a:t>Replace</a:t>
-                      </a:r>
-                    </a:p>
-                  </a:txBody>
-                  <a:tcPr marL="12700" marR="12700" marT="12700" marB="0" anchor="b">
-                    <a:lnL w="6350" cap="flat" cmpd="sng" algn="ctr">
-                      <a:solidFill>
-                        <a:srgbClr val="000000"/>
-                      </a:solidFill>
-                      <a:prstDash val="solid"/>
-                      <a:round/>
-                      <a:headEnd type="none" w="med" len="med"/>
-                      <a:tailEnd type="none" w="med" len="med"/>
-                    </a:lnL>
-                    <a:lnR w="6350" cap="flat" cmpd="sng" algn="ctr">
-                      <a:solidFill>
-                        <a:srgbClr val="000000"/>
-                      </a:solidFill>
-                      <a:prstDash val="solid"/>
-                      <a:round/>
-                      <a:headEnd type="none" w="med" len="med"/>
-                      <a:tailEnd type="none" w="med" len="med"/>
-                    </a:lnR>
-                    <a:lnT w="6350" cap="flat" cmpd="sng" algn="ctr">
-                      <a:solidFill>
-                        <a:srgbClr val="000000"/>
-                      </a:solidFill>
-                      <a:prstDash val="solid"/>
-                      <a:round/>
-                      <a:headEnd type="none" w="med" len="med"/>
-                      <a:tailEnd type="none" w="med" len="med"/>
-                    </a:lnT>
-                    <a:lnB w="6350" cap="flat" cmpd="sng" algn="ctr">
-                      <a:solidFill>
-                        <a:srgbClr val="000000"/>
-                      </a:solidFill>
-                      <a:prstDash val="solid"/>
-                      <a:round/>
-                      <a:headEnd type="none" w="med" len="med"/>
-                      <a:tailEnd type="none" w="med" len="med"/>
-                    </a:lnB>
-                  </a:tcPr>
-                </a:tc>
-              </a:tr>
-              <a:tr h="381000">
-                <a:tc>
-                  <a:txBody>
-                    <a:bodyPr/>
-                    <a:lstStyle/>
-                    <a:p>
-                      <a:pPr algn="l" fontAlgn="ctr"/>
-                      <a:r>
-                        <a:rPr lang="pl-PL" sz="2000" b="0" i="0" u="none" strike="noStrike" dirty="0" smtClean="0">
-                          <a:solidFill>
-                            <a:srgbClr val="000000"/>
-                          </a:solidFill>
-                          <a:effectLst/>
-                          <a:latin typeface="Courier"/>
-                        </a:rPr>
-                        <a:t>,</a:t>
-                      </a:r>
-                      <a:endParaRPr lang="pl-PL" sz="2000" b="0" i="0" u="none" strike="noStrike" dirty="0">
-                        <a:solidFill>
-                          <a:srgbClr val="000000"/>
-                        </a:solidFill>
-                        <a:effectLst/>
-                        <a:latin typeface="Courier"/>
-                      </a:endParaRPr>
-                    </a:p>
-                  </a:txBody>
-                  <a:tcPr marL="12700" marR="12700" marT="12700" marB="0" anchor="ctr">
-                    <a:lnL w="6350" cap="flat" cmpd="sng" algn="ctr">
-                      <a:solidFill>
-                        <a:srgbClr val="000000"/>
-                      </a:solidFill>
-                      <a:prstDash val="solid"/>
-                      <a:round/>
-                      <a:headEnd type="none" w="med" len="med"/>
-                      <a:tailEnd type="none" w="med" len="med"/>
-                    </a:lnL>
-                    <a:lnR w="6350" cap="flat" cmpd="sng" algn="ctr">
-                      <a:solidFill>
-                        <a:srgbClr val="000000"/>
-                      </a:solidFill>
-                      <a:prstDash val="solid"/>
-                      <a:round/>
-                      <a:headEnd type="none" w="med" len="med"/>
-                      <a:tailEnd type="none" w="med" len="med"/>
-                    </a:lnR>
-                    <a:lnT w="6350" cap="flat" cmpd="sng" algn="ctr">
-                      <a:solidFill>
-                        <a:srgbClr val="000000"/>
-                      </a:solidFill>
-                      <a:prstDash val="solid"/>
-                      <a:round/>
-                      <a:headEnd type="none" w="med" len="med"/>
-                      <a:tailEnd type="none" w="med" len="med"/>
-                    </a:lnT>
-                    <a:lnB w="6350" cap="flat" cmpd="sng" algn="ctr">
-                      <a:solidFill>
-                        <a:srgbClr val="000000"/>
-                      </a:solidFill>
-                      <a:prstDash val="solid"/>
-                      <a:round/>
-                      <a:headEnd type="none" w="med" len="med"/>
-                      <a:tailEnd type="none" w="med" len="med"/>
-                    </a:lnB>
-                  </a:tcPr>
-                </a:tc>
-                <a:tc>
-                  <a:txBody>
-                    <a:bodyPr/>
-                    <a:lstStyle/>
-                    <a:p>
-                      <a:pPr algn="l" fontAlgn="b"/>
-                      <a:r>
-                        <a:rPr lang="en-US" sz="2000" b="0" i="0" u="none" strike="noStrike" dirty="0" smtClean="0">
-                          <a:solidFill>
-                            <a:srgbClr val="000000"/>
-                          </a:solidFill>
-                          <a:effectLst/>
-                          <a:latin typeface="Courier"/>
-                        </a:rPr>
-                        <a:t>\t</a:t>
-                      </a:r>
-                      <a:endParaRPr lang="en-US" sz="2000" b="0" i="0" u="none" strike="noStrike" dirty="0">
-                        <a:solidFill>
-                          <a:srgbClr val="000000"/>
-                        </a:solidFill>
-                        <a:effectLst/>
-                        <a:latin typeface="Courier"/>
-                      </a:endParaRPr>
-                    </a:p>
-                  </a:txBody>
-                  <a:tcPr marL="12700" marR="12700" marT="12700" marB="0" anchor="b">
-                    <a:lnL w="6350" cap="flat" cmpd="sng" algn="ctr">
-                      <a:solidFill>
-                        <a:srgbClr val="000000"/>
-                      </a:solidFill>
-                      <a:prstDash val="solid"/>
-                      <a:round/>
-                      <a:headEnd type="none" w="med" len="med"/>
-                      <a:tailEnd type="none" w="med" len="med"/>
-                    </a:lnL>
-                    <a:lnR w="6350" cap="flat" cmpd="sng" algn="ctr">
-                      <a:solidFill>
-                        <a:srgbClr val="000000"/>
-                      </a:solidFill>
-                      <a:prstDash val="solid"/>
-                      <a:round/>
-                      <a:headEnd type="none" w="med" len="med"/>
-                      <a:tailEnd type="none" w="med" len="med"/>
-                    </a:lnR>
-                    <a:lnT w="6350" cap="flat" cmpd="sng" algn="ctr">
-                      <a:solidFill>
-                        <a:srgbClr val="000000"/>
-                      </a:solidFill>
-                      <a:prstDash val="solid"/>
-                      <a:round/>
-                      <a:headEnd type="none" w="med" len="med"/>
-                      <a:tailEnd type="none" w="med" len="med"/>
-                    </a:lnT>
-                    <a:lnB w="6350" cap="flat" cmpd="sng" algn="ctr">
-                      <a:solidFill>
-                        <a:srgbClr val="000000"/>
-                      </a:solidFill>
-                      <a:prstDash val="solid"/>
-                      <a:round/>
-                      <a:headEnd type="none" w="med" len="med"/>
-                      <a:tailEnd type="none" w="med" len="med"/>
-                    </a:lnB>
-                  </a:tcPr>
-                </a:tc>
-              </a:tr>
-              <a:tr h="381000">
-                <a:tc>
-                  <a:txBody>
-                    <a:bodyPr/>
-                    <a:lstStyle/>
-                    <a:p>
-                      <a:pPr algn="l" fontAlgn="ctr"/>
-                      <a:r>
-                        <a:rPr lang="pl-PL" sz="2000" b="0" i="0" u="none" strike="noStrike" dirty="0" smtClean="0">
-                          <a:solidFill>
-                            <a:srgbClr val="000000"/>
-                          </a:solidFill>
-                          <a:effectLst/>
-                          <a:latin typeface="Courier"/>
-                        </a:rPr>
-                        <a:t>\t</a:t>
-                      </a:r>
-                      <a:endParaRPr lang="pl-PL" sz="2000" b="0" i="0" u="none" strike="noStrike" dirty="0">
-                        <a:solidFill>
-                          <a:srgbClr val="000000"/>
-                        </a:solidFill>
-                        <a:effectLst/>
-                        <a:latin typeface="Courier"/>
-                      </a:endParaRPr>
-                    </a:p>
-                  </a:txBody>
-                  <a:tcPr marL="12700" marR="12700" marT="12700" marB="0" anchor="ctr">
-                    <a:lnL w="6350" cap="flat" cmpd="sng" algn="ctr">
-                      <a:solidFill>
-                        <a:srgbClr val="000000"/>
-                      </a:solidFill>
-                      <a:prstDash val="solid"/>
-                      <a:round/>
-                      <a:headEnd type="none" w="med" len="med"/>
-                      <a:tailEnd type="none" w="med" len="med"/>
-                    </a:lnL>
-                    <a:lnR w="6350" cap="flat" cmpd="sng" algn="ctr">
-                      <a:solidFill>
-                        <a:srgbClr val="000000"/>
-                      </a:solidFill>
-                      <a:prstDash val="solid"/>
-                      <a:round/>
-                      <a:headEnd type="none" w="med" len="med"/>
-                      <a:tailEnd type="none" w="med" len="med"/>
-                    </a:lnR>
-                    <a:lnT w="6350" cap="flat" cmpd="sng" algn="ctr">
-                      <a:solidFill>
-                        <a:srgbClr val="000000"/>
-                      </a:solidFill>
-                      <a:prstDash val="solid"/>
-                      <a:round/>
-                      <a:headEnd type="none" w="med" len="med"/>
-                      <a:tailEnd type="none" w="med" len="med"/>
-                    </a:lnT>
-                    <a:lnB w="6350" cap="flat" cmpd="sng" algn="ctr">
-                      <a:solidFill>
-                        <a:srgbClr val="000000"/>
-                      </a:solidFill>
-                      <a:prstDash val="solid"/>
-                      <a:round/>
-                      <a:headEnd type="none" w="med" len="med"/>
-                      <a:tailEnd type="none" w="med" len="med"/>
-                    </a:lnB>
-                  </a:tcPr>
-                </a:tc>
-                <a:tc>
-                  <a:txBody>
-                    <a:bodyPr/>
-                    <a:lstStyle/>
-                    <a:p>
-                      <a:pPr algn="l" fontAlgn="b"/>
-                      <a:r>
-                        <a:rPr lang="en-US" sz="2000" b="0" i="0" u="none" strike="noStrike" dirty="0" smtClean="0">
-                          <a:solidFill>
-                            <a:srgbClr val="000000"/>
-                          </a:solidFill>
-                          <a:effectLst/>
-                          <a:latin typeface="Courier"/>
-                        </a:rPr>
-                        <a:t>,</a:t>
-                      </a:r>
-                      <a:endParaRPr lang="en-US" sz="2000" b="0" i="0" u="none" strike="noStrike" dirty="0">
-                        <a:solidFill>
-                          <a:srgbClr val="000000"/>
-                        </a:solidFill>
-                        <a:effectLst/>
-                        <a:latin typeface="Courier"/>
-                      </a:endParaRPr>
-                    </a:p>
-                  </a:txBody>
-                  <a:tcPr marL="12700" marR="12700" marT="12700" marB="0" anchor="b">
-                    <a:lnL w="6350" cap="flat" cmpd="sng" algn="ctr">
-                      <a:solidFill>
-                        <a:srgbClr val="000000"/>
-                      </a:solidFill>
-                      <a:prstDash val="solid"/>
-                      <a:round/>
-                      <a:headEnd type="none" w="med" len="med"/>
-                      <a:tailEnd type="none" w="med" len="med"/>
-                    </a:lnL>
-                    <a:lnR w="6350" cap="flat" cmpd="sng" algn="ctr">
-                      <a:solidFill>
-                        <a:srgbClr val="000000"/>
-                      </a:solidFill>
-                      <a:prstDash val="solid"/>
-                      <a:round/>
-                      <a:headEnd type="none" w="med" len="med"/>
-                      <a:tailEnd type="none" w="med" len="med"/>
-                    </a:lnR>
-                    <a:lnT w="6350" cap="flat" cmpd="sng" algn="ctr">
-                      <a:solidFill>
-                        <a:srgbClr val="000000"/>
-                      </a:solidFill>
-                      <a:prstDash val="solid"/>
-                      <a:round/>
-                      <a:headEnd type="none" w="med" len="med"/>
-                      <a:tailEnd type="none" w="med" len="med"/>
-                    </a:lnT>
-                    <a:lnB w="6350" cap="flat" cmpd="sng" algn="ctr">
-                      <a:solidFill>
-                        <a:srgbClr val="000000"/>
-                      </a:solidFill>
-                      <a:prstDash val="solid"/>
-                      <a:round/>
-                      <a:headEnd type="none" w="med" len="med"/>
-                      <a:tailEnd type="none" w="med" len="med"/>
-                    </a:lnB>
-                  </a:tcPr>
-                </a:tc>
-              </a:tr>
-            </a:tbl>
-          </a:graphicData>
-        </a:graphic>
-      </p:graphicFrame>
-    </p:spTree>
-    <p:extLst>
-      <p:ext uri="{BB962C8B-B14F-4D97-AF65-F5344CB8AC3E}">
-        <p14:creationId xmlns:p14="http://schemas.microsoft.com/office/powerpoint/2010/main" val="1718627100"/>
-      </p:ext>
-    </p:extLst>
-  </p:cSld>
-  <p:clrMapOvr>
-    <a:masterClrMapping/>
-  </p:clrMapOvr>
-</p:sld>
-</file>
-
-<file path=ppt/slides/slide2.xml><?xml version="1.0" encoding="utf-8"?>
-<p:sld xmlns:a="http://schemas.openxmlformats.org/drawingml/2006/main" xmlns:r="http://schemas.openxmlformats.org/officeDocument/2006/relationships" xmlns:p="http://schemas.openxmlformats.org/presentationml/2006/main">
-  <p:cSld>
-    <p:spTree>
-      <p:nvGrpSpPr>
-        <p:cNvPr id="1" name=""/>
-        <p:cNvGrpSpPr/>
-        <p:nvPr/>
-      </p:nvGrpSpPr>
-      <p:grpSpPr>
-        <a:xfrm>
-          <a:off x="0" y="0"/>
-          <a:ext cx="0" cy="0"/>
-          <a:chOff x="0" y="0"/>
-          <a:chExt cx="0" cy="0"/>
-        </a:xfrm>
-      </p:grpSpPr>
-      <p:sp>
-        <p:nvSpPr>
-          <p:cNvPr id="2" name="Title 1"/>
-          <p:cNvSpPr>
-            <a:spLocks noGrp="1"/>
-          </p:cNvSpPr>
-          <p:nvPr>
-            <p:ph type="title"/>
-          </p:nvPr>
-        </p:nvSpPr>
-        <p:spPr>
-          <a:xfrm>
-            <a:off x="457200" y="274638"/>
-            <a:ext cx="8229600" cy="924806"/>
-          </a:xfrm>
-        </p:spPr>
-        <p:txBody>
-          <a:bodyPr/>
-          <a:lstStyle/>
-          <a:p>
-            <a:r>
-              <a:rPr lang="en-US" dirty="0" smtClean="0"/>
-              <a:t>Goal of today’s lab</a:t>
-            </a:r>
-            <a:endParaRPr lang="en-US" dirty="0"/>
-          </a:p>
-        </p:txBody>
-      </p:sp>
-      <p:sp>
-        <p:nvSpPr>
-          <p:cNvPr id="3" name="Content Placeholder 2"/>
-          <p:cNvSpPr>
-            <a:spLocks noGrp="1"/>
-          </p:cNvSpPr>
-          <p:nvPr>
-            <p:ph idx="1"/>
-          </p:nvPr>
-        </p:nvSpPr>
-        <p:spPr>
-          <a:xfrm>
-            <a:off x="966732" y="1727111"/>
-            <a:ext cx="6873970" cy="2212389"/>
-          </a:xfrm>
-        </p:spPr>
-        <p:txBody>
-          <a:bodyPr>
-            <a:normAutofit/>
-          </a:bodyPr>
-          <a:lstStyle/>
-          <a:p>
-            <a:pPr>
-              <a:lnSpc>
-                <a:spcPct val="160000"/>
-              </a:lnSpc>
-            </a:pPr>
-            <a:r>
-              <a:rPr lang="en-US" dirty="0" smtClean="0"/>
-              <a:t>Familiar to Excel functions</a:t>
-            </a:r>
-          </a:p>
-          <a:p>
-            <a:pPr>
-              <a:lnSpc>
-                <a:spcPct val="160000"/>
-              </a:lnSpc>
-            </a:pPr>
-            <a:r>
-              <a:rPr lang="en-US" dirty="0" smtClean="0"/>
-              <a:t>Try </a:t>
-            </a:r>
-            <a:r>
-              <a:rPr lang="en-US" i="1" dirty="0" smtClean="0"/>
-              <a:t>vi</a:t>
-            </a:r>
-            <a:r>
-              <a:rPr lang="en-US" dirty="0"/>
-              <a:t> </a:t>
-            </a:r>
-            <a:r>
-              <a:rPr lang="en-US" dirty="0" smtClean="0"/>
-              <a:t>at </a:t>
-            </a:r>
-            <a:r>
-              <a:rPr lang="en-US" dirty="0" err="1" smtClean="0"/>
-              <a:t>Beocat</a:t>
-            </a:r>
-            <a:endParaRPr lang="en-US" i="1" dirty="0" smtClean="0"/>
-          </a:p>
-          <a:p>
-            <a:pPr>
-              <a:lnSpc>
-                <a:spcPct val="160000"/>
-              </a:lnSpc>
-            </a:pPr>
-            <a:r>
-              <a:rPr lang="en-US" dirty="0"/>
-              <a:t>Practice using regular expression in </a:t>
-            </a:r>
-            <a:r>
-              <a:rPr lang="en-US" dirty="0" err="1" smtClean="0"/>
-              <a:t>TextWrangler</a:t>
-            </a:r>
-            <a:endParaRPr lang="en-US" dirty="0"/>
-          </a:p>
-        </p:txBody>
-      </p:sp>
-    </p:spTree>
-    <p:extLst>
-      <p:ext uri="{BB962C8B-B14F-4D97-AF65-F5344CB8AC3E}">
-        <p14:creationId xmlns:p14="http://schemas.microsoft.com/office/powerpoint/2010/main" val="696069205"/>
-      </p:ext>
-    </p:extLst>
-  </p:cSld>
-  <p:clrMapOvr>
-    <a:masterClrMapping/>
-  </p:clrMapOvr>
-  <p:timing>
-    <p:tnLst>
-      <p:par>
-        <p:cTn xmlns:p14="http://schemas.microsoft.com/office/powerpoint/2010/main" id="1" dur="indefinite" restart="never" nodeType="tmRoot"/>
-      </p:par>
-    </p:tnLst>
-  </p:timing>
-</p:sld>
-</file>
-
-<file path=ppt/slides/slide20.xml><?xml version="1.0" encoding="utf-8"?>
-<p:sld xmlns:a="http://schemas.openxmlformats.org/drawingml/2006/main" xmlns:r="http://schemas.openxmlformats.org/officeDocument/2006/relationships" xmlns:p="http://schemas.openxmlformats.org/presentationml/2006/main">
-  <p:cSld>
-    <p:spTree>
-      <p:nvGrpSpPr>
-        <p:cNvPr id="1" name=""/>
-        <p:cNvGrpSpPr/>
-        <p:nvPr/>
-      </p:nvGrpSpPr>
-      <p:grpSpPr>
-        <a:xfrm>
-          <a:off x="0" y="0"/>
-          <a:ext cx="0" cy="0"/>
-          <a:chOff x="0" y="0"/>
-          <a:chExt cx="0" cy="0"/>
-        </a:xfrm>
-      </p:grpSpPr>
-      <p:sp>
-        <p:nvSpPr>
-          <p:cNvPr id="2" name="Title 1"/>
-          <p:cNvSpPr>
-            <a:spLocks noGrp="1"/>
-          </p:cNvSpPr>
-          <p:nvPr>
-            <p:ph type="title"/>
-          </p:nvPr>
-        </p:nvSpPr>
-        <p:spPr/>
-        <p:txBody>
-          <a:bodyPr/>
-          <a:lstStyle/>
-          <a:p>
-            <a:r>
-              <a:rPr lang="en-US" dirty="0" smtClean="0"/>
-              <a:t>Line beginnings and endings</a:t>
-            </a:r>
-            <a:endParaRPr lang="en-US" dirty="0"/>
-          </a:p>
-        </p:txBody>
-      </p:sp>
-      <p:sp>
-        <p:nvSpPr>
-          <p:cNvPr id="3" name="Content Placeholder 2"/>
-          <p:cNvSpPr>
-            <a:spLocks noGrp="1"/>
-          </p:cNvSpPr>
-          <p:nvPr>
-            <p:ph idx="1"/>
-          </p:nvPr>
-        </p:nvSpPr>
-        <p:spPr>
-          <a:xfrm>
-            <a:off x="457200" y="1384876"/>
-            <a:ext cx="8229600" cy="931871"/>
-          </a:xfrm>
-        </p:spPr>
-        <p:txBody>
-          <a:bodyPr>
-            <a:normAutofit/>
-          </a:bodyPr>
-          <a:lstStyle/>
-          <a:p>
-            <a:r>
-              <a:rPr lang="en-US" b="1" dirty="0" smtClean="0">
-                <a:solidFill>
-                  <a:schemeClr val="tx2">
-                    <a:lumMod val="75000"/>
-                  </a:schemeClr>
-                </a:solidFill>
-              </a:rPr>
-              <a:t>^</a:t>
-            </a:r>
-            <a:r>
-              <a:rPr lang="en-US" dirty="0" smtClean="0"/>
-              <a:t> beginnings</a:t>
-            </a:r>
-          </a:p>
-          <a:p>
-            <a:r>
-              <a:rPr lang="en-US" b="1" dirty="0" smtClean="0">
-                <a:solidFill>
-                  <a:srgbClr val="17375E"/>
-                </a:solidFill>
-              </a:rPr>
-              <a:t>$</a:t>
-            </a:r>
-            <a:r>
-              <a:rPr lang="en-US" dirty="0" smtClean="0"/>
-              <a:t> endings</a:t>
-            </a:r>
-          </a:p>
-        </p:txBody>
-      </p:sp>
-      <p:sp>
-        <p:nvSpPr>
-          <p:cNvPr id="4" name="Content Placeholder 2"/>
-          <p:cNvSpPr txBox="1">
-            <a:spLocks/>
-          </p:cNvSpPr>
-          <p:nvPr/>
-        </p:nvSpPr>
-        <p:spPr>
-          <a:xfrm>
-            <a:off x="983616" y="3727211"/>
-            <a:ext cx="2406073" cy="1807239"/>
-          </a:xfrm>
-          <a:prstGeom prst="rect">
-            <a:avLst/>
-          </a:prstGeom>
-          <a:solidFill>
-            <a:schemeClr val="accent5">
-              <a:lumMod val="20000"/>
-              <a:lumOff val="80000"/>
-            </a:schemeClr>
-          </a:solidFill>
-        </p:spPr>
-        <p:txBody>
-          <a:bodyPr vert="horz" lIns="91440" tIns="45720" rIns="91440" bIns="45720" rtlCol="0">
-            <a:normAutofit/>
-          </a:bodyPr>
-          <a:lstStyle>
-            <a:lvl1pPr marL="342900" indent="-342900" algn="l" defTabSz="457200" rtl="0" eaLnBrk="1" latinLnBrk="0" hangingPunct="1">
-              <a:spcBef>
-                <a:spcPct val="20000"/>
-              </a:spcBef>
-              <a:buFont typeface="Arial"/>
-              <a:buChar char="•"/>
-              <a:defRPr sz="2400" kern="1200">
-                <a:solidFill>
-                  <a:schemeClr val="tx1"/>
-                </a:solidFill>
-                <a:latin typeface="+mn-lt"/>
-                <a:ea typeface="+mn-ea"/>
-                <a:cs typeface="+mn-cs"/>
-              </a:defRPr>
-            </a:lvl1pPr>
-            <a:lvl2pPr marL="742950" indent="-285750" algn="l" defTabSz="457200" rtl="0" eaLnBrk="1" latinLnBrk="0" hangingPunct="1">
-              <a:spcBef>
-                <a:spcPct val="20000"/>
-              </a:spcBef>
-              <a:buFont typeface="Arial"/>
-              <a:buChar char="–"/>
-              <a:defRPr sz="2400" kern="1200">
-                <a:solidFill>
-                  <a:schemeClr val="tx1"/>
-                </a:solidFill>
-                <a:latin typeface="+mn-lt"/>
-                <a:ea typeface="+mn-ea"/>
-                <a:cs typeface="+mn-cs"/>
-              </a:defRPr>
-            </a:lvl2pPr>
-            <a:lvl3pPr marL="1143000" indent="-228600" algn="l" defTabSz="457200" rtl="0" eaLnBrk="1" latinLnBrk="0" hangingPunct="1">
-              <a:spcBef>
-                <a:spcPct val="20000"/>
-              </a:spcBef>
-              <a:buFont typeface="Arial"/>
-              <a:buChar char="•"/>
-              <a:defRPr sz="2400" kern="1200">
-                <a:solidFill>
-                  <a:schemeClr val="tx1"/>
-                </a:solidFill>
-                <a:latin typeface="+mn-lt"/>
-                <a:ea typeface="+mn-ea"/>
-                <a:cs typeface="+mn-cs"/>
-              </a:defRPr>
-            </a:lvl3pPr>
-            <a:lvl4pPr marL="1600200" indent="-228600" algn="l" defTabSz="457200" rtl="0" eaLnBrk="1" latinLnBrk="0" hangingPunct="1">
-              <a:spcBef>
-                <a:spcPct val="20000"/>
-              </a:spcBef>
-              <a:buFont typeface="Arial"/>
-              <a:buChar char="–"/>
-              <a:defRPr sz="2400" kern="1200">
-                <a:solidFill>
-                  <a:schemeClr val="tx1"/>
-                </a:solidFill>
-                <a:latin typeface="+mn-lt"/>
-                <a:ea typeface="+mn-ea"/>
-                <a:cs typeface="+mn-cs"/>
-              </a:defRPr>
-            </a:lvl4pPr>
-            <a:lvl5pPr marL="2057400" indent="-228600" algn="l" defTabSz="457200" rtl="0" eaLnBrk="1" latinLnBrk="0" hangingPunct="1">
-              <a:spcBef>
-                <a:spcPct val="20000"/>
-              </a:spcBef>
-              <a:buFont typeface="Arial"/>
-              <a:buChar char="»"/>
-              <a:defRPr sz="2400" kern="1200">
-                <a:solidFill>
-                  <a:schemeClr val="tx1"/>
-                </a:solidFill>
-                <a:latin typeface="+mn-lt"/>
-                <a:ea typeface="+mn-ea"/>
-                <a:cs typeface="+mn-cs"/>
-              </a:defRPr>
-            </a:lvl5pPr>
-            <a:lvl6pPr marL="2514600" indent="-228600" algn="l" defTabSz="457200" rtl="0" eaLnBrk="1" latinLnBrk="0" hangingPunct="1">
-              <a:spcBef>
-                <a:spcPct val="20000"/>
-              </a:spcBef>
-              <a:buFont typeface="Arial"/>
-              <a:buChar char="•"/>
-              <a:defRPr sz="2000" kern="1200">
-                <a:solidFill>
-                  <a:schemeClr val="tx1"/>
-                </a:solidFill>
-                <a:latin typeface="+mn-lt"/>
-                <a:ea typeface="+mn-ea"/>
-                <a:cs typeface="+mn-cs"/>
-              </a:defRPr>
-            </a:lvl6pPr>
-            <a:lvl7pPr marL="2971800" indent="-228600" algn="l" defTabSz="457200" rtl="0" eaLnBrk="1" latinLnBrk="0" hangingPunct="1">
-              <a:spcBef>
-                <a:spcPct val="20000"/>
-              </a:spcBef>
-              <a:buFont typeface="Arial"/>
-              <a:buChar char="•"/>
-              <a:defRPr sz="2000" kern="1200">
-                <a:solidFill>
-                  <a:schemeClr val="tx1"/>
-                </a:solidFill>
-                <a:latin typeface="+mn-lt"/>
-                <a:ea typeface="+mn-ea"/>
-                <a:cs typeface="+mn-cs"/>
-              </a:defRPr>
-            </a:lvl7pPr>
-            <a:lvl8pPr marL="3429000" indent="-228600" algn="l" defTabSz="457200" rtl="0" eaLnBrk="1" latinLnBrk="0" hangingPunct="1">
-              <a:spcBef>
-                <a:spcPct val="20000"/>
-              </a:spcBef>
-              <a:buFont typeface="Arial"/>
-              <a:buChar char="•"/>
-              <a:defRPr sz="2000" kern="1200">
-                <a:solidFill>
-                  <a:schemeClr val="tx1"/>
-                </a:solidFill>
-                <a:latin typeface="+mn-lt"/>
-                <a:ea typeface="+mn-ea"/>
-                <a:cs typeface="+mn-cs"/>
-              </a:defRPr>
-            </a:lvl8pPr>
-            <a:lvl9pPr marL="3886200" indent="-228600" algn="l" defTabSz="457200" rtl="0" eaLnBrk="1" latinLnBrk="0" hangingPunct="1">
-              <a:spcBef>
-                <a:spcPct val="20000"/>
-              </a:spcBef>
-              <a:buFont typeface="Arial"/>
-              <a:buChar char="•"/>
-              <a:defRPr sz="2000" kern="1200">
-                <a:solidFill>
-                  <a:schemeClr val="tx1"/>
-                </a:solidFill>
-                <a:latin typeface="+mn-lt"/>
-                <a:ea typeface="+mn-ea"/>
-                <a:cs typeface="+mn-cs"/>
-              </a:defRPr>
-            </a:lvl9pPr>
-          </a:lstStyle>
-          <a:p>
-            <a:pPr marL="0" indent="0">
-              <a:buFont typeface="Arial"/>
-              <a:buNone/>
-            </a:pPr>
-            <a:r>
-              <a:rPr lang="en-US" dirty="0" err="1" smtClean="0"/>
-              <a:t>Agalma</a:t>
-            </a:r>
-            <a:r>
-              <a:rPr lang="en-US" dirty="0" smtClean="0"/>
-              <a:t> </a:t>
-            </a:r>
-            <a:r>
-              <a:rPr lang="en-US" dirty="0" err="1" smtClean="0"/>
-              <a:t>elegans</a:t>
-            </a:r>
-            <a:endParaRPr lang="en-US" dirty="0" smtClean="0"/>
-          </a:p>
-          <a:p>
-            <a:pPr marL="0" indent="0">
-              <a:buFont typeface="Arial"/>
-              <a:buNone/>
-            </a:pPr>
-            <a:r>
-              <a:rPr lang="en-US" dirty="0" err="1" smtClean="0"/>
-              <a:t>Frillagalma</a:t>
-            </a:r>
-            <a:r>
-              <a:rPr lang="en-US" dirty="0" smtClean="0"/>
-              <a:t> </a:t>
-            </a:r>
-            <a:r>
-              <a:rPr lang="en-US" dirty="0" err="1" smtClean="0"/>
-              <a:t>vitiazi</a:t>
-            </a:r>
-            <a:endParaRPr lang="en-US" dirty="0" smtClean="0"/>
-          </a:p>
-          <a:p>
-            <a:pPr marL="0" indent="0">
-              <a:buFont typeface="Arial"/>
-              <a:buNone/>
-            </a:pPr>
-            <a:r>
-              <a:rPr lang="en-US" dirty="0" err="1" smtClean="0"/>
-              <a:t>Mus</a:t>
-            </a:r>
-            <a:r>
-              <a:rPr lang="en-US" dirty="0" smtClean="0"/>
-              <a:t> </a:t>
-            </a:r>
-            <a:r>
-              <a:rPr lang="en-US" dirty="0" err="1" smtClean="0"/>
-              <a:t>musculus</a:t>
-            </a:r>
-            <a:endParaRPr lang="en-US" dirty="0" smtClean="0"/>
-          </a:p>
-          <a:p>
-            <a:pPr marL="0" indent="0">
-              <a:buFont typeface="Arial"/>
-              <a:buNone/>
-            </a:pPr>
-            <a:endParaRPr lang="en-US" dirty="0"/>
-          </a:p>
-        </p:txBody>
-      </p:sp>
-      <p:graphicFrame>
-        <p:nvGraphicFramePr>
-          <p:cNvPr id="7" name="Table 6"/>
-          <p:cNvGraphicFramePr>
-            <a:graphicFrameLocks noGrp="1"/>
-          </p:cNvGraphicFramePr>
-          <p:nvPr>
-            <p:extLst>
-              <p:ext uri="{D42A27DB-BD31-4B8C-83A1-F6EECF244321}">
-                <p14:modId xmlns:p14="http://schemas.microsoft.com/office/powerpoint/2010/main" val="4096056802"/>
-              </p:ext>
-            </p:extLst>
-          </p:nvPr>
-        </p:nvGraphicFramePr>
-        <p:xfrm>
-          <a:off x="3833092" y="3838759"/>
-          <a:ext cx="3735244" cy="1524000"/>
-        </p:xfrm>
-        <a:graphic>
-          <a:graphicData uri="http://schemas.openxmlformats.org/drawingml/2006/table">
-            <a:tbl>
-              <a:tblPr/>
-              <a:tblGrid>
-                <a:gridCol w="1349759"/>
-                <a:gridCol w="2385485"/>
-              </a:tblGrid>
-              <a:tr h="381000">
-                <a:tc>
-                  <a:txBody>
-                    <a:bodyPr/>
-                    <a:lstStyle/>
-                    <a:p>
-                      <a:pPr algn="l" fontAlgn="b"/>
-                      <a:r>
-                        <a:rPr lang="en-US" sz="2000" b="0" i="0" u="none" strike="noStrike">
-                          <a:solidFill>
-                            <a:srgbClr val="000000"/>
-                          </a:solidFill>
-                          <a:effectLst/>
-                          <a:latin typeface="Courier"/>
-                        </a:rPr>
-                        <a:t>Regexp</a:t>
-                      </a:r>
-                    </a:p>
-                  </a:txBody>
-                  <a:tcPr marL="12700" marR="12700" marT="12700" marB="0" anchor="b">
-                    <a:lnL w="6350" cap="flat" cmpd="sng" algn="ctr">
-                      <a:solidFill>
-                        <a:srgbClr val="000000"/>
-                      </a:solidFill>
-                      <a:prstDash val="solid"/>
-                      <a:round/>
-                      <a:headEnd type="none" w="med" len="med"/>
-                      <a:tailEnd type="none" w="med" len="med"/>
-                    </a:lnL>
-                    <a:lnR w="6350" cap="flat" cmpd="sng" algn="ctr">
-                      <a:solidFill>
-                        <a:srgbClr val="000000"/>
-                      </a:solidFill>
-                      <a:prstDash val="solid"/>
-                      <a:round/>
-                      <a:headEnd type="none" w="med" len="med"/>
-                      <a:tailEnd type="none" w="med" len="med"/>
-                    </a:lnR>
-                    <a:lnT w="6350" cap="flat" cmpd="sng" algn="ctr">
-                      <a:solidFill>
-                        <a:srgbClr val="000000"/>
-                      </a:solidFill>
-                      <a:prstDash val="solid"/>
-                      <a:round/>
-                      <a:headEnd type="none" w="med" len="med"/>
-                      <a:tailEnd type="none" w="med" len="med"/>
-                    </a:lnT>
-                    <a:lnB w="6350" cap="flat" cmpd="sng" algn="ctr">
-                      <a:solidFill>
-                        <a:srgbClr val="000000"/>
-                      </a:solidFill>
-                      <a:prstDash val="solid"/>
-                      <a:round/>
-                      <a:headEnd type="none" w="med" len="med"/>
-                      <a:tailEnd type="none" w="med" len="med"/>
-                    </a:lnB>
-                  </a:tcPr>
-                </a:tc>
-                <a:tc>
-                  <a:txBody>
-                    <a:bodyPr/>
-                    <a:lstStyle/>
-                    <a:p>
-                      <a:pPr algn="l" fontAlgn="b"/>
-                      <a:r>
-                        <a:rPr lang="en-US" sz="2000" b="0" i="0" u="none" strike="noStrike">
-                          <a:solidFill>
-                            <a:srgbClr val="000000"/>
-                          </a:solidFill>
-                          <a:effectLst/>
-                          <a:latin typeface="Courier"/>
-                        </a:rPr>
-                        <a:t>Replace</a:t>
-                      </a:r>
-                    </a:p>
-                  </a:txBody>
-                  <a:tcPr marL="12700" marR="12700" marT="12700" marB="0" anchor="b">
-                    <a:lnL w="6350" cap="flat" cmpd="sng" algn="ctr">
-                      <a:solidFill>
-                        <a:srgbClr val="000000"/>
-                      </a:solidFill>
-                      <a:prstDash val="solid"/>
-                      <a:round/>
-                      <a:headEnd type="none" w="med" len="med"/>
-                      <a:tailEnd type="none" w="med" len="med"/>
-                    </a:lnL>
-                    <a:lnR w="6350" cap="flat" cmpd="sng" algn="ctr">
-                      <a:solidFill>
-                        <a:srgbClr val="000000"/>
-                      </a:solidFill>
-                      <a:prstDash val="solid"/>
-                      <a:round/>
-                      <a:headEnd type="none" w="med" len="med"/>
-                      <a:tailEnd type="none" w="med" len="med"/>
-                    </a:lnR>
-                    <a:lnT w="6350" cap="flat" cmpd="sng" algn="ctr">
-                      <a:solidFill>
-                        <a:srgbClr val="000000"/>
-                      </a:solidFill>
-                      <a:prstDash val="solid"/>
-                      <a:round/>
-                      <a:headEnd type="none" w="med" len="med"/>
-                      <a:tailEnd type="none" w="med" len="med"/>
-                    </a:lnT>
-                    <a:lnB w="6350" cap="flat" cmpd="sng" algn="ctr">
-                      <a:solidFill>
-                        <a:srgbClr val="000000"/>
-                      </a:solidFill>
-                      <a:prstDash val="solid"/>
-                      <a:round/>
-                      <a:headEnd type="none" w="med" len="med"/>
-                      <a:tailEnd type="none" w="med" len="med"/>
-                    </a:lnB>
-                  </a:tcPr>
-                </a:tc>
-              </a:tr>
-              <a:tr h="381000">
-                <a:tc>
-                  <a:txBody>
-                    <a:bodyPr/>
-                    <a:lstStyle/>
-                    <a:p>
-                      <a:pPr algn="l" fontAlgn="ctr"/>
-                      <a:r>
-                        <a:rPr lang="pl-PL" sz="2000" b="0" i="0" u="none" strike="noStrike" dirty="0" smtClean="0">
-                          <a:solidFill>
-                            <a:srgbClr val="000000"/>
-                          </a:solidFill>
-                          <a:effectLst/>
-                          <a:latin typeface="Courier"/>
-                        </a:rPr>
-                        <a:t>^</a:t>
-                      </a:r>
-                      <a:endParaRPr lang="pl-PL" sz="2000" b="0" i="0" u="none" strike="noStrike" dirty="0">
-                        <a:solidFill>
-                          <a:srgbClr val="000000"/>
-                        </a:solidFill>
-                        <a:effectLst/>
-                        <a:latin typeface="Courier"/>
-                      </a:endParaRPr>
-                    </a:p>
-                  </a:txBody>
-                  <a:tcPr marL="12700" marR="12700" marT="12700" marB="0" anchor="ctr">
-                    <a:lnL w="6350" cap="flat" cmpd="sng" algn="ctr">
-                      <a:solidFill>
-                        <a:srgbClr val="000000"/>
-                      </a:solidFill>
-                      <a:prstDash val="solid"/>
-                      <a:round/>
-                      <a:headEnd type="none" w="med" len="med"/>
-                      <a:tailEnd type="none" w="med" len="med"/>
-                    </a:lnL>
-                    <a:lnR w="6350" cap="flat" cmpd="sng" algn="ctr">
-                      <a:solidFill>
-                        <a:srgbClr val="000000"/>
-                      </a:solidFill>
-                      <a:prstDash val="solid"/>
-                      <a:round/>
-                      <a:headEnd type="none" w="med" len="med"/>
-                      <a:tailEnd type="none" w="med" len="med"/>
-                    </a:lnR>
-                    <a:lnT w="6350" cap="flat" cmpd="sng" algn="ctr">
-                      <a:solidFill>
-                        <a:srgbClr val="000000"/>
-                      </a:solidFill>
-                      <a:prstDash val="solid"/>
-                      <a:round/>
-                      <a:headEnd type="none" w="med" len="med"/>
-                      <a:tailEnd type="none" w="med" len="med"/>
-                    </a:lnT>
-                    <a:lnB w="6350" cap="flat" cmpd="sng" algn="ctr">
-                      <a:solidFill>
-                        <a:srgbClr val="000000"/>
-                      </a:solidFill>
-                      <a:prstDash val="solid"/>
-                      <a:round/>
-                      <a:headEnd type="none" w="med" len="med"/>
-                      <a:tailEnd type="none" w="med" len="med"/>
-                    </a:lnB>
-                  </a:tcPr>
-                </a:tc>
-                <a:tc>
-                  <a:txBody>
-                    <a:bodyPr/>
-                    <a:lstStyle/>
-                    <a:p>
-                      <a:pPr algn="l" fontAlgn="b"/>
-                      <a:r>
-                        <a:rPr lang="en-US" sz="2000" b="0" i="0" u="none" strike="noStrike" dirty="0" smtClean="0">
-                          <a:solidFill>
-                            <a:srgbClr val="000000"/>
-                          </a:solidFill>
-                          <a:effectLst/>
-                          <a:latin typeface="Courier"/>
-                        </a:rPr>
-                        <a:t>here</a:t>
-                      </a:r>
-                      <a:endParaRPr lang="en-US" sz="2000" b="0" i="0" u="none" strike="noStrike" dirty="0">
-                        <a:solidFill>
-                          <a:srgbClr val="000000"/>
-                        </a:solidFill>
-                        <a:effectLst/>
-                        <a:latin typeface="Courier"/>
-                      </a:endParaRPr>
-                    </a:p>
-                  </a:txBody>
-                  <a:tcPr marL="12700" marR="12700" marT="12700" marB="0" anchor="b">
-                    <a:lnL w="6350" cap="flat" cmpd="sng" algn="ctr">
-                      <a:solidFill>
-                        <a:srgbClr val="000000"/>
-                      </a:solidFill>
-                      <a:prstDash val="solid"/>
-                      <a:round/>
-                      <a:headEnd type="none" w="med" len="med"/>
-                      <a:tailEnd type="none" w="med" len="med"/>
-                    </a:lnL>
-                    <a:lnR w="6350" cap="flat" cmpd="sng" algn="ctr">
-                      <a:solidFill>
-                        <a:srgbClr val="000000"/>
-                      </a:solidFill>
-                      <a:prstDash val="solid"/>
-                      <a:round/>
-                      <a:headEnd type="none" w="med" len="med"/>
-                      <a:tailEnd type="none" w="med" len="med"/>
-                    </a:lnR>
-                    <a:lnT w="6350" cap="flat" cmpd="sng" algn="ctr">
-                      <a:solidFill>
-                        <a:srgbClr val="000000"/>
-                      </a:solidFill>
-                      <a:prstDash val="solid"/>
-                      <a:round/>
-                      <a:headEnd type="none" w="med" len="med"/>
-                      <a:tailEnd type="none" w="med" len="med"/>
-                    </a:lnT>
-                    <a:lnB w="6350" cap="flat" cmpd="sng" algn="ctr">
-                      <a:solidFill>
-                        <a:srgbClr val="000000"/>
-                      </a:solidFill>
-                      <a:prstDash val="solid"/>
-                      <a:round/>
-                      <a:headEnd type="none" w="med" len="med"/>
-                      <a:tailEnd type="none" w="med" len="med"/>
-                    </a:lnB>
-                  </a:tcPr>
-                </a:tc>
-              </a:tr>
-              <a:tr h="381000">
-                <a:tc>
-                  <a:txBody>
-                    <a:bodyPr/>
-                    <a:lstStyle/>
-                    <a:p>
-                      <a:pPr algn="l" fontAlgn="ctr"/>
-                      <a:r>
-                        <a:rPr lang="pl-PL" sz="2000" b="0" i="0" u="none" strike="noStrike" dirty="0" smtClean="0">
-                          <a:solidFill>
-                            <a:srgbClr val="000000"/>
-                          </a:solidFill>
-                          <a:effectLst/>
-                          <a:latin typeface="Courier"/>
-                        </a:rPr>
-                        <a:t>$</a:t>
-                      </a:r>
-                      <a:endParaRPr lang="pl-PL" sz="2000" b="0" i="0" u="none" strike="noStrike" dirty="0">
-                        <a:solidFill>
-                          <a:srgbClr val="000000"/>
-                        </a:solidFill>
-                        <a:effectLst/>
-                        <a:latin typeface="Courier"/>
-                      </a:endParaRPr>
-                    </a:p>
-                  </a:txBody>
-                  <a:tcPr marL="12700" marR="12700" marT="12700" marB="0" anchor="ctr">
-                    <a:lnL w="6350" cap="flat" cmpd="sng" algn="ctr">
-                      <a:solidFill>
-                        <a:srgbClr val="000000"/>
-                      </a:solidFill>
-                      <a:prstDash val="solid"/>
-                      <a:round/>
-                      <a:headEnd type="none" w="med" len="med"/>
-                      <a:tailEnd type="none" w="med" len="med"/>
-                    </a:lnL>
-                    <a:lnR w="6350" cap="flat" cmpd="sng" algn="ctr">
-                      <a:solidFill>
-                        <a:srgbClr val="000000"/>
-                      </a:solidFill>
-                      <a:prstDash val="solid"/>
-                      <a:round/>
-                      <a:headEnd type="none" w="med" len="med"/>
-                      <a:tailEnd type="none" w="med" len="med"/>
-                    </a:lnR>
-                    <a:lnT w="6350" cap="flat" cmpd="sng" algn="ctr">
-                      <a:solidFill>
-                        <a:srgbClr val="000000"/>
-                      </a:solidFill>
-                      <a:prstDash val="solid"/>
-                      <a:round/>
-                      <a:headEnd type="none" w="med" len="med"/>
-                      <a:tailEnd type="none" w="med" len="med"/>
-                    </a:lnT>
-                    <a:lnB w="6350" cap="flat" cmpd="sng" algn="ctr">
-                      <a:solidFill>
-                        <a:srgbClr val="000000"/>
-                      </a:solidFill>
-                      <a:prstDash val="solid"/>
-                      <a:round/>
-                      <a:headEnd type="none" w="med" len="med"/>
-                      <a:tailEnd type="none" w="med" len="med"/>
-                    </a:lnB>
-                  </a:tcPr>
-                </a:tc>
-                <a:tc>
-                  <a:txBody>
-                    <a:bodyPr/>
-                    <a:lstStyle/>
-                    <a:p>
-                      <a:pPr algn="l" fontAlgn="b"/>
-                      <a:r>
-                        <a:rPr lang="en-US" sz="2000" b="0" i="0" u="none" strike="noStrike" dirty="0" smtClean="0">
-                          <a:solidFill>
-                            <a:srgbClr val="000000"/>
-                          </a:solidFill>
-                          <a:effectLst/>
-                          <a:latin typeface="Courier"/>
-                        </a:rPr>
-                        <a:t>there</a:t>
-                      </a:r>
-                      <a:endParaRPr lang="en-US" sz="2000" b="0" i="0" u="none" strike="noStrike" dirty="0">
-                        <a:solidFill>
-                          <a:srgbClr val="000000"/>
-                        </a:solidFill>
-                        <a:effectLst/>
-                        <a:latin typeface="Courier"/>
-                      </a:endParaRPr>
-                    </a:p>
-                  </a:txBody>
-                  <a:tcPr marL="12700" marR="12700" marT="12700" marB="0" anchor="b">
-                    <a:lnL w="6350" cap="flat" cmpd="sng" algn="ctr">
-                      <a:solidFill>
-                        <a:srgbClr val="000000"/>
-                      </a:solidFill>
-                      <a:prstDash val="solid"/>
-                      <a:round/>
-                      <a:headEnd type="none" w="med" len="med"/>
-                      <a:tailEnd type="none" w="med" len="med"/>
-                    </a:lnL>
-                    <a:lnR w="6350" cap="flat" cmpd="sng" algn="ctr">
-                      <a:solidFill>
-                        <a:srgbClr val="000000"/>
-                      </a:solidFill>
-                      <a:prstDash val="solid"/>
-                      <a:round/>
-                      <a:headEnd type="none" w="med" len="med"/>
-                      <a:tailEnd type="none" w="med" len="med"/>
-                    </a:lnR>
-                    <a:lnT w="6350" cap="flat" cmpd="sng" algn="ctr">
-                      <a:solidFill>
-                        <a:srgbClr val="000000"/>
-                      </a:solidFill>
-                      <a:prstDash val="solid"/>
-                      <a:round/>
-                      <a:headEnd type="none" w="med" len="med"/>
-                      <a:tailEnd type="none" w="med" len="med"/>
-                    </a:lnT>
-                    <a:lnB w="6350" cap="flat" cmpd="sng" algn="ctr">
-                      <a:solidFill>
-                        <a:srgbClr val="000000"/>
-                      </a:solidFill>
-                      <a:prstDash val="solid"/>
-                      <a:round/>
-                      <a:headEnd type="none" w="med" len="med"/>
-                      <a:tailEnd type="none" w="med" len="med"/>
-                    </a:lnB>
-                  </a:tcPr>
-                </a:tc>
-              </a:tr>
-              <a:tr h="381000">
-                <a:tc>
-                  <a:txBody>
-                    <a:bodyPr/>
-                    <a:lstStyle/>
-                    <a:p>
-                      <a:pPr algn="l" fontAlgn="ctr"/>
-                      <a:r>
-                        <a:rPr lang="pl-PL" sz="2000" b="0" i="0" u="none" strike="noStrike" dirty="0" smtClean="0">
-                          <a:solidFill>
-                            <a:srgbClr val="000000"/>
-                          </a:solidFill>
-                          <a:effectLst/>
-                          <a:latin typeface="Courier"/>
-                        </a:rPr>
-                        <a:t>^$</a:t>
-                      </a:r>
-                      <a:endParaRPr lang="pl-PL" sz="2000" b="0" i="0" u="none" strike="noStrike" dirty="0">
-                        <a:solidFill>
-                          <a:srgbClr val="000000"/>
-                        </a:solidFill>
-                        <a:effectLst/>
-                        <a:latin typeface="Courier"/>
-                      </a:endParaRPr>
-                    </a:p>
-                  </a:txBody>
-                  <a:tcPr marL="12700" marR="12700" marT="12700" marB="0" anchor="ctr">
-                    <a:lnL w="6350" cap="flat" cmpd="sng" algn="ctr">
-                      <a:solidFill>
-                        <a:srgbClr val="000000"/>
-                      </a:solidFill>
-                      <a:prstDash val="solid"/>
-                      <a:round/>
-                      <a:headEnd type="none" w="med" len="med"/>
-                      <a:tailEnd type="none" w="med" len="med"/>
-                    </a:lnL>
-                    <a:lnR w="6350" cap="flat" cmpd="sng" algn="ctr">
-                      <a:solidFill>
-                        <a:srgbClr val="000000"/>
-                      </a:solidFill>
-                      <a:prstDash val="solid"/>
-                      <a:round/>
-                      <a:headEnd type="none" w="med" len="med"/>
-                      <a:tailEnd type="none" w="med" len="med"/>
-                    </a:lnR>
-                    <a:lnT w="6350" cap="flat" cmpd="sng" algn="ctr">
-                      <a:solidFill>
-                        <a:srgbClr val="000000"/>
-                      </a:solidFill>
-                      <a:prstDash val="solid"/>
-                      <a:round/>
-                      <a:headEnd type="none" w="med" len="med"/>
-                      <a:tailEnd type="none" w="med" len="med"/>
-                    </a:lnT>
-                    <a:lnB w="6350" cap="flat" cmpd="sng" algn="ctr">
-                      <a:solidFill>
-                        <a:srgbClr val="000000"/>
-                      </a:solidFill>
-                      <a:prstDash val="solid"/>
-                      <a:round/>
-                      <a:headEnd type="none" w="med" len="med"/>
-                      <a:tailEnd type="none" w="med" len="med"/>
-                    </a:lnB>
-                  </a:tcPr>
-                </a:tc>
-                <a:tc>
-                  <a:txBody>
-                    <a:bodyPr/>
-                    <a:lstStyle/>
-                    <a:p>
-                      <a:pPr algn="l" fontAlgn="b"/>
-                      <a:r>
-                        <a:rPr lang="en-US" sz="2000" b="0" i="0" u="none" strike="noStrike" dirty="0" smtClean="0">
-                          <a:solidFill>
-                            <a:srgbClr val="000000"/>
-                          </a:solidFill>
-                          <a:effectLst/>
-                          <a:latin typeface="Courier"/>
-                        </a:rPr>
-                        <a:t>empty</a:t>
-                      </a:r>
-                      <a:r>
-                        <a:rPr lang="en-US" sz="2000" b="0" i="0" u="none" strike="noStrike" baseline="0" dirty="0" smtClean="0">
-                          <a:solidFill>
-                            <a:srgbClr val="000000"/>
-                          </a:solidFill>
-                          <a:effectLst/>
-                          <a:latin typeface="Courier"/>
-                        </a:rPr>
-                        <a:t> line</a:t>
-                      </a:r>
-                      <a:endParaRPr lang="en-US" sz="2000" b="0" i="0" u="none" strike="noStrike" dirty="0">
-                        <a:solidFill>
-                          <a:srgbClr val="000000"/>
-                        </a:solidFill>
-                        <a:effectLst/>
-                        <a:latin typeface="Courier"/>
-                      </a:endParaRPr>
-                    </a:p>
-                  </a:txBody>
-                  <a:tcPr marL="12700" marR="12700" marT="12700" marB="0" anchor="b">
-                    <a:lnL w="6350" cap="flat" cmpd="sng" algn="ctr">
-                      <a:solidFill>
-                        <a:srgbClr val="000000"/>
-                      </a:solidFill>
-                      <a:prstDash val="solid"/>
-                      <a:round/>
-                      <a:headEnd type="none" w="med" len="med"/>
-                      <a:tailEnd type="none" w="med" len="med"/>
-                    </a:lnL>
-                    <a:lnR w="6350" cap="flat" cmpd="sng" algn="ctr">
-                      <a:solidFill>
-                        <a:srgbClr val="000000"/>
-                      </a:solidFill>
-                      <a:prstDash val="solid"/>
-                      <a:round/>
-                      <a:headEnd type="none" w="med" len="med"/>
-                      <a:tailEnd type="none" w="med" len="med"/>
-                    </a:lnR>
-                    <a:lnT w="6350" cap="flat" cmpd="sng" algn="ctr">
-                      <a:solidFill>
-                        <a:srgbClr val="000000"/>
-                      </a:solidFill>
-                      <a:prstDash val="solid"/>
-                      <a:round/>
-                      <a:headEnd type="none" w="med" len="med"/>
-                      <a:tailEnd type="none" w="med" len="med"/>
-                    </a:lnT>
-                    <a:lnB w="6350" cap="flat" cmpd="sng" algn="ctr">
-                      <a:solidFill>
-                        <a:srgbClr val="000000"/>
-                      </a:solidFill>
-                      <a:prstDash val="solid"/>
-                      <a:round/>
-                      <a:headEnd type="none" w="med" len="med"/>
-                      <a:tailEnd type="none" w="med" len="med"/>
-                    </a:lnB>
-                  </a:tcPr>
-                </a:tc>
-              </a:tr>
-            </a:tbl>
-          </a:graphicData>
-        </a:graphic>
-      </p:graphicFrame>
-    </p:spTree>
-    <p:extLst>
-      <p:ext uri="{BB962C8B-B14F-4D97-AF65-F5344CB8AC3E}">
-        <p14:creationId xmlns:p14="http://schemas.microsoft.com/office/powerpoint/2010/main" val="2985686443"/>
-      </p:ext>
-    </p:extLst>
-  </p:cSld>
-  <p:clrMapOvr>
-    <a:masterClrMapping/>
-  </p:clrMapOvr>
-</p:sld>
-</file>
-
-<file path=ppt/slides/slide21.xml><?xml version="1.0" encoding="utf-8"?>
-<p:sld xmlns:a="http://schemas.openxmlformats.org/drawingml/2006/main" xmlns:r="http://schemas.openxmlformats.org/officeDocument/2006/relationships" xmlns:p="http://schemas.openxmlformats.org/presentationml/2006/main">
-  <p:cSld>
-    <p:spTree>
-      <p:nvGrpSpPr>
-        <p:cNvPr id="1" name=""/>
-        <p:cNvGrpSpPr/>
-        <p:nvPr/>
-      </p:nvGrpSpPr>
-      <p:grpSpPr>
-        <a:xfrm>
-          <a:off x="0" y="0"/>
-          <a:ext cx="0" cy="0"/>
-          <a:chOff x="0" y="0"/>
-          <a:chExt cx="0" cy="0"/>
-        </a:xfrm>
-      </p:grpSpPr>
-      <p:sp>
-        <p:nvSpPr>
-          <p:cNvPr id="2" name="Title 1"/>
-          <p:cNvSpPr>
-            <a:spLocks noGrp="1"/>
-          </p:cNvSpPr>
-          <p:nvPr>
-            <p:ph type="title"/>
-          </p:nvPr>
-        </p:nvSpPr>
         <p:spPr/>
         <p:txBody>
           <a:bodyPr/>
@@ -7805,7 +4426,7 @@
 </p:sld>
 </file>
 
-<file path=ppt/slides/slide22.xml><?xml version="1.0" encoding="utf-8"?>
+<file path=ppt/slides/slide11.xml><?xml version="1.0" encoding="utf-8"?>
 <p:sld xmlns:a="http://schemas.openxmlformats.org/drawingml/2006/main" xmlns:r="http://schemas.openxmlformats.org/officeDocument/2006/relationships" xmlns:p="http://schemas.openxmlformats.org/presentationml/2006/main">
   <p:cSld>
     <p:spTree>
@@ -8905,7 +5526,7 @@
 </p:sld>
 </file>
 
-<file path=ppt/slides/slide23.xml><?xml version="1.0" encoding="utf-8"?>
+<file path=ppt/slides/slide12.xml><?xml version="1.0" encoding="utf-8"?>
 <p:sld xmlns:a="http://schemas.openxmlformats.org/drawingml/2006/main" xmlns:r="http://schemas.openxmlformats.org/officeDocument/2006/relationships" xmlns:p="http://schemas.openxmlformats.org/presentationml/2006/main">
   <p:cSld>
     <p:spTree>
@@ -9493,7 +6114,7 @@
 </p:sld>
 </file>
 
-<file path=ppt/slides/slide24.xml><?xml version="1.0" encoding="utf-8"?>
+<file path=ppt/slides/slide13.xml><?xml version="1.0" encoding="utf-8"?>
 <p:sld xmlns:a="http://schemas.openxmlformats.org/drawingml/2006/main" xmlns:r="http://schemas.openxmlformats.org/officeDocument/2006/relationships" xmlns:p="http://schemas.openxmlformats.org/presentationml/2006/main">
   <p:cSld>
     <p:spTree>
@@ -9585,7 +6206,7 @@
           <a:p>
             <a:fld id="{9DA039C4-C5F2-1743-BB7A-5D831266C61E}" type="slidenum">
               <a:rPr lang="en-US" smtClean="0"/>
-              <a:t>24</a:t>
+              <a:t>13</a:t>
             </a:fld>
             <a:endParaRPr lang="en-US" dirty="0"/>
           </a:p>
@@ -9821,7 +6442,7 @@
 </p:sld>
 </file>
 
-<file path=ppt/slides/slide25.xml><?xml version="1.0" encoding="utf-8"?>
+<file path=ppt/slides/slide14.xml><?xml version="1.0" encoding="utf-8"?>
 <p:sld xmlns:a="http://schemas.openxmlformats.org/drawingml/2006/main" xmlns:r="http://schemas.openxmlformats.org/officeDocument/2006/relationships" xmlns:p="http://schemas.openxmlformats.org/presentationml/2006/main">
   <p:cSld>
     <p:spTree>
@@ -9981,6 +6602,125 @@
     <p:extLst>
       <p:ext uri="{BB962C8B-B14F-4D97-AF65-F5344CB8AC3E}">
         <p14:creationId xmlns:p14="http://schemas.microsoft.com/office/powerpoint/2010/main" val="3591626229"/>
+      </p:ext>
+    </p:extLst>
+  </p:cSld>
+  <p:clrMapOvr>
+    <a:masterClrMapping/>
+  </p:clrMapOvr>
+  <p:timing>
+    <p:tnLst>
+      <p:par>
+        <p:cTn xmlns:p14="http://schemas.microsoft.com/office/powerpoint/2010/main" id="1" dur="indefinite" restart="never" nodeType="tmRoot"/>
+      </p:par>
+    </p:tnLst>
+  </p:timing>
+</p:sld>
+</file>
+
+<file path=ppt/slides/slide2.xml><?xml version="1.0" encoding="utf-8"?>
+<p:sld xmlns:a="http://schemas.openxmlformats.org/drawingml/2006/main" xmlns:r="http://schemas.openxmlformats.org/officeDocument/2006/relationships" xmlns:p="http://schemas.openxmlformats.org/presentationml/2006/main">
+  <p:cSld>
+    <p:spTree>
+      <p:nvGrpSpPr>
+        <p:cNvPr id="1" name=""/>
+        <p:cNvGrpSpPr/>
+        <p:nvPr/>
+      </p:nvGrpSpPr>
+      <p:grpSpPr>
+        <a:xfrm>
+          <a:off x="0" y="0"/>
+          <a:ext cx="0" cy="0"/>
+          <a:chOff x="0" y="0"/>
+          <a:chExt cx="0" cy="0"/>
+        </a:xfrm>
+      </p:grpSpPr>
+      <p:sp>
+        <p:nvSpPr>
+          <p:cNvPr id="2" name="Title 1"/>
+          <p:cNvSpPr>
+            <a:spLocks noGrp="1"/>
+          </p:cNvSpPr>
+          <p:nvPr>
+            <p:ph type="title"/>
+          </p:nvPr>
+        </p:nvSpPr>
+        <p:spPr>
+          <a:xfrm>
+            <a:off x="457200" y="274638"/>
+            <a:ext cx="8229600" cy="924806"/>
+          </a:xfrm>
+        </p:spPr>
+        <p:txBody>
+          <a:bodyPr/>
+          <a:lstStyle/>
+          <a:p>
+            <a:r>
+              <a:rPr lang="en-US" dirty="0" smtClean="0"/>
+              <a:t>Goal of today’s lab</a:t>
+            </a:r>
+            <a:endParaRPr lang="en-US" dirty="0"/>
+          </a:p>
+        </p:txBody>
+      </p:sp>
+      <p:sp>
+        <p:nvSpPr>
+          <p:cNvPr id="3" name="Content Placeholder 2"/>
+          <p:cNvSpPr>
+            <a:spLocks noGrp="1"/>
+          </p:cNvSpPr>
+          <p:nvPr>
+            <p:ph idx="1"/>
+          </p:nvPr>
+        </p:nvSpPr>
+        <p:spPr>
+          <a:xfrm>
+            <a:off x="966732" y="1727111"/>
+            <a:ext cx="6873970" cy="2212389"/>
+          </a:xfrm>
+        </p:spPr>
+        <p:txBody>
+          <a:bodyPr>
+            <a:normAutofit/>
+          </a:bodyPr>
+          <a:lstStyle/>
+          <a:p>
+            <a:pPr>
+              <a:lnSpc>
+                <a:spcPct val="160000"/>
+              </a:lnSpc>
+            </a:pPr>
+            <a:r>
+              <a:rPr lang="en-US" dirty="0" smtClean="0"/>
+              <a:t>Familiar to Excel functions</a:t>
+            </a:r>
+          </a:p>
+          <a:p>
+            <a:pPr>
+              <a:lnSpc>
+                <a:spcPct val="160000"/>
+              </a:lnSpc>
+            </a:pPr>
+            <a:r>
+              <a:rPr lang="en-US" dirty="0" smtClean="0"/>
+              <a:t>Practice </a:t>
+            </a:r>
+            <a:r>
+              <a:rPr lang="en-US" dirty="0"/>
+              <a:t>using regular expression in </a:t>
+            </a:r>
+            <a:r>
+              <a:rPr lang="en-US" dirty="0" err="1" smtClean="0"/>
+              <a:t>TextWrangler</a:t>
+            </a:r>
+            <a:endParaRPr lang="en-US" dirty="0"/>
+          </a:p>
+        </p:txBody>
+      </p:sp>
+    </p:spTree>
+    <p:extLst>
+      <p:ext uri="{BB962C8B-B14F-4D97-AF65-F5344CB8AC3E}">
+        <p14:creationId xmlns:p14="http://schemas.microsoft.com/office/powerpoint/2010/main" val="696069205"/>
       </p:ext>
     </p:extLst>
   </p:cSld>
@@ -24284,7 +21024,7 @@
           <a:p>
             <a:r>
               <a:rPr lang="en-US" dirty="0" smtClean="0"/>
-              <a:t>Goal of today’s lab</a:t>
+              <a:t>Outline</a:t>
             </a:r>
             <a:endParaRPr lang="en-US" dirty="0"/>
           </a:p>
@@ -24303,7 +21043,7 @@
         <p:spPr>
           <a:xfrm>
             <a:off x="966732" y="1727111"/>
-            <a:ext cx="6873970" cy="2974391"/>
+            <a:ext cx="6873970" cy="2212389"/>
           </a:xfrm>
         </p:spPr>
         <p:txBody>
@@ -24320,7 +21060,9 @@
             <a:r>
               <a:rPr lang="en-US" dirty="0" smtClean="0">
                 <a:solidFill>
-                  <a:srgbClr val="BFBFBF"/>
+                  <a:schemeClr val="bg1">
+                    <a:lumMod val="75000"/>
+                  </a:schemeClr>
                 </a:solidFill>
               </a:rPr>
               <a:t>Familiar to Excel functions</a:t>
@@ -24334,88 +21076,24 @@
             </a:pPr>
             <a:r>
               <a:rPr lang="en-US" dirty="0" smtClean="0"/>
-              <a:t>Try </a:t>
-            </a:r>
-            <a:r>
-              <a:rPr lang="en-US" i="1" dirty="0" smtClean="0"/>
-              <a:t>vi</a:t>
+              <a:t>Practice </a:t>
             </a:r>
             <a:r>
               <a:rPr lang="en-US" dirty="0"/>
-              <a:t> </a:t>
-            </a:r>
-            <a:r>
-              <a:rPr lang="en-US" dirty="0" smtClean="0"/>
-              <a:t>at </a:t>
+              <a:t>using regular expression in </a:t>
             </a:r>
             <a:r>
               <a:rPr lang="en-US" dirty="0" err="1" smtClean="0"/>
-              <a:t>Beocat</a:t>
-            </a:r>
-            <a:endParaRPr lang="en-US" dirty="0" smtClean="0"/>
-          </a:p>
-          <a:p>
-            <a:pPr marL="0" indent="0">
-              <a:lnSpc>
-                <a:spcPct val="160000"/>
-              </a:lnSpc>
-              <a:buNone/>
-            </a:pPr>
-            <a:r>
-              <a:rPr lang="en-US" sz="1800" dirty="0" smtClean="0"/>
-              <a:t>(account </a:t>
-            </a:r>
-            <a:r>
-              <a:rPr lang="en-US" sz="1800" dirty="0" err="1" smtClean="0"/>
-              <a:t>appplication</a:t>
-            </a:r>
-            <a:r>
-              <a:rPr lang="en-US" sz="1800" dirty="0"/>
-              <a:t>: https://</a:t>
-            </a:r>
-            <a:r>
-              <a:rPr lang="en-US" sz="1800" dirty="0" err="1" smtClean="0"/>
-              <a:t>account.beocat.ksu.edu</a:t>
-            </a:r>
-            <a:r>
-              <a:rPr lang="en-US" sz="1800" dirty="0" smtClean="0"/>
-              <a:t>)</a:t>
-            </a:r>
-          </a:p>
-          <a:p>
-            <a:pPr>
-              <a:lnSpc>
-                <a:spcPct val="160000"/>
-              </a:lnSpc>
-            </a:pPr>
-            <a:r>
-              <a:rPr lang="en-US" dirty="0">
-                <a:solidFill>
-                  <a:srgbClr val="BFBFBF"/>
-                </a:solidFill>
-              </a:rPr>
-              <a:t>Practice using regular expression in </a:t>
-            </a:r>
-            <a:r>
-              <a:rPr lang="en-US" dirty="0" err="1" smtClean="0">
-                <a:solidFill>
-                  <a:srgbClr val="BFBFBF"/>
-                </a:solidFill>
-              </a:rPr>
               <a:t>TextWrangler</a:t>
             </a:r>
-            <a:endParaRPr lang="en-US" dirty="0">
-              <a:solidFill>
-                <a:srgbClr val="BFBFBF"/>
-              </a:solidFill>
-            </a:endParaRPr>
+            <a:endParaRPr lang="en-US" dirty="0"/>
           </a:p>
         </p:txBody>
       </p:sp>
     </p:spTree>
     <p:extLst>
       <p:ext uri="{BB962C8B-B14F-4D97-AF65-F5344CB8AC3E}">
-        <p14:creationId xmlns:p14="http://schemas.microsoft.com/office/powerpoint/2010/main" val="3053206873"/>
+        <p14:creationId xmlns:p14="http://schemas.microsoft.com/office/powerpoint/2010/main" val="4222103736"/>
       </p:ext>
     </p:extLst>
   </p:cSld>
@@ -24466,11 +21144,7 @@
           <a:p>
             <a:r>
               <a:rPr lang="en-US" dirty="0" smtClean="0"/>
-              <a:t>Login </a:t>
-            </a:r>
-            <a:r>
-              <a:rPr lang="en-US" dirty="0" err="1" smtClean="0"/>
-              <a:t>Beocat</a:t>
+              <a:t>Separators: Tab and comma</a:t>
             </a:r>
             <a:endParaRPr lang="en-US" dirty="0"/>
           </a:p>
@@ -24478,134 +21152,670 @@
       </p:sp>
       <p:sp>
         <p:nvSpPr>
-          <p:cNvPr id="3" name="Content Placeholder 2"/>
-          <p:cNvSpPr>
-            <a:spLocks noGrp="1"/>
-          </p:cNvSpPr>
-          <p:nvPr>
-            <p:ph idx="1"/>
-          </p:nvPr>
+          <p:cNvPr id="7" name="TextBox 6"/>
+          <p:cNvSpPr txBox="1"/>
+          <p:nvPr/>
         </p:nvSpPr>
         <p:spPr>
           <a:xfrm>
-            <a:off x="1007533" y="1707281"/>
-            <a:ext cx="7416800" cy="3895814"/>
+            <a:off x="736599" y="1733355"/>
+            <a:ext cx="7721600" cy="595035"/>
           </a:xfrm>
+          <a:prstGeom prst="rect">
+            <a:avLst/>
+          </a:prstGeom>
+          <a:noFill/>
         </p:spPr>
         <p:txBody>
-          <a:bodyPr>
-            <a:noAutofit/>
+          <a:bodyPr wrap="square" rtlCol="0">
+            <a:spAutoFit/>
           </a:bodyPr>
           <a:lstStyle/>
           <a:p>
-            <a:pPr marL="0" indent="0">
-              <a:buNone/>
+            <a:pPr>
+              <a:lnSpc>
+                <a:spcPct val="120000"/>
+              </a:lnSpc>
             </a:pPr>
             <a:r>
-              <a:rPr lang="en-US" sz="2800" dirty="0" smtClean="0"/>
-              <a:t>Software to be used for remotely login:</a:t>
-            </a:r>
-          </a:p>
-          <a:p>
-            <a:pPr marL="514350" indent="-514350">
-              <a:buFont typeface="+mj-lt"/>
-              <a:buAutoNum type="arabicPeriod"/>
-            </a:pPr>
-            <a:r>
-              <a:rPr lang="en-US" sz="2800" dirty="0" smtClean="0"/>
-              <a:t>Terminal (MAC)</a:t>
-            </a:r>
-          </a:p>
-          <a:p>
-            <a:pPr marL="514350" indent="-514350">
-              <a:buFont typeface="+mj-lt"/>
-              <a:buAutoNum type="arabicPeriod"/>
-            </a:pPr>
-            <a:r>
-              <a:rPr lang="en-US" sz="2800" dirty="0" smtClean="0"/>
-              <a:t>Putty (PC)</a:t>
-            </a:r>
-          </a:p>
-          <a:p>
-            <a:pPr marL="0" indent="0">
-              <a:buNone/>
-            </a:pPr>
-            <a:endParaRPr lang="en-US" sz="2800" dirty="0" smtClean="0"/>
-          </a:p>
-          <a:p>
-            <a:pPr marL="0" indent="0">
-              <a:buNone/>
-            </a:pPr>
-            <a:r>
-              <a:rPr lang="en-US" sz="2800" dirty="0" smtClean="0"/>
-              <a:t>Terminal:</a:t>
-            </a:r>
-          </a:p>
-          <a:p>
-            <a:pPr marL="0" indent="0">
-              <a:buNone/>
-            </a:pPr>
-            <a:r>
-              <a:rPr lang="en-US" sz="2800" dirty="0" err="1" smtClean="0"/>
-              <a:t>ssh</a:t>
+              <a:rPr lang="en-US" sz="2800" b="1" dirty="0" smtClean="0">
+                <a:solidFill>
+                  <a:srgbClr val="17375E"/>
+                </a:solidFill>
+              </a:rPr>
+              <a:t>\t</a:t>
             </a:r>
             <a:r>
               <a:rPr lang="en-US" sz="2800" dirty="0" smtClean="0"/>
-              <a:t> -l &lt;</a:t>
+              <a:t>  : a tab character</a:t>
             </a:r>
-            <a:r>
-              <a:rPr lang="en-US" sz="2800" dirty="0" err="1" smtClean="0"/>
-              <a:t>eID</a:t>
-            </a:r>
-            <a:r>
-              <a:rPr lang="en-US" sz="2800" dirty="0" smtClean="0"/>
-              <a:t>&gt; </a:t>
-            </a:r>
-            <a:r>
-              <a:rPr lang="en-US" sz="2800" dirty="0" err="1" smtClean="0"/>
-              <a:t>beocat.cis.ksu.edu</a:t>
-            </a:r>
-            <a:endParaRPr lang="en-US" sz="2800" dirty="0" smtClean="0"/>
-          </a:p>
-          <a:p>
-            <a:pPr marL="0" indent="0">
-              <a:buNone/>
-            </a:pPr>
-            <a:r>
-              <a:rPr lang="en-US" sz="2800" dirty="0"/>
-              <a:t>p</a:t>
-            </a:r>
-            <a:r>
-              <a:rPr lang="en-US" sz="2800" dirty="0" smtClean="0"/>
-              <a:t>assword</a:t>
-            </a:r>
-            <a:endParaRPr lang="en-US" sz="2800" dirty="0"/>
-          </a:p>
-          <a:p>
-            <a:pPr marL="0" indent="0">
-              <a:buNone/>
-            </a:pPr>
             <a:endParaRPr lang="en-US" sz="2800" dirty="0"/>
           </a:p>
         </p:txBody>
       </p:sp>
+      <p:sp>
+        <p:nvSpPr>
+          <p:cNvPr id="8" name="Content Placeholder 2"/>
+          <p:cNvSpPr txBox="1">
+            <a:spLocks/>
+          </p:cNvSpPr>
+          <p:nvPr/>
+        </p:nvSpPr>
+        <p:spPr>
+          <a:xfrm>
+            <a:off x="1103748" y="4051720"/>
+            <a:ext cx="2406073" cy="1362942"/>
+          </a:xfrm>
+          <a:prstGeom prst="rect">
+            <a:avLst/>
+          </a:prstGeom>
+          <a:solidFill>
+            <a:schemeClr val="accent5">
+              <a:lumMod val="20000"/>
+              <a:lumOff val="80000"/>
+            </a:schemeClr>
+          </a:solidFill>
+        </p:spPr>
+        <p:txBody>
+          <a:bodyPr vert="horz" lIns="91440" tIns="45720" rIns="91440" bIns="45720" rtlCol="0">
+            <a:normAutofit/>
+          </a:bodyPr>
+          <a:lstStyle>
+            <a:lvl1pPr marL="342900" indent="-342900" algn="l" defTabSz="457200" rtl="0" eaLnBrk="1" latinLnBrk="0" hangingPunct="1">
+              <a:spcBef>
+                <a:spcPct val="20000"/>
+              </a:spcBef>
+              <a:buFont typeface="Arial"/>
+              <a:buChar char="•"/>
+              <a:defRPr sz="2400" kern="1200">
+                <a:solidFill>
+                  <a:schemeClr val="tx1"/>
+                </a:solidFill>
+                <a:latin typeface="+mn-lt"/>
+                <a:ea typeface="+mn-ea"/>
+                <a:cs typeface="+mn-cs"/>
+              </a:defRPr>
+            </a:lvl1pPr>
+            <a:lvl2pPr marL="742950" indent="-285750" algn="l" defTabSz="457200" rtl="0" eaLnBrk="1" latinLnBrk="0" hangingPunct="1">
+              <a:spcBef>
+                <a:spcPct val="20000"/>
+              </a:spcBef>
+              <a:buFont typeface="Arial"/>
+              <a:buChar char="–"/>
+              <a:defRPr sz="2400" kern="1200">
+                <a:solidFill>
+                  <a:schemeClr val="tx1"/>
+                </a:solidFill>
+                <a:latin typeface="+mn-lt"/>
+                <a:ea typeface="+mn-ea"/>
+                <a:cs typeface="+mn-cs"/>
+              </a:defRPr>
+            </a:lvl2pPr>
+            <a:lvl3pPr marL="1143000" indent="-228600" algn="l" defTabSz="457200" rtl="0" eaLnBrk="1" latinLnBrk="0" hangingPunct="1">
+              <a:spcBef>
+                <a:spcPct val="20000"/>
+              </a:spcBef>
+              <a:buFont typeface="Arial"/>
+              <a:buChar char="•"/>
+              <a:defRPr sz="2400" kern="1200">
+                <a:solidFill>
+                  <a:schemeClr val="tx1"/>
+                </a:solidFill>
+                <a:latin typeface="+mn-lt"/>
+                <a:ea typeface="+mn-ea"/>
+                <a:cs typeface="+mn-cs"/>
+              </a:defRPr>
+            </a:lvl3pPr>
+            <a:lvl4pPr marL="1600200" indent="-228600" algn="l" defTabSz="457200" rtl="0" eaLnBrk="1" latinLnBrk="0" hangingPunct="1">
+              <a:spcBef>
+                <a:spcPct val="20000"/>
+              </a:spcBef>
+              <a:buFont typeface="Arial"/>
+              <a:buChar char="–"/>
+              <a:defRPr sz="2400" kern="1200">
+                <a:solidFill>
+                  <a:schemeClr val="tx1"/>
+                </a:solidFill>
+                <a:latin typeface="+mn-lt"/>
+                <a:ea typeface="+mn-ea"/>
+                <a:cs typeface="+mn-cs"/>
+              </a:defRPr>
+            </a:lvl4pPr>
+            <a:lvl5pPr marL="2057400" indent="-228600" algn="l" defTabSz="457200" rtl="0" eaLnBrk="1" latinLnBrk="0" hangingPunct="1">
+              <a:spcBef>
+                <a:spcPct val="20000"/>
+              </a:spcBef>
+              <a:buFont typeface="Arial"/>
+              <a:buChar char="»"/>
+              <a:defRPr sz="2400" kern="1200">
+                <a:solidFill>
+                  <a:schemeClr val="tx1"/>
+                </a:solidFill>
+                <a:latin typeface="+mn-lt"/>
+                <a:ea typeface="+mn-ea"/>
+                <a:cs typeface="+mn-cs"/>
+              </a:defRPr>
+            </a:lvl5pPr>
+            <a:lvl6pPr marL="2514600" indent="-228600" algn="l" defTabSz="457200" rtl="0" eaLnBrk="1" latinLnBrk="0" hangingPunct="1">
+              <a:spcBef>
+                <a:spcPct val="20000"/>
+              </a:spcBef>
+              <a:buFont typeface="Arial"/>
+              <a:buChar char="•"/>
+              <a:defRPr sz="2000" kern="1200">
+                <a:solidFill>
+                  <a:schemeClr val="tx1"/>
+                </a:solidFill>
+                <a:latin typeface="+mn-lt"/>
+                <a:ea typeface="+mn-ea"/>
+                <a:cs typeface="+mn-cs"/>
+              </a:defRPr>
+            </a:lvl6pPr>
+            <a:lvl7pPr marL="2971800" indent="-228600" algn="l" defTabSz="457200" rtl="0" eaLnBrk="1" latinLnBrk="0" hangingPunct="1">
+              <a:spcBef>
+                <a:spcPct val="20000"/>
+              </a:spcBef>
+              <a:buFont typeface="Arial"/>
+              <a:buChar char="•"/>
+              <a:defRPr sz="2000" kern="1200">
+                <a:solidFill>
+                  <a:schemeClr val="tx1"/>
+                </a:solidFill>
+                <a:latin typeface="+mn-lt"/>
+                <a:ea typeface="+mn-ea"/>
+                <a:cs typeface="+mn-cs"/>
+              </a:defRPr>
+            </a:lvl7pPr>
+            <a:lvl8pPr marL="3429000" indent="-228600" algn="l" defTabSz="457200" rtl="0" eaLnBrk="1" latinLnBrk="0" hangingPunct="1">
+              <a:spcBef>
+                <a:spcPct val="20000"/>
+              </a:spcBef>
+              <a:buFont typeface="Arial"/>
+              <a:buChar char="•"/>
+              <a:defRPr sz="2000" kern="1200">
+                <a:solidFill>
+                  <a:schemeClr val="tx1"/>
+                </a:solidFill>
+                <a:latin typeface="+mn-lt"/>
+                <a:ea typeface="+mn-ea"/>
+                <a:cs typeface="+mn-cs"/>
+              </a:defRPr>
+            </a:lvl8pPr>
+            <a:lvl9pPr marL="3886200" indent="-228600" algn="l" defTabSz="457200" rtl="0" eaLnBrk="1" latinLnBrk="0" hangingPunct="1">
+              <a:spcBef>
+                <a:spcPct val="20000"/>
+              </a:spcBef>
+              <a:buFont typeface="Arial"/>
+              <a:buChar char="•"/>
+              <a:defRPr sz="2000" kern="1200">
+                <a:solidFill>
+                  <a:schemeClr val="tx1"/>
+                </a:solidFill>
+                <a:latin typeface="+mn-lt"/>
+                <a:ea typeface="+mn-ea"/>
+                <a:cs typeface="+mn-cs"/>
+              </a:defRPr>
+            </a:lvl9pPr>
+          </a:lstStyle>
+          <a:p>
+            <a:pPr marL="0" indent="0">
+              <a:buFont typeface="Arial"/>
+              <a:buNone/>
+            </a:pPr>
+            <a:r>
+              <a:rPr lang="en-US" dirty="0" err="1" smtClean="0"/>
+              <a:t>Agalma,elegans</a:t>
+            </a:r>
+            <a:endParaRPr lang="en-US" dirty="0" smtClean="0"/>
+          </a:p>
+          <a:p>
+            <a:pPr marL="0" indent="0">
+              <a:buFont typeface="Arial"/>
+              <a:buNone/>
+            </a:pPr>
+            <a:r>
+              <a:rPr lang="en-US" dirty="0" err="1" smtClean="0"/>
+              <a:t>Frillagalma</a:t>
+            </a:r>
+            <a:r>
+              <a:rPr lang="en-US" dirty="0" err="1"/>
+              <a:t>,</a:t>
+            </a:r>
+            <a:r>
+              <a:rPr lang="en-US" dirty="0" err="1" smtClean="0"/>
+              <a:t>vitiazi</a:t>
+            </a:r>
+            <a:endParaRPr lang="en-US" dirty="0" smtClean="0"/>
+          </a:p>
+          <a:p>
+            <a:pPr marL="0" indent="0">
+              <a:buFont typeface="Arial"/>
+              <a:buNone/>
+            </a:pPr>
+            <a:r>
+              <a:rPr lang="en-US" dirty="0" err="1" smtClean="0"/>
+              <a:t>Mus,musculus</a:t>
+            </a:r>
+            <a:endParaRPr lang="en-US" dirty="0"/>
+          </a:p>
+        </p:txBody>
+      </p:sp>
+      <p:graphicFrame>
+        <p:nvGraphicFramePr>
+          <p:cNvPr id="9" name="Table 8"/>
+          <p:cNvGraphicFramePr>
+            <a:graphicFrameLocks noGrp="1"/>
+          </p:cNvGraphicFramePr>
+          <p:nvPr>
+            <p:extLst>
+              <p:ext uri="{D42A27DB-BD31-4B8C-83A1-F6EECF244321}">
+                <p14:modId xmlns:p14="http://schemas.microsoft.com/office/powerpoint/2010/main" val="1547629596"/>
+              </p:ext>
+            </p:extLst>
+          </p:nvPr>
+        </p:nvGraphicFramePr>
+        <p:xfrm>
+          <a:off x="3833092" y="4161691"/>
+          <a:ext cx="3098800" cy="1143000"/>
+        </p:xfrm>
+        <a:graphic>
+          <a:graphicData uri="http://schemas.openxmlformats.org/drawingml/2006/table">
+            <a:tbl>
+              <a:tblPr/>
+              <a:tblGrid>
+                <a:gridCol w="1663700"/>
+                <a:gridCol w="1435100"/>
+              </a:tblGrid>
+              <a:tr h="381000">
+                <a:tc>
+                  <a:txBody>
+                    <a:bodyPr/>
+                    <a:lstStyle/>
+                    <a:p>
+                      <a:pPr algn="l" fontAlgn="b"/>
+                      <a:r>
+                        <a:rPr lang="en-US" sz="2000" b="0" i="0" u="none" strike="noStrike">
+                          <a:solidFill>
+                            <a:srgbClr val="000000"/>
+                          </a:solidFill>
+                          <a:effectLst/>
+                          <a:latin typeface="Courier"/>
+                        </a:rPr>
+                        <a:t>Regexp</a:t>
+                      </a:r>
+                    </a:p>
+                  </a:txBody>
+                  <a:tcPr marL="12700" marR="12700" marT="12700" marB="0" anchor="b">
+                    <a:lnL w="6350" cap="flat" cmpd="sng" algn="ctr">
+                      <a:solidFill>
+                        <a:srgbClr val="000000"/>
+                      </a:solidFill>
+                      <a:prstDash val="solid"/>
+                      <a:round/>
+                      <a:headEnd type="none" w="med" len="med"/>
+                      <a:tailEnd type="none" w="med" len="med"/>
+                    </a:lnL>
+                    <a:lnR w="6350" cap="flat" cmpd="sng" algn="ctr">
+                      <a:solidFill>
+                        <a:srgbClr val="000000"/>
+                      </a:solidFill>
+                      <a:prstDash val="solid"/>
+                      <a:round/>
+                      <a:headEnd type="none" w="med" len="med"/>
+                      <a:tailEnd type="none" w="med" len="med"/>
+                    </a:lnR>
+                    <a:lnT w="6350" cap="flat" cmpd="sng" algn="ctr">
+                      <a:solidFill>
+                        <a:srgbClr val="000000"/>
+                      </a:solidFill>
+                      <a:prstDash val="solid"/>
+                      <a:round/>
+                      <a:headEnd type="none" w="med" len="med"/>
+                      <a:tailEnd type="none" w="med" len="med"/>
+                    </a:lnT>
+                    <a:lnB w="6350" cap="flat" cmpd="sng" algn="ctr">
+                      <a:solidFill>
+                        <a:srgbClr val="000000"/>
+                      </a:solidFill>
+                      <a:prstDash val="solid"/>
+                      <a:round/>
+                      <a:headEnd type="none" w="med" len="med"/>
+                      <a:tailEnd type="none" w="med" len="med"/>
+                    </a:lnB>
+                  </a:tcPr>
+                </a:tc>
+                <a:tc>
+                  <a:txBody>
+                    <a:bodyPr/>
+                    <a:lstStyle/>
+                    <a:p>
+                      <a:pPr algn="l" fontAlgn="b"/>
+                      <a:r>
+                        <a:rPr lang="en-US" sz="2000" b="0" i="0" u="none" strike="noStrike">
+                          <a:solidFill>
+                            <a:srgbClr val="000000"/>
+                          </a:solidFill>
+                          <a:effectLst/>
+                          <a:latin typeface="Courier"/>
+                        </a:rPr>
+                        <a:t>Replace</a:t>
+                      </a:r>
+                    </a:p>
+                  </a:txBody>
+                  <a:tcPr marL="12700" marR="12700" marT="12700" marB="0" anchor="b">
+                    <a:lnL w="6350" cap="flat" cmpd="sng" algn="ctr">
+                      <a:solidFill>
+                        <a:srgbClr val="000000"/>
+                      </a:solidFill>
+                      <a:prstDash val="solid"/>
+                      <a:round/>
+                      <a:headEnd type="none" w="med" len="med"/>
+                      <a:tailEnd type="none" w="med" len="med"/>
+                    </a:lnL>
+                    <a:lnR w="6350" cap="flat" cmpd="sng" algn="ctr">
+                      <a:solidFill>
+                        <a:srgbClr val="000000"/>
+                      </a:solidFill>
+                      <a:prstDash val="solid"/>
+                      <a:round/>
+                      <a:headEnd type="none" w="med" len="med"/>
+                      <a:tailEnd type="none" w="med" len="med"/>
+                    </a:lnR>
+                    <a:lnT w="6350" cap="flat" cmpd="sng" algn="ctr">
+                      <a:solidFill>
+                        <a:srgbClr val="000000"/>
+                      </a:solidFill>
+                      <a:prstDash val="solid"/>
+                      <a:round/>
+                      <a:headEnd type="none" w="med" len="med"/>
+                      <a:tailEnd type="none" w="med" len="med"/>
+                    </a:lnT>
+                    <a:lnB w="6350" cap="flat" cmpd="sng" algn="ctr">
+                      <a:solidFill>
+                        <a:srgbClr val="000000"/>
+                      </a:solidFill>
+                      <a:prstDash val="solid"/>
+                      <a:round/>
+                      <a:headEnd type="none" w="med" len="med"/>
+                      <a:tailEnd type="none" w="med" len="med"/>
+                    </a:lnB>
+                  </a:tcPr>
+                </a:tc>
+              </a:tr>
+              <a:tr h="381000">
+                <a:tc>
+                  <a:txBody>
+                    <a:bodyPr/>
+                    <a:lstStyle/>
+                    <a:p>
+                      <a:pPr algn="l" fontAlgn="ctr"/>
+                      <a:r>
+                        <a:rPr lang="pl-PL" sz="2000" b="0" i="0" u="none" strike="noStrike" dirty="0" smtClean="0">
+                          <a:solidFill>
+                            <a:srgbClr val="000000"/>
+                          </a:solidFill>
+                          <a:effectLst/>
+                          <a:latin typeface="Courier"/>
+                        </a:rPr>
+                        <a:t>,</a:t>
+                      </a:r>
+                      <a:endParaRPr lang="pl-PL" sz="2000" b="0" i="0" u="none" strike="noStrike" dirty="0">
+                        <a:solidFill>
+                          <a:srgbClr val="000000"/>
+                        </a:solidFill>
+                        <a:effectLst/>
+                        <a:latin typeface="Courier"/>
+                      </a:endParaRPr>
+                    </a:p>
+                  </a:txBody>
+                  <a:tcPr marL="12700" marR="12700" marT="12700" marB="0" anchor="ctr">
+                    <a:lnL w="6350" cap="flat" cmpd="sng" algn="ctr">
+                      <a:solidFill>
+                        <a:srgbClr val="000000"/>
+                      </a:solidFill>
+                      <a:prstDash val="solid"/>
+                      <a:round/>
+                      <a:headEnd type="none" w="med" len="med"/>
+                      <a:tailEnd type="none" w="med" len="med"/>
+                    </a:lnL>
+                    <a:lnR w="6350" cap="flat" cmpd="sng" algn="ctr">
+                      <a:solidFill>
+                        <a:srgbClr val="000000"/>
+                      </a:solidFill>
+                      <a:prstDash val="solid"/>
+                      <a:round/>
+                      <a:headEnd type="none" w="med" len="med"/>
+                      <a:tailEnd type="none" w="med" len="med"/>
+                    </a:lnR>
+                    <a:lnT w="6350" cap="flat" cmpd="sng" algn="ctr">
+                      <a:solidFill>
+                        <a:srgbClr val="000000"/>
+                      </a:solidFill>
+                      <a:prstDash val="solid"/>
+                      <a:round/>
+                      <a:headEnd type="none" w="med" len="med"/>
+                      <a:tailEnd type="none" w="med" len="med"/>
+                    </a:lnT>
+                    <a:lnB w="6350" cap="flat" cmpd="sng" algn="ctr">
+                      <a:solidFill>
+                        <a:srgbClr val="000000"/>
+                      </a:solidFill>
+                      <a:prstDash val="solid"/>
+                      <a:round/>
+                      <a:headEnd type="none" w="med" len="med"/>
+                      <a:tailEnd type="none" w="med" len="med"/>
+                    </a:lnB>
+                  </a:tcPr>
+                </a:tc>
+                <a:tc>
+                  <a:txBody>
+                    <a:bodyPr/>
+                    <a:lstStyle/>
+                    <a:p>
+                      <a:pPr algn="l" fontAlgn="b"/>
+                      <a:r>
+                        <a:rPr lang="en-US" sz="2000" b="0" i="0" u="none" strike="noStrike" dirty="0" smtClean="0">
+                          <a:solidFill>
+                            <a:srgbClr val="000000"/>
+                          </a:solidFill>
+                          <a:effectLst/>
+                          <a:latin typeface="Courier"/>
+                        </a:rPr>
+                        <a:t>\t</a:t>
+                      </a:r>
+                      <a:endParaRPr lang="en-US" sz="2000" b="0" i="0" u="none" strike="noStrike" dirty="0">
+                        <a:solidFill>
+                          <a:srgbClr val="000000"/>
+                        </a:solidFill>
+                        <a:effectLst/>
+                        <a:latin typeface="Courier"/>
+                      </a:endParaRPr>
+                    </a:p>
+                  </a:txBody>
+                  <a:tcPr marL="12700" marR="12700" marT="12700" marB="0" anchor="b">
+                    <a:lnL w="6350" cap="flat" cmpd="sng" algn="ctr">
+                      <a:solidFill>
+                        <a:srgbClr val="000000"/>
+                      </a:solidFill>
+                      <a:prstDash val="solid"/>
+                      <a:round/>
+                      <a:headEnd type="none" w="med" len="med"/>
+                      <a:tailEnd type="none" w="med" len="med"/>
+                    </a:lnL>
+                    <a:lnR w="6350" cap="flat" cmpd="sng" algn="ctr">
+                      <a:solidFill>
+                        <a:srgbClr val="000000"/>
+                      </a:solidFill>
+                      <a:prstDash val="solid"/>
+                      <a:round/>
+                      <a:headEnd type="none" w="med" len="med"/>
+                      <a:tailEnd type="none" w="med" len="med"/>
+                    </a:lnR>
+                    <a:lnT w="6350" cap="flat" cmpd="sng" algn="ctr">
+                      <a:solidFill>
+                        <a:srgbClr val="000000"/>
+                      </a:solidFill>
+                      <a:prstDash val="solid"/>
+                      <a:round/>
+                      <a:headEnd type="none" w="med" len="med"/>
+                      <a:tailEnd type="none" w="med" len="med"/>
+                    </a:lnT>
+                    <a:lnB w="6350" cap="flat" cmpd="sng" algn="ctr">
+                      <a:solidFill>
+                        <a:srgbClr val="000000"/>
+                      </a:solidFill>
+                      <a:prstDash val="solid"/>
+                      <a:round/>
+                      <a:headEnd type="none" w="med" len="med"/>
+                      <a:tailEnd type="none" w="med" len="med"/>
+                    </a:lnB>
+                  </a:tcPr>
+                </a:tc>
+              </a:tr>
+              <a:tr h="381000">
+                <a:tc>
+                  <a:txBody>
+                    <a:bodyPr/>
+                    <a:lstStyle/>
+                    <a:p>
+                      <a:pPr algn="l" fontAlgn="ctr"/>
+                      <a:r>
+                        <a:rPr lang="pl-PL" sz="2000" b="0" i="0" u="none" strike="noStrike" dirty="0" smtClean="0">
+                          <a:solidFill>
+                            <a:srgbClr val="000000"/>
+                          </a:solidFill>
+                          <a:effectLst/>
+                          <a:latin typeface="Courier"/>
+                        </a:rPr>
+                        <a:t>\t</a:t>
+                      </a:r>
+                      <a:endParaRPr lang="pl-PL" sz="2000" b="0" i="0" u="none" strike="noStrike" dirty="0">
+                        <a:solidFill>
+                          <a:srgbClr val="000000"/>
+                        </a:solidFill>
+                        <a:effectLst/>
+                        <a:latin typeface="Courier"/>
+                      </a:endParaRPr>
+                    </a:p>
+                  </a:txBody>
+                  <a:tcPr marL="12700" marR="12700" marT="12700" marB="0" anchor="ctr">
+                    <a:lnL w="6350" cap="flat" cmpd="sng" algn="ctr">
+                      <a:solidFill>
+                        <a:srgbClr val="000000"/>
+                      </a:solidFill>
+                      <a:prstDash val="solid"/>
+                      <a:round/>
+                      <a:headEnd type="none" w="med" len="med"/>
+                      <a:tailEnd type="none" w="med" len="med"/>
+                    </a:lnL>
+                    <a:lnR w="6350" cap="flat" cmpd="sng" algn="ctr">
+                      <a:solidFill>
+                        <a:srgbClr val="000000"/>
+                      </a:solidFill>
+                      <a:prstDash val="solid"/>
+                      <a:round/>
+                      <a:headEnd type="none" w="med" len="med"/>
+                      <a:tailEnd type="none" w="med" len="med"/>
+                    </a:lnR>
+                    <a:lnT w="6350" cap="flat" cmpd="sng" algn="ctr">
+                      <a:solidFill>
+                        <a:srgbClr val="000000"/>
+                      </a:solidFill>
+                      <a:prstDash val="solid"/>
+                      <a:round/>
+                      <a:headEnd type="none" w="med" len="med"/>
+                      <a:tailEnd type="none" w="med" len="med"/>
+                    </a:lnT>
+                    <a:lnB w="6350" cap="flat" cmpd="sng" algn="ctr">
+                      <a:solidFill>
+                        <a:srgbClr val="000000"/>
+                      </a:solidFill>
+                      <a:prstDash val="solid"/>
+                      <a:round/>
+                      <a:headEnd type="none" w="med" len="med"/>
+                      <a:tailEnd type="none" w="med" len="med"/>
+                    </a:lnB>
+                  </a:tcPr>
+                </a:tc>
+                <a:tc>
+                  <a:txBody>
+                    <a:bodyPr/>
+                    <a:lstStyle/>
+                    <a:p>
+                      <a:pPr algn="l" fontAlgn="b"/>
+                      <a:r>
+                        <a:rPr lang="en-US" sz="2000" b="0" i="0" u="none" strike="noStrike" dirty="0" smtClean="0">
+                          <a:solidFill>
+                            <a:srgbClr val="000000"/>
+                          </a:solidFill>
+                          <a:effectLst/>
+                          <a:latin typeface="Courier"/>
+                        </a:rPr>
+                        <a:t>,</a:t>
+                      </a:r>
+                      <a:endParaRPr lang="en-US" sz="2000" b="0" i="0" u="none" strike="noStrike" dirty="0">
+                        <a:solidFill>
+                          <a:srgbClr val="000000"/>
+                        </a:solidFill>
+                        <a:effectLst/>
+                        <a:latin typeface="Courier"/>
+                      </a:endParaRPr>
+                    </a:p>
+                  </a:txBody>
+                  <a:tcPr marL="12700" marR="12700" marT="12700" marB="0" anchor="b">
+                    <a:lnL w="6350" cap="flat" cmpd="sng" algn="ctr">
+                      <a:solidFill>
+                        <a:srgbClr val="000000"/>
+                      </a:solidFill>
+                      <a:prstDash val="solid"/>
+                      <a:round/>
+                      <a:headEnd type="none" w="med" len="med"/>
+                      <a:tailEnd type="none" w="med" len="med"/>
+                    </a:lnL>
+                    <a:lnR w="6350" cap="flat" cmpd="sng" algn="ctr">
+                      <a:solidFill>
+                        <a:srgbClr val="000000"/>
+                      </a:solidFill>
+                      <a:prstDash val="solid"/>
+                      <a:round/>
+                      <a:headEnd type="none" w="med" len="med"/>
+                      <a:tailEnd type="none" w="med" len="med"/>
+                    </a:lnR>
+                    <a:lnT w="6350" cap="flat" cmpd="sng" algn="ctr">
+                      <a:solidFill>
+                        <a:srgbClr val="000000"/>
+                      </a:solidFill>
+                      <a:prstDash val="solid"/>
+                      <a:round/>
+                      <a:headEnd type="none" w="med" len="med"/>
+                      <a:tailEnd type="none" w="med" len="med"/>
+                    </a:lnT>
+                    <a:lnB w="6350" cap="flat" cmpd="sng" algn="ctr">
+                      <a:solidFill>
+                        <a:srgbClr val="000000"/>
+                      </a:solidFill>
+                      <a:prstDash val="solid"/>
+                      <a:round/>
+                      <a:headEnd type="none" w="med" len="med"/>
+                      <a:tailEnd type="none" w="med" len="med"/>
+                    </a:lnB>
+                  </a:tcPr>
+                </a:tc>
+              </a:tr>
+            </a:tbl>
+          </a:graphicData>
+        </a:graphic>
+      </p:graphicFrame>
     </p:spTree>
     <p:extLst>
       <p:ext uri="{BB962C8B-B14F-4D97-AF65-F5344CB8AC3E}">
-        <p14:creationId xmlns:p14="http://schemas.microsoft.com/office/powerpoint/2010/main" val="1137291050"/>
+        <p14:creationId xmlns:p14="http://schemas.microsoft.com/office/powerpoint/2010/main" val="1718627100"/>
       </p:ext>
     </p:extLst>
   </p:cSld>
   <p:clrMapOvr>
     <a:masterClrMapping/>
   </p:clrMapOvr>
-  <p:timing>
-    <p:tnLst>
-      <p:par>
-        <p:cTn xmlns:p14="http://schemas.microsoft.com/office/powerpoint/2010/main" id="1" dur="indefinite" restart="never" nodeType="tmRoot"/>
-      </p:par>
-    </p:tnLst>
-  </p:timing>
 </p:sld>
 </file>
 
@@ -24643,7 +21853,7 @@
           <a:p>
             <a:r>
               <a:rPr lang="en-US" dirty="0" smtClean="0"/>
-              <a:t>Create a new file</a:t>
+              <a:t>Line beginnings and endings</a:t>
             </a:r>
             <a:endParaRPr lang="en-US" dirty="0"/>
           </a:p>
@@ -24661,104 +21871,833 @@
         </p:nvSpPr>
         <p:spPr>
           <a:xfrm>
-            <a:off x="457200" y="2626655"/>
-            <a:ext cx="7953022" cy="2255791"/>
+            <a:off x="457200" y="1384876"/>
+            <a:ext cx="8229600" cy="931871"/>
           </a:xfrm>
         </p:spPr>
         <p:txBody>
-          <a:bodyPr/>
+          <a:bodyPr>
+            <a:normAutofit/>
+          </a:bodyPr>
           <a:lstStyle/>
           <a:p>
-            <a:pPr>
-              <a:lnSpc>
-                <a:spcPct val="150000"/>
-              </a:lnSpc>
-            </a:pPr>
             <a:r>
-              <a:rPr lang="en-US" dirty="0"/>
-              <a:t>v</a:t>
+              <a:rPr lang="en-US" b="1" dirty="0" smtClean="0">
+                <a:solidFill>
+                  <a:schemeClr val="tx2">
+                    <a:lumMod val="75000"/>
+                  </a:schemeClr>
+                </a:solidFill>
+              </a:rPr>
+              <a:t>^</a:t>
             </a:r>
             <a:r>
               <a:rPr lang="en-US" dirty="0" smtClean="0"/>
-              <a:t>i filename</a:t>
+              <a:t> beginnings</a:t>
             </a:r>
           </a:p>
           <a:p>
-            <a:pPr marL="457200" indent="-457200">
-              <a:lnSpc>
-                <a:spcPct val="150000"/>
-              </a:lnSpc>
-              <a:buAutoNum type="arabicPeriod"/>
-            </a:pPr>
+            <a:r>
+              <a:rPr lang="en-US" b="1" dirty="0" smtClean="0">
+                <a:solidFill>
+                  <a:srgbClr val="17375E"/>
+                </a:solidFill>
+              </a:rPr>
+              <a:t>$</a:t>
+            </a:r>
             <a:r>
               <a:rPr lang="en-US" dirty="0" smtClean="0"/>
-              <a:t>If the file does not exist, create a new file.</a:t>
+              <a:t> endings</a:t>
             </a:r>
-          </a:p>
-          <a:p>
-            <a:pPr marL="457200" indent="-457200">
-              <a:lnSpc>
-                <a:spcPct val="150000"/>
-              </a:lnSpc>
-              <a:buAutoNum type="arabicPeriod"/>
-            </a:pPr>
-            <a:r>
-              <a:rPr lang="en-US" dirty="0" smtClean="0"/>
-              <a:t>If the file exists, open the file.</a:t>
-            </a:r>
-            <a:endParaRPr lang="en-US" dirty="0"/>
           </a:p>
         </p:txBody>
       </p:sp>
       <p:sp>
         <p:nvSpPr>
-          <p:cNvPr id="4" name="Rectangle 3"/>
-          <p:cNvSpPr/>
+          <p:cNvPr id="4" name="Content Placeholder 2"/>
+          <p:cNvSpPr txBox="1">
+            <a:spLocks/>
+          </p:cNvSpPr>
           <p:nvPr/>
         </p:nvSpPr>
         <p:spPr>
           <a:xfrm>
-            <a:off x="697089" y="1591488"/>
-            <a:ext cx="7219243" cy="461665"/>
+            <a:off x="983616" y="3727211"/>
+            <a:ext cx="2406073" cy="1807239"/>
           </a:xfrm>
           <a:prstGeom prst="rect">
             <a:avLst/>
           </a:prstGeom>
+          <a:solidFill>
+            <a:schemeClr val="accent5">
+              <a:lumMod val="20000"/>
+              <a:lumOff val="80000"/>
+            </a:schemeClr>
+          </a:solidFill>
         </p:spPr>
         <p:txBody>
-          <a:bodyPr wrap="square">
-            <a:spAutoFit/>
+          <a:bodyPr vert="horz" lIns="91440" tIns="45720" rIns="91440" bIns="45720" rtlCol="0">
+            <a:normAutofit/>
           </a:bodyPr>
-          <a:lstStyle/>
+          <a:lstStyle>
+            <a:lvl1pPr marL="342900" indent="-342900" algn="l" defTabSz="457200" rtl="0" eaLnBrk="1" latinLnBrk="0" hangingPunct="1">
+              <a:spcBef>
+                <a:spcPct val="20000"/>
+              </a:spcBef>
+              <a:buFont typeface="Arial"/>
+              <a:buChar char="•"/>
+              <a:defRPr sz="2400" kern="1200">
+                <a:solidFill>
+                  <a:schemeClr val="tx1"/>
+                </a:solidFill>
+                <a:latin typeface="+mn-lt"/>
+                <a:ea typeface="+mn-ea"/>
+                <a:cs typeface="+mn-cs"/>
+              </a:defRPr>
+            </a:lvl1pPr>
+            <a:lvl2pPr marL="742950" indent="-285750" algn="l" defTabSz="457200" rtl="0" eaLnBrk="1" latinLnBrk="0" hangingPunct="1">
+              <a:spcBef>
+                <a:spcPct val="20000"/>
+              </a:spcBef>
+              <a:buFont typeface="Arial"/>
+              <a:buChar char="–"/>
+              <a:defRPr sz="2400" kern="1200">
+                <a:solidFill>
+                  <a:schemeClr val="tx1"/>
+                </a:solidFill>
+                <a:latin typeface="+mn-lt"/>
+                <a:ea typeface="+mn-ea"/>
+                <a:cs typeface="+mn-cs"/>
+              </a:defRPr>
+            </a:lvl2pPr>
+            <a:lvl3pPr marL="1143000" indent="-228600" algn="l" defTabSz="457200" rtl="0" eaLnBrk="1" latinLnBrk="0" hangingPunct="1">
+              <a:spcBef>
+                <a:spcPct val="20000"/>
+              </a:spcBef>
+              <a:buFont typeface="Arial"/>
+              <a:buChar char="•"/>
+              <a:defRPr sz="2400" kern="1200">
+                <a:solidFill>
+                  <a:schemeClr val="tx1"/>
+                </a:solidFill>
+                <a:latin typeface="+mn-lt"/>
+                <a:ea typeface="+mn-ea"/>
+                <a:cs typeface="+mn-cs"/>
+              </a:defRPr>
+            </a:lvl3pPr>
+            <a:lvl4pPr marL="1600200" indent="-228600" algn="l" defTabSz="457200" rtl="0" eaLnBrk="1" latinLnBrk="0" hangingPunct="1">
+              <a:spcBef>
+                <a:spcPct val="20000"/>
+              </a:spcBef>
+              <a:buFont typeface="Arial"/>
+              <a:buChar char="–"/>
+              <a:defRPr sz="2400" kern="1200">
+                <a:solidFill>
+                  <a:schemeClr val="tx1"/>
+                </a:solidFill>
+                <a:latin typeface="+mn-lt"/>
+                <a:ea typeface="+mn-ea"/>
+                <a:cs typeface="+mn-cs"/>
+              </a:defRPr>
+            </a:lvl4pPr>
+            <a:lvl5pPr marL="2057400" indent="-228600" algn="l" defTabSz="457200" rtl="0" eaLnBrk="1" latinLnBrk="0" hangingPunct="1">
+              <a:spcBef>
+                <a:spcPct val="20000"/>
+              </a:spcBef>
+              <a:buFont typeface="Arial"/>
+              <a:buChar char="»"/>
+              <a:defRPr sz="2400" kern="1200">
+                <a:solidFill>
+                  <a:schemeClr val="tx1"/>
+                </a:solidFill>
+                <a:latin typeface="+mn-lt"/>
+                <a:ea typeface="+mn-ea"/>
+                <a:cs typeface="+mn-cs"/>
+              </a:defRPr>
+            </a:lvl5pPr>
+            <a:lvl6pPr marL="2514600" indent="-228600" algn="l" defTabSz="457200" rtl="0" eaLnBrk="1" latinLnBrk="0" hangingPunct="1">
+              <a:spcBef>
+                <a:spcPct val="20000"/>
+              </a:spcBef>
+              <a:buFont typeface="Arial"/>
+              <a:buChar char="•"/>
+              <a:defRPr sz="2000" kern="1200">
+                <a:solidFill>
+                  <a:schemeClr val="tx1"/>
+                </a:solidFill>
+                <a:latin typeface="+mn-lt"/>
+                <a:ea typeface="+mn-ea"/>
+                <a:cs typeface="+mn-cs"/>
+              </a:defRPr>
+            </a:lvl6pPr>
+            <a:lvl7pPr marL="2971800" indent="-228600" algn="l" defTabSz="457200" rtl="0" eaLnBrk="1" latinLnBrk="0" hangingPunct="1">
+              <a:spcBef>
+                <a:spcPct val="20000"/>
+              </a:spcBef>
+              <a:buFont typeface="Arial"/>
+              <a:buChar char="•"/>
+              <a:defRPr sz="2000" kern="1200">
+                <a:solidFill>
+                  <a:schemeClr val="tx1"/>
+                </a:solidFill>
+                <a:latin typeface="+mn-lt"/>
+                <a:ea typeface="+mn-ea"/>
+                <a:cs typeface="+mn-cs"/>
+              </a:defRPr>
+            </a:lvl7pPr>
+            <a:lvl8pPr marL="3429000" indent="-228600" algn="l" defTabSz="457200" rtl="0" eaLnBrk="1" latinLnBrk="0" hangingPunct="1">
+              <a:spcBef>
+                <a:spcPct val="20000"/>
+              </a:spcBef>
+              <a:buFont typeface="Arial"/>
+              <a:buChar char="•"/>
+              <a:defRPr sz="2000" kern="1200">
+                <a:solidFill>
+                  <a:schemeClr val="tx1"/>
+                </a:solidFill>
+                <a:latin typeface="+mn-lt"/>
+                <a:ea typeface="+mn-ea"/>
+                <a:cs typeface="+mn-cs"/>
+              </a:defRPr>
+            </a:lvl8pPr>
+            <a:lvl9pPr marL="3886200" indent="-228600" algn="l" defTabSz="457200" rtl="0" eaLnBrk="1" latinLnBrk="0" hangingPunct="1">
+              <a:spcBef>
+                <a:spcPct val="20000"/>
+              </a:spcBef>
+              <a:buFont typeface="Arial"/>
+              <a:buChar char="•"/>
+              <a:defRPr sz="2000" kern="1200">
+                <a:solidFill>
+                  <a:schemeClr val="tx1"/>
+                </a:solidFill>
+                <a:latin typeface="+mn-lt"/>
+                <a:ea typeface="+mn-ea"/>
+                <a:cs typeface="+mn-cs"/>
+              </a:defRPr>
+            </a:lvl9pPr>
+          </a:lstStyle>
           <a:p>
+            <a:pPr marL="0" indent="0">
+              <a:buFont typeface="Arial"/>
+              <a:buNone/>
+            </a:pPr>
             <a:r>
-              <a:rPr lang="en-US" sz="2400" i="1" dirty="0"/>
-              <a:t>vi</a:t>
+              <a:rPr lang="en-US" dirty="0" err="1" smtClean="0"/>
+              <a:t>Agalma</a:t>
             </a:r>
             <a:r>
-              <a:rPr lang="en-US" sz="2400" dirty="0"/>
-              <a:t> is a text editor created for the Unix operating system.</a:t>
+              <a:rPr lang="en-US" dirty="0" smtClean="0"/>
+              <a:t> </a:t>
             </a:r>
+            <a:r>
+              <a:rPr lang="en-US" dirty="0" err="1" smtClean="0"/>
+              <a:t>elegans</a:t>
+            </a:r>
+            <a:endParaRPr lang="en-US" dirty="0" smtClean="0"/>
+          </a:p>
+          <a:p>
+            <a:pPr marL="0" indent="0">
+              <a:buFont typeface="Arial"/>
+              <a:buNone/>
+            </a:pPr>
+            <a:r>
+              <a:rPr lang="en-US" dirty="0" err="1" smtClean="0"/>
+              <a:t>Frillagalma</a:t>
+            </a:r>
+            <a:r>
+              <a:rPr lang="en-US" dirty="0" smtClean="0"/>
+              <a:t> </a:t>
+            </a:r>
+            <a:r>
+              <a:rPr lang="en-US" dirty="0" err="1" smtClean="0"/>
+              <a:t>vitiazi</a:t>
+            </a:r>
+            <a:endParaRPr lang="en-US" dirty="0" smtClean="0"/>
+          </a:p>
+          <a:p>
+            <a:pPr marL="0" indent="0">
+              <a:buFont typeface="Arial"/>
+              <a:buNone/>
+            </a:pPr>
+            <a:r>
+              <a:rPr lang="en-US" dirty="0" err="1" smtClean="0"/>
+              <a:t>Mus</a:t>
+            </a:r>
+            <a:r>
+              <a:rPr lang="en-US" dirty="0" smtClean="0"/>
+              <a:t> </a:t>
+            </a:r>
+            <a:r>
+              <a:rPr lang="en-US" dirty="0" err="1" smtClean="0"/>
+              <a:t>musculus</a:t>
+            </a:r>
+            <a:endParaRPr lang="en-US" dirty="0" smtClean="0"/>
+          </a:p>
+          <a:p>
+            <a:pPr marL="0" indent="0">
+              <a:buFont typeface="Arial"/>
+              <a:buNone/>
+            </a:pPr>
+            <a:endParaRPr lang="en-US" dirty="0"/>
           </a:p>
         </p:txBody>
       </p:sp>
+      <p:graphicFrame>
+        <p:nvGraphicFramePr>
+          <p:cNvPr id="7" name="Table 6"/>
+          <p:cNvGraphicFramePr>
+            <a:graphicFrameLocks noGrp="1"/>
+          </p:cNvGraphicFramePr>
+          <p:nvPr>
+            <p:extLst>
+              <p:ext uri="{D42A27DB-BD31-4B8C-83A1-F6EECF244321}">
+                <p14:modId xmlns:p14="http://schemas.microsoft.com/office/powerpoint/2010/main" val="4096056802"/>
+              </p:ext>
+            </p:extLst>
+          </p:nvPr>
+        </p:nvGraphicFramePr>
+        <p:xfrm>
+          <a:off x="3833092" y="3838759"/>
+          <a:ext cx="3735244" cy="1524000"/>
+        </p:xfrm>
+        <a:graphic>
+          <a:graphicData uri="http://schemas.openxmlformats.org/drawingml/2006/table">
+            <a:tbl>
+              <a:tblPr/>
+              <a:tblGrid>
+                <a:gridCol w="1349759"/>
+                <a:gridCol w="2385485"/>
+              </a:tblGrid>
+              <a:tr h="381000">
+                <a:tc>
+                  <a:txBody>
+                    <a:bodyPr/>
+                    <a:lstStyle/>
+                    <a:p>
+                      <a:pPr algn="l" fontAlgn="b"/>
+                      <a:r>
+                        <a:rPr lang="en-US" sz="2000" b="0" i="0" u="none" strike="noStrike">
+                          <a:solidFill>
+                            <a:srgbClr val="000000"/>
+                          </a:solidFill>
+                          <a:effectLst/>
+                          <a:latin typeface="Courier"/>
+                        </a:rPr>
+                        <a:t>Regexp</a:t>
+                      </a:r>
+                    </a:p>
+                  </a:txBody>
+                  <a:tcPr marL="12700" marR="12700" marT="12700" marB="0" anchor="b">
+                    <a:lnL w="6350" cap="flat" cmpd="sng" algn="ctr">
+                      <a:solidFill>
+                        <a:srgbClr val="000000"/>
+                      </a:solidFill>
+                      <a:prstDash val="solid"/>
+                      <a:round/>
+                      <a:headEnd type="none" w="med" len="med"/>
+                      <a:tailEnd type="none" w="med" len="med"/>
+                    </a:lnL>
+                    <a:lnR w="6350" cap="flat" cmpd="sng" algn="ctr">
+                      <a:solidFill>
+                        <a:srgbClr val="000000"/>
+                      </a:solidFill>
+                      <a:prstDash val="solid"/>
+                      <a:round/>
+                      <a:headEnd type="none" w="med" len="med"/>
+                      <a:tailEnd type="none" w="med" len="med"/>
+                    </a:lnR>
+                    <a:lnT w="6350" cap="flat" cmpd="sng" algn="ctr">
+                      <a:solidFill>
+                        <a:srgbClr val="000000"/>
+                      </a:solidFill>
+                      <a:prstDash val="solid"/>
+                      <a:round/>
+                      <a:headEnd type="none" w="med" len="med"/>
+                      <a:tailEnd type="none" w="med" len="med"/>
+                    </a:lnT>
+                    <a:lnB w="6350" cap="flat" cmpd="sng" algn="ctr">
+                      <a:solidFill>
+                        <a:srgbClr val="000000"/>
+                      </a:solidFill>
+                      <a:prstDash val="solid"/>
+                      <a:round/>
+                      <a:headEnd type="none" w="med" len="med"/>
+                      <a:tailEnd type="none" w="med" len="med"/>
+                    </a:lnB>
+                  </a:tcPr>
+                </a:tc>
+                <a:tc>
+                  <a:txBody>
+                    <a:bodyPr/>
+                    <a:lstStyle/>
+                    <a:p>
+                      <a:pPr algn="l" fontAlgn="b"/>
+                      <a:r>
+                        <a:rPr lang="en-US" sz="2000" b="0" i="0" u="none" strike="noStrike">
+                          <a:solidFill>
+                            <a:srgbClr val="000000"/>
+                          </a:solidFill>
+                          <a:effectLst/>
+                          <a:latin typeface="Courier"/>
+                        </a:rPr>
+                        <a:t>Replace</a:t>
+                      </a:r>
+                    </a:p>
+                  </a:txBody>
+                  <a:tcPr marL="12700" marR="12700" marT="12700" marB="0" anchor="b">
+                    <a:lnL w="6350" cap="flat" cmpd="sng" algn="ctr">
+                      <a:solidFill>
+                        <a:srgbClr val="000000"/>
+                      </a:solidFill>
+                      <a:prstDash val="solid"/>
+                      <a:round/>
+                      <a:headEnd type="none" w="med" len="med"/>
+                      <a:tailEnd type="none" w="med" len="med"/>
+                    </a:lnL>
+                    <a:lnR w="6350" cap="flat" cmpd="sng" algn="ctr">
+                      <a:solidFill>
+                        <a:srgbClr val="000000"/>
+                      </a:solidFill>
+                      <a:prstDash val="solid"/>
+                      <a:round/>
+                      <a:headEnd type="none" w="med" len="med"/>
+                      <a:tailEnd type="none" w="med" len="med"/>
+                    </a:lnR>
+                    <a:lnT w="6350" cap="flat" cmpd="sng" algn="ctr">
+                      <a:solidFill>
+                        <a:srgbClr val="000000"/>
+                      </a:solidFill>
+                      <a:prstDash val="solid"/>
+                      <a:round/>
+                      <a:headEnd type="none" w="med" len="med"/>
+                      <a:tailEnd type="none" w="med" len="med"/>
+                    </a:lnT>
+                    <a:lnB w="6350" cap="flat" cmpd="sng" algn="ctr">
+                      <a:solidFill>
+                        <a:srgbClr val="000000"/>
+                      </a:solidFill>
+                      <a:prstDash val="solid"/>
+                      <a:round/>
+                      <a:headEnd type="none" w="med" len="med"/>
+                      <a:tailEnd type="none" w="med" len="med"/>
+                    </a:lnB>
+                  </a:tcPr>
+                </a:tc>
+              </a:tr>
+              <a:tr h="381000">
+                <a:tc>
+                  <a:txBody>
+                    <a:bodyPr/>
+                    <a:lstStyle/>
+                    <a:p>
+                      <a:pPr algn="l" fontAlgn="ctr"/>
+                      <a:r>
+                        <a:rPr lang="pl-PL" sz="2000" b="0" i="0" u="none" strike="noStrike" dirty="0" smtClean="0">
+                          <a:solidFill>
+                            <a:srgbClr val="000000"/>
+                          </a:solidFill>
+                          <a:effectLst/>
+                          <a:latin typeface="Courier"/>
+                        </a:rPr>
+                        <a:t>^</a:t>
+                      </a:r>
+                      <a:endParaRPr lang="pl-PL" sz="2000" b="0" i="0" u="none" strike="noStrike" dirty="0">
+                        <a:solidFill>
+                          <a:srgbClr val="000000"/>
+                        </a:solidFill>
+                        <a:effectLst/>
+                        <a:latin typeface="Courier"/>
+                      </a:endParaRPr>
+                    </a:p>
+                  </a:txBody>
+                  <a:tcPr marL="12700" marR="12700" marT="12700" marB="0" anchor="ctr">
+                    <a:lnL w="6350" cap="flat" cmpd="sng" algn="ctr">
+                      <a:solidFill>
+                        <a:srgbClr val="000000"/>
+                      </a:solidFill>
+                      <a:prstDash val="solid"/>
+                      <a:round/>
+                      <a:headEnd type="none" w="med" len="med"/>
+                      <a:tailEnd type="none" w="med" len="med"/>
+                    </a:lnL>
+                    <a:lnR w="6350" cap="flat" cmpd="sng" algn="ctr">
+                      <a:solidFill>
+                        <a:srgbClr val="000000"/>
+                      </a:solidFill>
+                      <a:prstDash val="solid"/>
+                      <a:round/>
+                      <a:headEnd type="none" w="med" len="med"/>
+                      <a:tailEnd type="none" w="med" len="med"/>
+                    </a:lnR>
+                    <a:lnT w="6350" cap="flat" cmpd="sng" algn="ctr">
+                      <a:solidFill>
+                        <a:srgbClr val="000000"/>
+                      </a:solidFill>
+                      <a:prstDash val="solid"/>
+                      <a:round/>
+                      <a:headEnd type="none" w="med" len="med"/>
+                      <a:tailEnd type="none" w="med" len="med"/>
+                    </a:lnT>
+                    <a:lnB w="6350" cap="flat" cmpd="sng" algn="ctr">
+                      <a:solidFill>
+                        <a:srgbClr val="000000"/>
+                      </a:solidFill>
+                      <a:prstDash val="solid"/>
+                      <a:round/>
+                      <a:headEnd type="none" w="med" len="med"/>
+                      <a:tailEnd type="none" w="med" len="med"/>
+                    </a:lnB>
+                  </a:tcPr>
+                </a:tc>
+                <a:tc>
+                  <a:txBody>
+                    <a:bodyPr/>
+                    <a:lstStyle/>
+                    <a:p>
+                      <a:pPr algn="l" fontAlgn="b"/>
+                      <a:r>
+                        <a:rPr lang="en-US" sz="2000" b="0" i="0" u="none" strike="noStrike" dirty="0" smtClean="0">
+                          <a:solidFill>
+                            <a:srgbClr val="000000"/>
+                          </a:solidFill>
+                          <a:effectLst/>
+                          <a:latin typeface="Courier"/>
+                        </a:rPr>
+                        <a:t>here</a:t>
+                      </a:r>
+                      <a:endParaRPr lang="en-US" sz="2000" b="0" i="0" u="none" strike="noStrike" dirty="0">
+                        <a:solidFill>
+                          <a:srgbClr val="000000"/>
+                        </a:solidFill>
+                        <a:effectLst/>
+                        <a:latin typeface="Courier"/>
+                      </a:endParaRPr>
+                    </a:p>
+                  </a:txBody>
+                  <a:tcPr marL="12700" marR="12700" marT="12700" marB="0" anchor="b">
+                    <a:lnL w="6350" cap="flat" cmpd="sng" algn="ctr">
+                      <a:solidFill>
+                        <a:srgbClr val="000000"/>
+                      </a:solidFill>
+                      <a:prstDash val="solid"/>
+                      <a:round/>
+                      <a:headEnd type="none" w="med" len="med"/>
+                      <a:tailEnd type="none" w="med" len="med"/>
+                    </a:lnL>
+                    <a:lnR w="6350" cap="flat" cmpd="sng" algn="ctr">
+                      <a:solidFill>
+                        <a:srgbClr val="000000"/>
+                      </a:solidFill>
+                      <a:prstDash val="solid"/>
+                      <a:round/>
+                      <a:headEnd type="none" w="med" len="med"/>
+                      <a:tailEnd type="none" w="med" len="med"/>
+                    </a:lnR>
+                    <a:lnT w="6350" cap="flat" cmpd="sng" algn="ctr">
+                      <a:solidFill>
+                        <a:srgbClr val="000000"/>
+                      </a:solidFill>
+                      <a:prstDash val="solid"/>
+                      <a:round/>
+                      <a:headEnd type="none" w="med" len="med"/>
+                      <a:tailEnd type="none" w="med" len="med"/>
+                    </a:lnT>
+                    <a:lnB w="6350" cap="flat" cmpd="sng" algn="ctr">
+                      <a:solidFill>
+                        <a:srgbClr val="000000"/>
+                      </a:solidFill>
+                      <a:prstDash val="solid"/>
+                      <a:round/>
+                      <a:headEnd type="none" w="med" len="med"/>
+                      <a:tailEnd type="none" w="med" len="med"/>
+                    </a:lnB>
+                  </a:tcPr>
+                </a:tc>
+              </a:tr>
+              <a:tr h="381000">
+                <a:tc>
+                  <a:txBody>
+                    <a:bodyPr/>
+                    <a:lstStyle/>
+                    <a:p>
+                      <a:pPr algn="l" fontAlgn="ctr"/>
+                      <a:r>
+                        <a:rPr lang="pl-PL" sz="2000" b="0" i="0" u="none" strike="noStrike" dirty="0" smtClean="0">
+                          <a:solidFill>
+                            <a:srgbClr val="000000"/>
+                          </a:solidFill>
+                          <a:effectLst/>
+                          <a:latin typeface="Courier"/>
+                        </a:rPr>
+                        <a:t>$</a:t>
+                      </a:r>
+                      <a:endParaRPr lang="pl-PL" sz="2000" b="0" i="0" u="none" strike="noStrike" dirty="0">
+                        <a:solidFill>
+                          <a:srgbClr val="000000"/>
+                        </a:solidFill>
+                        <a:effectLst/>
+                        <a:latin typeface="Courier"/>
+                      </a:endParaRPr>
+                    </a:p>
+                  </a:txBody>
+                  <a:tcPr marL="12700" marR="12700" marT="12700" marB="0" anchor="ctr">
+                    <a:lnL w="6350" cap="flat" cmpd="sng" algn="ctr">
+                      <a:solidFill>
+                        <a:srgbClr val="000000"/>
+                      </a:solidFill>
+                      <a:prstDash val="solid"/>
+                      <a:round/>
+                      <a:headEnd type="none" w="med" len="med"/>
+                      <a:tailEnd type="none" w="med" len="med"/>
+                    </a:lnL>
+                    <a:lnR w="6350" cap="flat" cmpd="sng" algn="ctr">
+                      <a:solidFill>
+                        <a:srgbClr val="000000"/>
+                      </a:solidFill>
+                      <a:prstDash val="solid"/>
+                      <a:round/>
+                      <a:headEnd type="none" w="med" len="med"/>
+                      <a:tailEnd type="none" w="med" len="med"/>
+                    </a:lnR>
+                    <a:lnT w="6350" cap="flat" cmpd="sng" algn="ctr">
+                      <a:solidFill>
+                        <a:srgbClr val="000000"/>
+                      </a:solidFill>
+                      <a:prstDash val="solid"/>
+                      <a:round/>
+                      <a:headEnd type="none" w="med" len="med"/>
+                      <a:tailEnd type="none" w="med" len="med"/>
+                    </a:lnT>
+                    <a:lnB w="6350" cap="flat" cmpd="sng" algn="ctr">
+                      <a:solidFill>
+                        <a:srgbClr val="000000"/>
+                      </a:solidFill>
+                      <a:prstDash val="solid"/>
+                      <a:round/>
+                      <a:headEnd type="none" w="med" len="med"/>
+                      <a:tailEnd type="none" w="med" len="med"/>
+                    </a:lnB>
+                  </a:tcPr>
+                </a:tc>
+                <a:tc>
+                  <a:txBody>
+                    <a:bodyPr/>
+                    <a:lstStyle/>
+                    <a:p>
+                      <a:pPr algn="l" fontAlgn="b"/>
+                      <a:r>
+                        <a:rPr lang="en-US" sz="2000" b="0" i="0" u="none" strike="noStrike" dirty="0" smtClean="0">
+                          <a:solidFill>
+                            <a:srgbClr val="000000"/>
+                          </a:solidFill>
+                          <a:effectLst/>
+                          <a:latin typeface="Courier"/>
+                        </a:rPr>
+                        <a:t>there</a:t>
+                      </a:r>
+                      <a:endParaRPr lang="en-US" sz="2000" b="0" i="0" u="none" strike="noStrike" dirty="0">
+                        <a:solidFill>
+                          <a:srgbClr val="000000"/>
+                        </a:solidFill>
+                        <a:effectLst/>
+                        <a:latin typeface="Courier"/>
+                      </a:endParaRPr>
+                    </a:p>
+                  </a:txBody>
+                  <a:tcPr marL="12700" marR="12700" marT="12700" marB="0" anchor="b">
+                    <a:lnL w="6350" cap="flat" cmpd="sng" algn="ctr">
+                      <a:solidFill>
+                        <a:srgbClr val="000000"/>
+                      </a:solidFill>
+                      <a:prstDash val="solid"/>
+                      <a:round/>
+                      <a:headEnd type="none" w="med" len="med"/>
+                      <a:tailEnd type="none" w="med" len="med"/>
+                    </a:lnL>
+                    <a:lnR w="6350" cap="flat" cmpd="sng" algn="ctr">
+                      <a:solidFill>
+                        <a:srgbClr val="000000"/>
+                      </a:solidFill>
+                      <a:prstDash val="solid"/>
+                      <a:round/>
+                      <a:headEnd type="none" w="med" len="med"/>
+                      <a:tailEnd type="none" w="med" len="med"/>
+                    </a:lnR>
+                    <a:lnT w="6350" cap="flat" cmpd="sng" algn="ctr">
+                      <a:solidFill>
+                        <a:srgbClr val="000000"/>
+                      </a:solidFill>
+                      <a:prstDash val="solid"/>
+                      <a:round/>
+                      <a:headEnd type="none" w="med" len="med"/>
+                      <a:tailEnd type="none" w="med" len="med"/>
+                    </a:lnT>
+                    <a:lnB w="6350" cap="flat" cmpd="sng" algn="ctr">
+                      <a:solidFill>
+                        <a:srgbClr val="000000"/>
+                      </a:solidFill>
+                      <a:prstDash val="solid"/>
+                      <a:round/>
+                      <a:headEnd type="none" w="med" len="med"/>
+                      <a:tailEnd type="none" w="med" len="med"/>
+                    </a:lnB>
+                  </a:tcPr>
+                </a:tc>
+              </a:tr>
+              <a:tr h="381000">
+                <a:tc>
+                  <a:txBody>
+                    <a:bodyPr/>
+                    <a:lstStyle/>
+                    <a:p>
+                      <a:pPr algn="l" fontAlgn="ctr"/>
+                      <a:r>
+                        <a:rPr lang="pl-PL" sz="2000" b="0" i="0" u="none" strike="noStrike" dirty="0" smtClean="0">
+                          <a:solidFill>
+                            <a:srgbClr val="000000"/>
+                          </a:solidFill>
+                          <a:effectLst/>
+                          <a:latin typeface="Courier"/>
+                        </a:rPr>
+                        <a:t>^$</a:t>
+                      </a:r>
+                      <a:endParaRPr lang="pl-PL" sz="2000" b="0" i="0" u="none" strike="noStrike" dirty="0">
+                        <a:solidFill>
+                          <a:srgbClr val="000000"/>
+                        </a:solidFill>
+                        <a:effectLst/>
+                        <a:latin typeface="Courier"/>
+                      </a:endParaRPr>
+                    </a:p>
+                  </a:txBody>
+                  <a:tcPr marL="12700" marR="12700" marT="12700" marB="0" anchor="ctr">
+                    <a:lnL w="6350" cap="flat" cmpd="sng" algn="ctr">
+                      <a:solidFill>
+                        <a:srgbClr val="000000"/>
+                      </a:solidFill>
+                      <a:prstDash val="solid"/>
+                      <a:round/>
+                      <a:headEnd type="none" w="med" len="med"/>
+                      <a:tailEnd type="none" w="med" len="med"/>
+                    </a:lnL>
+                    <a:lnR w="6350" cap="flat" cmpd="sng" algn="ctr">
+                      <a:solidFill>
+                        <a:srgbClr val="000000"/>
+                      </a:solidFill>
+                      <a:prstDash val="solid"/>
+                      <a:round/>
+                      <a:headEnd type="none" w="med" len="med"/>
+                      <a:tailEnd type="none" w="med" len="med"/>
+                    </a:lnR>
+                    <a:lnT w="6350" cap="flat" cmpd="sng" algn="ctr">
+                      <a:solidFill>
+                        <a:srgbClr val="000000"/>
+                      </a:solidFill>
+                      <a:prstDash val="solid"/>
+                      <a:round/>
+                      <a:headEnd type="none" w="med" len="med"/>
+                      <a:tailEnd type="none" w="med" len="med"/>
+                    </a:lnT>
+                    <a:lnB w="6350" cap="flat" cmpd="sng" algn="ctr">
+                      <a:solidFill>
+                        <a:srgbClr val="000000"/>
+                      </a:solidFill>
+                      <a:prstDash val="solid"/>
+                      <a:round/>
+                      <a:headEnd type="none" w="med" len="med"/>
+                      <a:tailEnd type="none" w="med" len="med"/>
+                    </a:lnB>
+                  </a:tcPr>
+                </a:tc>
+                <a:tc>
+                  <a:txBody>
+                    <a:bodyPr/>
+                    <a:lstStyle/>
+                    <a:p>
+                      <a:pPr algn="l" fontAlgn="b"/>
+                      <a:r>
+                        <a:rPr lang="en-US" sz="2000" b="0" i="0" u="none" strike="noStrike" dirty="0" smtClean="0">
+                          <a:solidFill>
+                            <a:srgbClr val="000000"/>
+                          </a:solidFill>
+                          <a:effectLst/>
+                          <a:latin typeface="Courier"/>
+                        </a:rPr>
+                        <a:t>empty</a:t>
+                      </a:r>
+                      <a:r>
+                        <a:rPr lang="en-US" sz="2000" b="0" i="0" u="none" strike="noStrike" baseline="0" dirty="0" smtClean="0">
+                          <a:solidFill>
+                            <a:srgbClr val="000000"/>
+                          </a:solidFill>
+                          <a:effectLst/>
+                          <a:latin typeface="Courier"/>
+                        </a:rPr>
+                        <a:t> line</a:t>
+                      </a:r>
+                      <a:endParaRPr lang="en-US" sz="2000" b="0" i="0" u="none" strike="noStrike" dirty="0">
+                        <a:solidFill>
+                          <a:srgbClr val="000000"/>
+                        </a:solidFill>
+                        <a:effectLst/>
+                        <a:latin typeface="Courier"/>
+                      </a:endParaRPr>
+                    </a:p>
+                  </a:txBody>
+                  <a:tcPr marL="12700" marR="12700" marT="12700" marB="0" anchor="b">
+                    <a:lnL w="6350" cap="flat" cmpd="sng" algn="ctr">
+                      <a:solidFill>
+                        <a:srgbClr val="000000"/>
+                      </a:solidFill>
+                      <a:prstDash val="solid"/>
+                      <a:round/>
+                      <a:headEnd type="none" w="med" len="med"/>
+                      <a:tailEnd type="none" w="med" len="med"/>
+                    </a:lnL>
+                    <a:lnR w="6350" cap="flat" cmpd="sng" algn="ctr">
+                      <a:solidFill>
+                        <a:srgbClr val="000000"/>
+                      </a:solidFill>
+                      <a:prstDash val="solid"/>
+                      <a:round/>
+                      <a:headEnd type="none" w="med" len="med"/>
+                      <a:tailEnd type="none" w="med" len="med"/>
+                    </a:lnR>
+                    <a:lnT w="6350" cap="flat" cmpd="sng" algn="ctr">
+                      <a:solidFill>
+                        <a:srgbClr val="000000"/>
+                      </a:solidFill>
+                      <a:prstDash val="solid"/>
+                      <a:round/>
+                      <a:headEnd type="none" w="med" len="med"/>
+                      <a:tailEnd type="none" w="med" len="med"/>
+                    </a:lnT>
+                    <a:lnB w="6350" cap="flat" cmpd="sng" algn="ctr">
+                      <a:solidFill>
+                        <a:srgbClr val="000000"/>
+                      </a:solidFill>
+                      <a:prstDash val="solid"/>
+                      <a:round/>
+                      <a:headEnd type="none" w="med" len="med"/>
+                      <a:tailEnd type="none" w="med" len="med"/>
+                    </a:lnB>
+                  </a:tcPr>
+                </a:tc>
+              </a:tr>
+            </a:tbl>
+          </a:graphicData>
+        </a:graphic>
+      </p:graphicFrame>
     </p:spTree>
     <p:extLst>
       <p:ext uri="{BB962C8B-B14F-4D97-AF65-F5344CB8AC3E}">
-        <p14:creationId xmlns:p14="http://schemas.microsoft.com/office/powerpoint/2010/main" val="2000764796"/>
+        <p14:creationId xmlns:p14="http://schemas.microsoft.com/office/powerpoint/2010/main" val="2985686443"/>
       </p:ext>
     </p:extLst>
   </p:cSld>
   <p:clrMapOvr>
     <a:masterClrMapping/>
   </p:clrMapOvr>
-  <p:timing>
-    <p:tnLst>
-      <p:par>
-        <p:cTn xmlns:p14="http://schemas.microsoft.com/office/powerpoint/2010/main" id="1" dur="indefinite" restart="never" nodeType="tmRoot"/>
-      </p:par>
-    </p:tnLst>
-  </p:timing>
 </p:sld>
 </file>
 
